--- a/Design Documents/Space/Temple Plan V1.pptx
+++ b/Design Documents/Space/Temple Plan V1.pptx
@@ -266,7 +266,7 @@
           <a:p>
             <a:fld id="{6BB56244-6E85-8E49-A387-627D86596223}" type="datetimeFigureOut">
               <a:rPr lang="en-CH" smtClean="0"/>
-              <a:t>23.08.2024</a:t>
+              <a:t>18.06.2025</a:t>
             </a:fld>
             <a:endParaRPr lang="en-CH"/>
           </a:p>
@@ -466,7 +466,7 @@
           <a:p>
             <a:fld id="{6BB56244-6E85-8E49-A387-627D86596223}" type="datetimeFigureOut">
               <a:rPr lang="en-CH" smtClean="0"/>
-              <a:t>23.08.2024</a:t>
+              <a:t>18.06.2025</a:t>
             </a:fld>
             <a:endParaRPr lang="en-CH"/>
           </a:p>
@@ -676,7 +676,7 @@
           <a:p>
             <a:fld id="{6BB56244-6E85-8E49-A387-627D86596223}" type="datetimeFigureOut">
               <a:rPr lang="en-CH" smtClean="0"/>
-              <a:t>23.08.2024</a:t>
+              <a:t>18.06.2025</a:t>
             </a:fld>
             <a:endParaRPr lang="en-CH"/>
           </a:p>
@@ -876,7 +876,7 @@
           <a:p>
             <a:fld id="{6BB56244-6E85-8E49-A387-627D86596223}" type="datetimeFigureOut">
               <a:rPr lang="en-CH" smtClean="0"/>
-              <a:t>23.08.2024</a:t>
+              <a:t>18.06.2025</a:t>
             </a:fld>
             <a:endParaRPr lang="en-CH"/>
           </a:p>
@@ -1152,7 +1152,7 @@
           <a:p>
             <a:fld id="{6BB56244-6E85-8E49-A387-627D86596223}" type="datetimeFigureOut">
               <a:rPr lang="en-CH" smtClean="0"/>
-              <a:t>23.08.2024</a:t>
+              <a:t>18.06.2025</a:t>
             </a:fld>
             <a:endParaRPr lang="en-CH"/>
           </a:p>
@@ -1420,7 +1420,7 @@
           <a:p>
             <a:fld id="{6BB56244-6E85-8E49-A387-627D86596223}" type="datetimeFigureOut">
               <a:rPr lang="en-CH" smtClean="0"/>
-              <a:t>23.08.2024</a:t>
+              <a:t>18.06.2025</a:t>
             </a:fld>
             <a:endParaRPr lang="en-CH"/>
           </a:p>
@@ -1835,7 +1835,7 @@
           <a:p>
             <a:fld id="{6BB56244-6E85-8E49-A387-627D86596223}" type="datetimeFigureOut">
               <a:rPr lang="en-CH" smtClean="0"/>
-              <a:t>23.08.2024</a:t>
+              <a:t>18.06.2025</a:t>
             </a:fld>
             <a:endParaRPr lang="en-CH"/>
           </a:p>
@@ -1977,7 +1977,7 @@
           <a:p>
             <a:fld id="{6BB56244-6E85-8E49-A387-627D86596223}" type="datetimeFigureOut">
               <a:rPr lang="en-CH" smtClean="0"/>
-              <a:t>23.08.2024</a:t>
+              <a:t>18.06.2025</a:t>
             </a:fld>
             <a:endParaRPr lang="en-CH"/>
           </a:p>
@@ -2090,7 +2090,7 @@
           <a:p>
             <a:fld id="{6BB56244-6E85-8E49-A387-627D86596223}" type="datetimeFigureOut">
               <a:rPr lang="en-CH" smtClean="0"/>
-              <a:t>23.08.2024</a:t>
+              <a:t>18.06.2025</a:t>
             </a:fld>
             <a:endParaRPr lang="en-CH"/>
           </a:p>
@@ -2403,7 +2403,7 @@
           <a:p>
             <a:fld id="{6BB56244-6E85-8E49-A387-627D86596223}" type="datetimeFigureOut">
               <a:rPr lang="en-CH" smtClean="0"/>
-              <a:t>23.08.2024</a:t>
+              <a:t>18.06.2025</a:t>
             </a:fld>
             <a:endParaRPr lang="en-CH"/>
           </a:p>
@@ -2692,7 +2692,7 @@
           <a:p>
             <a:fld id="{6BB56244-6E85-8E49-A387-627D86596223}" type="datetimeFigureOut">
               <a:rPr lang="en-CH" smtClean="0"/>
-              <a:t>23.08.2024</a:t>
+              <a:t>18.06.2025</a:t>
             </a:fld>
             <a:endParaRPr lang="en-CH"/>
           </a:p>
@@ -2935,7 +2935,7 @@
           <a:p>
             <a:fld id="{6BB56244-6E85-8E49-A387-627D86596223}" type="datetimeFigureOut">
               <a:rPr lang="en-CH" smtClean="0"/>
-              <a:t>23.08.2024</a:t>
+              <a:t>18.06.2025</a:t>
             </a:fld>
             <a:endParaRPr lang="en-CH"/>
           </a:p>
@@ -4460,8 +4460,8 @@
         </p:nvSpPr>
         <p:spPr>
           <a:xfrm>
-            <a:off x="9323882" y="1034321"/>
-            <a:ext cx="1726627" cy="646331"/>
+            <a:off x="7992387" y="1018279"/>
+            <a:ext cx="3264996" cy="1477328"/>
           </a:xfrm>
           <a:prstGeom prst="rect">
             <a:avLst/>
@@ -4483,6 +4483,24 @@
             <a:r>
               <a:rPr lang="en-CH" dirty="0"/>
               <a:t>Blue = see</a:t>
+            </a:r>
+          </a:p>
+          <a:p>
+            <a:r>
+              <a:rPr lang="en-CH" dirty="0"/>
+              <a:t>Orange = “locked”</a:t>
+            </a:r>
+          </a:p>
+          <a:p>
+            <a:r>
+              <a:rPr lang="en-CH" dirty="0"/>
+              <a:t>Yellow = one way</a:t>
+            </a:r>
+          </a:p>
+          <a:p>
+            <a:r>
+              <a:rPr lang="en-CH" dirty="0"/>
+              <a:t>Dotted = passage due to damage</a:t>
             </a:r>
           </a:p>
         </p:txBody>
@@ -6639,7 +6657,7 @@
           </a:prstGeom>
           <a:ln w="12700" cmpd="sng">
             <a:solidFill>
-              <a:srgbClr val="FF0000"/>
+              <a:schemeClr val="accent4"/>
             </a:solidFill>
             <a:prstDash val="sysDash"/>
             <a:miter lim="800000"/>
@@ -7188,7 +7206,7 @@
           </a:prstGeom>
           <a:ln w="12700">
             <a:solidFill>
-              <a:schemeClr val="accent6"/>
+              <a:schemeClr val="accent2"/>
             </a:solidFill>
             <a:headEnd type="triangle"/>
             <a:tailEnd type="triangle"/>
@@ -7577,7 +7595,7 @@
               <a:schemeClr val="accent6"/>
             </a:solidFill>
             <a:headEnd type="triangle"/>
-            <a:tailEnd type="triangle"/>
+            <a:tailEnd type="none"/>
           </a:ln>
         </p:spPr>
         <p:style>
@@ -7858,7 +7876,7 @@
           </a:prstGeom>
           <a:ln w="12700">
             <a:solidFill>
-              <a:schemeClr val="accent6"/>
+              <a:schemeClr val="accent2"/>
             </a:solidFill>
             <a:headEnd type="triangle"/>
             <a:tailEnd type="triangle"/>
@@ -7907,7 +7925,7 @@
           </a:prstGeom>
           <a:ln w="12700">
             <a:solidFill>
-              <a:schemeClr val="accent6"/>
+              <a:schemeClr val="accent2"/>
             </a:solidFill>
             <a:headEnd type="triangle"/>
             <a:tailEnd type="triangle"/>
@@ -7956,7 +7974,7 @@
           </a:prstGeom>
           <a:ln w="12700">
             <a:solidFill>
-              <a:schemeClr val="accent6"/>
+              <a:schemeClr val="accent2"/>
             </a:solidFill>
             <a:headEnd type="triangle"/>
             <a:tailEnd type="triangle"/>
@@ -8188,6 +8206,41 @@
           </a:fontRef>
         </p:style>
       </p:cxnSp>
+      <p:sp>
+        <p:nvSpPr>
+          <p:cNvPr id="2" name="TextBox 1">
+            <a:extLst>
+              <a:ext uri="{FF2B5EF4-FFF2-40B4-BE49-F238E27FC236}">
+                <a16:creationId xmlns:a16="http://schemas.microsoft.com/office/drawing/2014/main" id="{BE40535B-384D-3EB7-F294-B6349E2F3130}"/>
+              </a:ext>
+            </a:extLst>
+          </p:cNvPr>
+          <p:cNvSpPr txBox="1"/>
+          <p:nvPr/>
+        </p:nvSpPr>
+        <p:spPr>
+          <a:xfrm>
+            <a:off x="9432757" y="1909011"/>
+            <a:ext cx="1172116" cy="246221"/>
+          </a:xfrm>
+          <a:prstGeom prst="rect">
+            <a:avLst/>
+          </a:prstGeom>
+          <a:noFill/>
+        </p:spPr>
+        <p:txBody>
+          <a:bodyPr wrap="none" rtlCol="0">
+            <a:spAutoFit/>
+          </a:bodyPr>
+          <a:lstStyle/>
+          <a:p>
+            <a:r>
+              <a:rPr lang="en-CH" sz="1000" dirty="0"/>
+              <a:t>rubbles -&gt; one way</a:t>
+            </a:r>
+          </a:p>
+        </p:txBody>
+      </p:sp>
     </p:spTree>
     <p:extLst>
       <p:ext uri="{BB962C8B-B14F-4D97-AF65-F5344CB8AC3E}">
@@ -8657,7 +8710,7 @@
           </a:prstGeom>
           <a:ln w="12700">
             <a:solidFill>
-              <a:schemeClr val="accent6"/>
+              <a:schemeClr val="accent2"/>
             </a:solidFill>
             <a:headEnd type="triangle"/>
             <a:tailEnd type="triangle"/>

--- a/Design Documents/Space/Temple Plan V1.pptx
+++ b/Design Documents/Space/Temple Plan V1.pptx
@@ -5438,7 +5438,7 @@
                   <a:schemeClr val="tx1"/>
                 </a:solidFill>
               </a:rPr>
-              <a:t>Visitor/Waiting Room</a:t>
+              <a:t>Waiting Room</a:t>
             </a:r>
           </a:p>
         </p:txBody>
@@ -6216,8 +6216,20 @@
                   <a:schemeClr val="tx1"/>
                 </a:solidFill>
               </a:rPr>
-              <a:t>Crafting (art) Room</a:t>
-            </a:r>
+              <a:t>Crafting  Room</a:t>
+            </a:r>
+            <a:br>
+              <a:rPr lang="en-CH" dirty="0">
+                <a:solidFill>
+                  <a:schemeClr val="tx1"/>
+                </a:solidFill>
+              </a:rPr>
+            </a:br>
+            <a:endParaRPr lang="en-CH" dirty="0">
+              <a:solidFill>
+                <a:schemeClr val="tx1"/>
+              </a:solidFill>
+            </a:endParaRPr>
           </a:p>
         </p:txBody>
       </p:sp>
@@ -6295,7 +6307,7 @@
           </a:prstGeom>
           <a:ln w="12700" cmpd="sng">
             <a:solidFill>
-              <a:schemeClr val="accent6"/>
+              <a:schemeClr val="accent2"/>
             </a:solidFill>
             <a:miter lim="800000"/>
             <a:headEnd type="triangle"/>
@@ -6561,7 +6573,7 @@
           </a:prstGeom>
           <a:ln w="12700">
             <a:solidFill>
-              <a:schemeClr val="accent6"/>
+              <a:schemeClr val="accent2"/>
             </a:solidFill>
             <a:headEnd type="triangle"/>
             <a:tailEnd type="triangle"/>
@@ -6608,7 +6620,7 @@
           </a:prstGeom>
           <a:ln w="12700">
             <a:solidFill>
-              <a:schemeClr val="accent6"/>
+              <a:schemeClr val="accent2"/>
             </a:solidFill>
             <a:headEnd type="triangle"/>
             <a:tailEnd type="triangle"/>
@@ -7111,7 +7123,7 @@
                   <a:schemeClr val="tx1"/>
                 </a:solidFill>
               </a:rPr>
-              <a:t>Common Prayer Room</a:t>
+              <a:t>Prayer Room</a:t>
             </a:r>
           </a:p>
         </p:txBody>
@@ -7719,7 +7731,22 @@
                   <a:schemeClr val="tx1"/>
                 </a:solidFill>
               </a:rPr>
-              <a:t>Room 1</a:t>
+              <a:t>RO’s Room</a:t>
+            </a:r>
+            <a:br>
+              <a:rPr lang="en-CH" dirty="0">
+                <a:solidFill>
+                  <a:schemeClr val="tx1"/>
+                </a:solidFill>
+              </a:rPr>
+            </a:br>
+            <a:r>
+              <a:rPr lang="en-CH" dirty="0">
+                <a:solidFill>
+                  <a:schemeClr val="tx1"/>
+                </a:solidFill>
+              </a:rPr>
+              <a:t>(EO’s old Room)</a:t>
             </a:r>
           </a:p>
         </p:txBody>
@@ -7781,7 +7808,22 @@
                   <a:schemeClr val="tx1"/>
                 </a:solidFill>
               </a:rPr>
-              <a:t>Room 2</a:t>
+              <a:t>SO’s Room</a:t>
+            </a:r>
+            <a:br>
+              <a:rPr lang="en-CH" dirty="0">
+                <a:solidFill>
+                  <a:schemeClr val="tx1"/>
+                </a:solidFill>
+              </a:rPr>
+            </a:br>
+            <a:r>
+              <a:rPr lang="en-CH" dirty="0">
+                <a:solidFill>
+                  <a:schemeClr val="tx1"/>
+                </a:solidFill>
+              </a:rPr>
+              <a:t>(RO’s old Room)</a:t>
             </a:r>
           </a:p>
         </p:txBody>
@@ -7843,7 +7885,7 @@
                   <a:schemeClr val="tx1"/>
                 </a:solidFill>
               </a:rPr>
-              <a:t>Room 3</a:t>
+              <a:t>LO’s Room</a:t>
             </a:r>
           </a:p>
         </p:txBody>

--- a/Design Documents/Space/Temple Plan V1.pptx
+++ b/Design Documents/Space/Temple Plan V1.pptx
@@ -5,12 +5,11 @@
     <p:sldMasterId id="2147483648" r:id="rId1"/>
   </p:sldMasterIdLst>
   <p:sldIdLst>
-    <p:sldId id="256" r:id="rId2"/>
-    <p:sldId id="260" r:id="rId3"/>
-    <p:sldId id="258" r:id="rId4"/>
-    <p:sldId id="259" r:id="rId5"/>
-    <p:sldId id="257" r:id="rId6"/>
-    <p:sldId id="261" r:id="rId7"/>
+    <p:sldId id="260" r:id="rId2"/>
+    <p:sldId id="258" r:id="rId3"/>
+    <p:sldId id="259" r:id="rId4"/>
+    <p:sldId id="257" r:id="rId5"/>
+    <p:sldId id="261" r:id="rId6"/>
   </p:sldIdLst>
   <p:sldSz cx="12192000" cy="6858000"/>
   <p:notesSz cx="6858000" cy="9144000"/>
@@ -266,7 +265,7 @@
           <a:p>
             <a:fld id="{6BB56244-6E85-8E49-A387-627D86596223}" type="datetimeFigureOut">
               <a:rPr lang="en-CH" smtClean="0"/>
-              <a:t>18.06.2025</a:t>
+              <a:t>16.12.2025</a:t>
             </a:fld>
             <a:endParaRPr lang="en-CH"/>
           </a:p>
@@ -466,7 +465,7 @@
           <a:p>
             <a:fld id="{6BB56244-6E85-8E49-A387-627D86596223}" type="datetimeFigureOut">
               <a:rPr lang="en-CH" smtClean="0"/>
-              <a:t>18.06.2025</a:t>
+              <a:t>16.12.2025</a:t>
             </a:fld>
             <a:endParaRPr lang="en-CH"/>
           </a:p>
@@ -676,7 +675,7 @@
           <a:p>
             <a:fld id="{6BB56244-6E85-8E49-A387-627D86596223}" type="datetimeFigureOut">
               <a:rPr lang="en-CH" smtClean="0"/>
-              <a:t>18.06.2025</a:t>
+              <a:t>16.12.2025</a:t>
             </a:fld>
             <a:endParaRPr lang="en-CH"/>
           </a:p>
@@ -876,7 +875,7 @@
           <a:p>
             <a:fld id="{6BB56244-6E85-8E49-A387-627D86596223}" type="datetimeFigureOut">
               <a:rPr lang="en-CH" smtClean="0"/>
-              <a:t>18.06.2025</a:t>
+              <a:t>16.12.2025</a:t>
             </a:fld>
             <a:endParaRPr lang="en-CH"/>
           </a:p>
@@ -1152,7 +1151,7 @@
           <a:p>
             <a:fld id="{6BB56244-6E85-8E49-A387-627D86596223}" type="datetimeFigureOut">
               <a:rPr lang="en-CH" smtClean="0"/>
-              <a:t>18.06.2025</a:t>
+              <a:t>16.12.2025</a:t>
             </a:fld>
             <a:endParaRPr lang="en-CH"/>
           </a:p>
@@ -1420,7 +1419,7 @@
           <a:p>
             <a:fld id="{6BB56244-6E85-8E49-A387-627D86596223}" type="datetimeFigureOut">
               <a:rPr lang="en-CH" smtClean="0"/>
-              <a:t>18.06.2025</a:t>
+              <a:t>16.12.2025</a:t>
             </a:fld>
             <a:endParaRPr lang="en-CH"/>
           </a:p>
@@ -1835,7 +1834,7 @@
           <a:p>
             <a:fld id="{6BB56244-6E85-8E49-A387-627D86596223}" type="datetimeFigureOut">
               <a:rPr lang="en-CH" smtClean="0"/>
-              <a:t>18.06.2025</a:t>
+              <a:t>16.12.2025</a:t>
             </a:fld>
             <a:endParaRPr lang="en-CH"/>
           </a:p>
@@ -1977,7 +1976,7 @@
           <a:p>
             <a:fld id="{6BB56244-6E85-8E49-A387-627D86596223}" type="datetimeFigureOut">
               <a:rPr lang="en-CH" smtClean="0"/>
-              <a:t>18.06.2025</a:t>
+              <a:t>16.12.2025</a:t>
             </a:fld>
             <a:endParaRPr lang="en-CH"/>
           </a:p>
@@ -2090,7 +2089,7 @@
           <a:p>
             <a:fld id="{6BB56244-6E85-8E49-A387-627D86596223}" type="datetimeFigureOut">
               <a:rPr lang="en-CH" smtClean="0"/>
-              <a:t>18.06.2025</a:t>
+              <a:t>16.12.2025</a:t>
             </a:fld>
             <a:endParaRPr lang="en-CH"/>
           </a:p>
@@ -2403,7 +2402,7 @@
           <a:p>
             <a:fld id="{6BB56244-6E85-8E49-A387-627D86596223}" type="datetimeFigureOut">
               <a:rPr lang="en-CH" smtClean="0"/>
-              <a:t>18.06.2025</a:t>
+              <a:t>16.12.2025</a:t>
             </a:fld>
             <a:endParaRPr lang="en-CH"/>
           </a:p>
@@ -2692,7 +2691,7 @@
           <a:p>
             <a:fld id="{6BB56244-6E85-8E49-A387-627D86596223}" type="datetimeFigureOut">
               <a:rPr lang="en-CH" smtClean="0"/>
-              <a:t>18.06.2025</a:t>
+              <a:t>16.12.2025</a:t>
             </a:fld>
             <a:endParaRPr lang="en-CH"/>
           </a:p>
@@ -2935,7 +2934,7 @@
           <a:p>
             <a:fld id="{6BB56244-6E85-8E49-A387-627D86596223}" type="datetimeFigureOut">
               <a:rPr lang="en-CH" smtClean="0"/>
-              <a:t>18.06.2025</a:t>
+              <a:t>16.12.2025</a:t>
             </a:fld>
             <a:endParaRPr lang="en-CH"/>
           </a:p>
@@ -3338,14 +3337,6 @@
 <file path=ppt/slides/slide1.xml><?xml version="1.0" encoding="utf-8"?>
 <p:sld xmlns:a="http://schemas.openxmlformats.org/drawingml/2006/main" xmlns:r="http://schemas.openxmlformats.org/officeDocument/2006/relationships" xmlns:p="http://schemas.openxmlformats.org/presentationml/2006/main">
   <p:cSld>
-    <p:bg>
-      <p:bgPr>
-        <a:solidFill>
-          <a:schemeClr val="tx2"/>
-        </a:solidFill>
-        <a:effectLst/>
-      </p:bgPr>
-    </p:bg>
     <p:spTree>
       <p:nvGrpSpPr>
         <p:cNvPr id="1" name=""/>
@@ -3362,1029 +3353,137 @@
       </p:grpSpPr>
       <p:sp>
         <p:nvSpPr>
-          <p:cNvPr id="4" name="Rounded Rectangle 3">
-            <a:extLst>
-              <a:ext uri="{FF2B5EF4-FFF2-40B4-BE49-F238E27FC236}">
-                <a16:creationId xmlns:a16="http://schemas.microsoft.com/office/drawing/2014/main" id="{65AB8736-80E5-69CE-53C6-3839F1D23D22}"/>
-              </a:ext>
-            </a:extLst>
-          </p:cNvPr>
-          <p:cNvSpPr/>
+          <p:cNvPr id="10" name="TextBox 9">
+            <a:extLst>
+              <a:ext uri="{FF2B5EF4-FFF2-40B4-BE49-F238E27FC236}">
+                <a16:creationId xmlns:a16="http://schemas.microsoft.com/office/drawing/2014/main" id="{094864DE-9C7B-8809-63ED-2309E0C2D82E}"/>
+              </a:ext>
+            </a:extLst>
+          </p:cNvPr>
+          <p:cNvSpPr txBox="1"/>
           <p:nvPr/>
         </p:nvSpPr>
         <p:spPr>
           <a:xfrm>
-            <a:off x="293558" y="1052435"/>
-            <a:ext cx="2944319" cy="734518"/>
-          </a:xfrm>
-          <a:prstGeom prst="roundRect">
+            <a:off x="44974" y="29981"/>
+            <a:ext cx="979435" cy="369332"/>
+          </a:xfrm>
+          <a:prstGeom prst="rect">
             <a:avLst/>
           </a:prstGeom>
-          <a:solidFill>
-            <a:schemeClr val="accent1">
-              <a:lumMod val="60000"/>
-              <a:lumOff val="40000"/>
-            </a:schemeClr>
-          </a:solidFill>
-        </p:spPr>
-        <p:style>
-          <a:lnRef idx="2">
-            <a:schemeClr val="accent1">
-              <a:shade val="15000"/>
-            </a:schemeClr>
-          </a:lnRef>
-          <a:fillRef idx="1">
-            <a:schemeClr val="accent1"/>
-          </a:fillRef>
-          <a:effectRef idx="0">
-            <a:schemeClr val="accent1"/>
-          </a:effectRef>
-          <a:fontRef idx="minor">
-            <a:schemeClr val="lt1"/>
-          </a:fontRef>
-        </p:style>
-        <p:txBody>
-          <a:bodyPr rtlCol="0" anchor="ctr"/>
-          <a:lstStyle/>
-          <a:p>
-            <a:pPr algn="ctr"/>
-            <a:r>
-              <a:rPr lang="en-CH" b="1" dirty="0">
-                <a:solidFill>
-                  <a:schemeClr val="tx2">
-                    <a:lumMod val="50000"/>
-                  </a:schemeClr>
-                </a:solidFill>
-              </a:rPr>
-              <a:t>GDD</a:t>
-            </a:r>
-          </a:p>
-        </p:txBody>
-      </p:sp>
-      <p:sp>
-        <p:nvSpPr>
-          <p:cNvPr id="5" name="Rounded Rectangle 4">
-            <a:extLst>
-              <a:ext uri="{FF2B5EF4-FFF2-40B4-BE49-F238E27FC236}">
-                <a16:creationId xmlns:a16="http://schemas.microsoft.com/office/drawing/2014/main" id="{80ED7422-B402-092D-4EB3-98AB4D7C35DE}"/>
-              </a:ext>
-            </a:extLst>
-          </p:cNvPr>
-          <p:cNvSpPr/>
+          <a:noFill/>
+        </p:spPr>
+        <p:txBody>
+          <a:bodyPr wrap="none" rtlCol="0">
+            <a:spAutoFit/>
+          </a:bodyPr>
+          <a:lstStyle/>
+          <a:p>
+            <a:r>
+              <a:rPr lang="en-CH" dirty="0"/>
+              <a:t>Légende</a:t>
+            </a:r>
+          </a:p>
+        </p:txBody>
+      </p:sp>
+      <p:sp>
+        <p:nvSpPr>
+          <p:cNvPr id="2" name="TextBox 1">
+            <a:extLst>
+              <a:ext uri="{FF2B5EF4-FFF2-40B4-BE49-F238E27FC236}">
+                <a16:creationId xmlns:a16="http://schemas.microsoft.com/office/drawing/2014/main" id="{BC9A3892-EBEA-7B3C-161C-9B02F5E9D07D}"/>
+              </a:ext>
+            </a:extLst>
+          </p:cNvPr>
+          <p:cNvSpPr txBox="1"/>
           <p:nvPr/>
         </p:nvSpPr>
         <p:spPr>
           <a:xfrm>
-            <a:off x="293558" y="5137775"/>
-            <a:ext cx="3972380" cy="734518"/>
-          </a:xfrm>
-          <a:prstGeom prst="roundRect">
+            <a:off x="4220487" y="2515609"/>
+            <a:ext cx="3264996" cy="1477328"/>
+          </a:xfrm>
+          <a:prstGeom prst="rect">
             <a:avLst/>
           </a:prstGeom>
-          <a:solidFill>
-            <a:srgbClr val="DC8F90"/>
-          </a:solidFill>
-        </p:spPr>
-        <p:style>
-          <a:lnRef idx="2">
-            <a:schemeClr val="accent1">
-              <a:shade val="15000"/>
-            </a:schemeClr>
-          </a:lnRef>
-          <a:fillRef idx="1">
-            <a:schemeClr val="accent1"/>
-          </a:fillRef>
-          <a:effectRef idx="0">
-            <a:schemeClr val="accent1"/>
-          </a:effectRef>
-          <a:fontRef idx="minor">
-            <a:schemeClr val="lt1"/>
-          </a:fontRef>
-        </p:style>
-        <p:txBody>
-          <a:bodyPr rtlCol="0" anchor="ctr"/>
-          <a:lstStyle/>
-          <a:p>
-            <a:pPr algn="ctr"/>
-            <a:r>
-              <a:rPr lang="en-CH" b="1" dirty="0">
-                <a:solidFill>
-                  <a:schemeClr val="tx2">
-                    <a:lumMod val="50000"/>
-                  </a:schemeClr>
-                </a:solidFill>
-              </a:rPr>
-              <a:t>TEXT PROTO LVL 1</a:t>
-            </a:r>
-          </a:p>
-        </p:txBody>
-      </p:sp>
-      <p:sp>
-        <p:nvSpPr>
-          <p:cNvPr id="7" name="Rounded Rectangle 6">
-            <a:extLst>
-              <a:ext uri="{FF2B5EF4-FFF2-40B4-BE49-F238E27FC236}">
-                <a16:creationId xmlns:a16="http://schemas.microsoft.com/office/drawing/2014/main" id="{158793DE-65E4-95DD-B6EA-B85FC1F78FB7}"/>
-              </a:ext>
-            </a:extLst>
-          </p:cNvPr>
-          <p:cNvSpPr/>
+          <a:noFill/>
+        </p:spPr>
+        <p:txBody>
+          <a:bodyPr wrap="none" rtlCol="0">
+            <a:spAutoFit/>
+          </a:bodyPr>
+          <a:lstStyle/>
+          <a:p>
+            <a:r>
+              <a:rPr lang="en-CH" dirty="0"/>
+              <a:t>Green = passage</a:t>
+            </a:r>
+          </a:p>
+          <a:p>
+            <a:r>
+              <a:rPr lang="en-CH" dirty="0"/>
+              <a:t>Blue = able to see</a:t>
+            </a:r>
+          </a:p>
+          <a:p>
+            <a:r>
+              <a:rPr lang="en-CH" dirty="0"/>
+              <a:t>Orange = “locked”</a:t>
+            </a:r>
+          </a:p>
+          <a:p>
+            <a:r>
+              <a:rPr lang="en-CH" dirty="0"/>
+              <a:t>Yellow = one way</a:t>
+            </a:r>
+          </a:p>
+          <a:p>
+            <a:r>
+              <a:rPr lang="en-CH" dirty="0"/>
+              <a:t>Dotted = passage due to damage</a:t>
+            </a:r>
+          </a:p>
+        </p:txBody>
+      </p:sp>
+      <p:sp>
+        <p:nvSpPr>
+          <p:cNvPr id="3" name="TextBox 2">
+            <a:extLst>
+              <a:ext uri="{FF2B5EF4-FFF2-40B4-BE49-F238E27FC236}">
+                <a16:creationId xmlns:a16="http://schemas.microsoft.com/office/drawing/2014/main" id="{7CF90F3D-2BA9-17E9-024D-17BD461B7D61}"/>
+              </a:ext>
+            </a:extLst>
+          </p:cNvPr>
+          <p:cNvSpPr txBox="1"/>
           <p:nvPr/>
         </p:nvSpPr>
         <p:spPr>
           <a:xfrm>
-            <a:off x="293558" y="1869503"/>
-            <a:ext cx="9190228" cy="734518"/>
-          </a:xfrm>
-          <a:prstGeom prst="roundRect">
+            <a:off x="1040130" y="1417320"/>
+            <a:ext cx="10310002" cy="369332"/>
+          </a:xfrm>
+          <a:prstGeom prst="rect">
             <a:avLst/>
           </a:prstGeom>
-          <a:solidFill>
-            <a:srgbClr val="6685BF"/>
-          </a:solidFill>
-        </p:spPr>
-        <p:style>
-          <a:lnRef idx="2">
-            <a:schemeClr val="accent1">
-              <a:shade val="15000"/>
-            </a:schemeClr>
-          </a:lnRef>
-          <a:fillRef idx="1">
-            <a:schemeClr val="accent1"/>
-          </a:fillRef>
-          <a:effectRef idx="0">
-            <a:schemeClr val="accent1"/>
-          </a:effectRef>
-          <a:fontRef idx="minor">
-            <a:schemeClr val="lt1"/>
-          </a:fontRef>
-        </p:style>
-        <p:txBody>
-          <a:bodyPr rtlCol="0" anchor="ctr"/>
-          <a:lstStyle/>
-          <a:p>
-            <a:pPr algn="ctr"/>
-            <a:r>
-              <a:rPr lang="en-CH" b="1" dirty="0">
-                <a:solidFill>
-                  <a:schemeClr val="tx2">
-                    <a:lumMod val="50000"/>
-                  </a:schemeClr>
-                </a:solidFill>
-              </a:rPr>
-              <a:t>GODOT</a:t>
-            </a:r>
-          </a:p>
-        </p:txBody>
-      </p:sp>
-      <p:sp>
-        <p:nvSpPr>
-          <p:cNvPr id="8" name="Rounded Rectangle 7">
-            <a:extLst>
-              <a:ext uri="{FF2B5EF4-FFF2-40B4-BE49-F238E27FC236}">
-                <a16:creationId xmlns:a16="http://schemas.microsoft.com/office/drawing/2014/main" id="{3E89C5AE-8BE5-B30D-EB14-1C40D052CDD7}"/>
-              </a:ext>
-            </a:extLst>
-          </p:cNvPr>
-          <p:cNvSpPr/>
-          <p:nvPr/>
-        </p:nvSpPr>
-        <p:spPr>
-          <a:xfrm>
-            <a:off x="293559" y="2686571"/>
-            <a:ext cx="1828798" cy="734518"/>
-          </a:xfrm>
-          <a:prstGeom prst="roundRect">
-            <a:avLst/>
-          </a:prstGeom>
-          <a:solidFill>
-            <a:srgbClr val="BEBAAB"/>
-          </a:solidFill>
-        </p:spPr>
-        <p:style>
-          <a:lnRef idx="2">
-            <a:schemeClr val="accent1">
-              <a:shade val="15000"/>
-            </a:schemeClr>
-          </a:lnRef>
-          <a:fillRef idx="1">
-            <a:schemeClr val="accent1"/>
-          </a:fillRef>
-          <a:effectRef idx="0">
-            <a:schemeClr val="accent1"/>
-          </a:effectRef>
-          <a:fontRef idx="minor">
-            <a:schemeClr val="lt1"/>
-          </a:fontRef>
-        </p:style>
-        <p:txBody>
-          <a:bodyPr rtlCol="0" anchor="ctr"/>
-          <a:lstStyle/>
-          <a:p>
-            <a:pPr algn="ctr"/>
-            <a:r>
-              <a:rPr lang="en-CH" b="1" dirty="0">
-                <a:solidFill>
-                  <a:schemeClr val="tx2">
-                    <a:lumMod val="50000"/>
-                  </a:schemeClr>
-                </a:solidFill>
-              </a:rPr>
-              <a:t>BACKGROUND</a:t>
-            </a:r>
-          </a:p>
-        </p:txBody>
-      </p:sp>
-      <p:sp>
-        <p:nvSpPr>
-          <p:cNvPr id="9" name="Rounded Rectangle 8">
-            <a:extLst>
-              <a:ext uri="{FF2B5EF4-FFF2-40B4-BE49-F238E27FC236}">
-                <a16:creationId xmlns:a16="http://schemas.microsoft.com/office/drawing/2014/main" id="{9B79115F-DFDA-36B8-54F3-3D226B111691}"/>
-              </a:ext>
-            </a:extLst>
-          </p:cNvPr>
-          <p:cNvSpPr/>
-          <p:nvPr/>
-        </p:nvSpPr>
-        <p:spPr>
-          <a:xfrm>
-            <a:off x="1162986" y="3503639"/>
-            <a:ext cx="2074891" cy="734518"/>
-          </a:xfrm>
-          <a:prstGeom prst="roundRect">
-            <a:avLst/>
-          </a:prstGeom>
-          <a:solidFill>
-            <a:srgbClr val="BEBAAB"/>
-          </a:solidFill>
-        </p:spPr>
-        <p:style>
-          <a:lnRef idx="2">
-            <a:schemeClr val="accent1">
-              <a:shade val="15000"/>
-            </a:schemeClr>
-          </a:lnRef>
-          <a:fillRef idx="1">
-            <a:schemeClr val="accent1"/>
-          </a:fillRef>
-          <a:effectRef idx="0">
-            <a:schemeClr val="accent1"/>
-          </a:effectRef>
-          <a:fontRef idx="minor">
-            <a:schemeClr val="lt1"/>
-          </a:fontRef>
-        </p:style>
-        <p:txBody>
-          <a:bodyPr rtlCol="0" anchor="ctr"/>
-          <a:lstStyle/>
-          <a:p>
-            <a:pPr algn="ctr"/>
-            <a:r>
-              <a:rPr lang="en-CH" b="1" dirty="0">
-                <a:solidFill>
-                  <a:schemeClr val="tx2">
-                    <a:lumMod val="50000"/>
-                  </a:schemeClr>
-                </a:solidFill>
-              </a:rPr>
-              <a:t>CHARACTERS</a:t>
-            </a:r>
-          </a:p>
-        </p:txBody>
-      </p:sp>
-      <p:sp>
-        <p:nvSpPr>
-          <p:cNvPr id="10" name="Rounded Rectangle 9">
-            <a:extLst>
-              <a:ext uri="{FF2B5EF4-FFF2-40B4-BE49-F238E27FC236}">
-                <a16:creationId xmlns:a16="http://schemas.microsoft.com/office/drawing/2014/main" id="{CF90EB3C-5EBE-F883-07B4-A529F65AE296}"/>
-              </a:ext>
-            </a:extLst>
-          </p:cNvPr>
-          <p:cNvSpPr/>
-          <p:nvPr/>
-        </p:nvSpPr>
-        <p:spPr>
-          <a:xfrm>
-            <a:off x="2122356" y="4320707"/>
-            <a:ext cx="1835049" cy="734518"/>
-          </a:xfrm>
-          <a:prstGeom prst="roundRect">
-            <a:avLst/>
-          </a:prstGeom>
-          <a:solidFill>
-            <a:srgbClr val="BEBAAB"/>
-          </a:solidFill>
-        </p:spPr>
-        <p:style>
-          <a:lnRef idx="2">
-            <a:schemeClr val="accent1">
-              <a:shade val="15000"/>
-            </a:schemeClr>
-          </a:lnRef>
-          <a:fillRef idx="1">
-            <a:schemeClr val="accent1"/>
-          </a:fillRef>
-          <a:effectRef idx="0">
-            <a:schemeClr val="accent1"/>
-          </a:effectRef>
-          <a:fontRef idx="minor">
-            <a:schemeClr val="lt1"/>
-          </a:fontRef>
-        </p:style>
-        <p:txBody>
-          <a:bodyPr rtlCol="0" anchor="ctr"/>
-          <a:lstStyle/>
-          <a:p>
-            <a:pPr algn="ctr"/>
-            <a:r>
-              <a:rPr lang="en-CH" b="1" dirty="0">
-                <a:solidFill>
-                  <a:schemeClr val="tx2">
-                    <a:lumMod val="50000"/>
-                  </a:schemeClr>
-                </a:solidFill>
-              </a:rPr>
-              <a:t>STORY (SCENES)</a:t>
-            </a:r>
-          </a:p>
-        </p:txBody>
-      </p:sp>
-      <p:sp>
-        <p:nvSpPr>
-          <p:cNvPr id="21" name="Rounded Rectangle 20">
-            <a:extLst>
-              <a:ext uri="{FF2B5EF4-FFF2-40B4-BE49-F238E27FC236}">
-                <a16:creationId xmlns:a16="http://schemas.microsoft.com/office/drawing/2014/main" id="{FE3702B2-4CB0-2E1B-34BA-E591319B48C8}"/>
-              </a:ext>
-            </a:extLst>
-          </p:cNvPr>
-          <p:cNvSpPr/>
-          <p:nvPr/>
-        </p:nvSpPr>
-        <p:spPr>
-          <a:xfrm>
-            <a:off x="4272196" y="5137775"/>
-            <a:ext cx="2074889" cy="734518"/>
-          </a:xfrm>
-          <a:prstGeom prst="roundRect">
-            <a:avLst/>
-          </a:prstGeom>
-          <a:solidFill>
-            <a:srgbClr val="DC8F90"/>
-          </a:solidFill>
-        </p:spPr>
-        <p:style>
-          <a:lnRef idx="2">
-            <a:schemeClr val="accent1">
-              <a:shade val="15000"/>
-            </a:schemeClr>
-          </a:lnRef>
-          <a:fillRef idx="1">
-            <a:schemeClr val="accent1"/>
-          </a:fillRef>
-          <a:effectRef idx="0">
-            <a:schemeClr val="accent1"/>
-          </a:effectRef>
-          <a:fontRef idx="minor">
-            <a:schemeClr val="lt1"/>
-          </a:fontRef>
-        </p:style>
-        <p:txBody>
-          <a:bodyPr rtlCol="0" anchor="ctr"/>
-          <a:lstStyle/>
-          <a:p>
-            <a:pPr algn="ctr"/>
-            <a:r>
-              <a:rPr lang="en-CH" b="1" dirty="0">
-                <a:solidFill>
-                  <a:schemeClr val="tx2">
-                    <a:lumMod val="50000"/>
-                  </a:schemeClr>
-                </a:solidFill>
-              </a:rPr>
-              <a:t>TEXT PROTO LVL 2</a:t>
-            </a:r>
-          </a:p>
-        </p:txBody>
-      </p:sp>
-      <p:sp>
-        <p:nvSpPr>
-          <p:cNvPr id="23" name="Rounded Rectangle 22">
-            <a:extLst>
-              <a:ext uri="{FF2B5EF4-FFF2-40B4-BE49-F238E27FC236}">
-                <a16:creationId xmlns:a16="http://schemas.microsoft.com/office/drawing/2014/main" id="{94FB35B9-10DE-26AA-B94E-AB0F3EB02BC3}"/>
-              </a:ext>
-            </a:extLst>
-          </p:cNvPr>
-          <p:cNvSpPr/>
-          <p:nvPr/>
-        </p:nvSpPr>
-        <p:spPr>
-          <a:xfrm>
-            <a:off x="6353333" y="5137775"/>
-            <a:ext cx="2074889" cy="734518"/>
-          </a:xfrm>
-          <a:prstGeom prst="roundRect">
-            <a:avLst/>
-          </a:prstGeom>
-          <a:solidFill>
-            <a:srgbClr val="DC8F90"/>
-          </a:solidFill>
-        </p:spPr>
-        <p:style>
-          <a:lnRef idx="2">
-            <a:schemeClr val="accent1">
-              <a:shade val="15000"/>
-            </a:schemeClr>
-          </a:lnRef>
-          <a:fillRef idx="1">
-            <a:schemeClr val="accent1"/>
-          </a:fillRef>
-          <a:effectRef idx="0">
-            <a:schemeClr val="accent1"/>
-          </a:effectRef>
-          <a:fontRef idx="minor">
-            <a:schemeClr val="lt1"/>
-          </a:fontRef>
-        </p:style>
-        <p:txBody>
-          <a:bodyPr rtlCol="0" anchor="ctr"/>
-          <a:lstStyle/>
-          <a:p>
-            <a:pPr algn="ctr"/>
-            <a:r>
-              <a:rPr lang="en-CH" b="1" dirty="0">
-                <a:solidFill>
-                  <a:schemeClr val="tx2">
-                    <a:lumMod val="50000"/>
-                  </a:schemeClr>
-                </a:solidFill>
-              </a:rPr>
-              <a:t>TEXT PROTO LVL 3</a:t>
-            </a:r>
-          </a:p>
-        </p:txBody>
-      </p:sp>
-      <p:sp>
-        <p:nvSpPr>
-          <p:cNvPr id="25" name="Rounded Rectangle 24">
-            <a:extLst>
-              <a:ext uri="{FF2B5EF4-FFF2-40B4-BE49-F238E27FC236}">
-                <a16:creationId xmlns:a16="http://schemas.microsoft.com/office/drawing/2014/main" id="{45CFEB0C-5E96-0877-B104-37372C877E53}"/>
-              </a:ext>
-            </a:extLst>
-          </p:cNvPr>
-          <p:cNvSpPr/>
-          <p:nvPr/>
-        </p:nvSpPr>
-        <p:spPr>
-          <a:xfrm>
-            <a:off x="3259119" y="5954843"/>
-            <a:ext cx="2074889" cy="734518"/>
-          </a:xfrm>
-          <a:prstGeom prst="roundRect">
-            <a:avLst/>
-          </a:prstGeom>
-          <a:solidFill>
-            <a:srgbClr val="D08FDC"/>
-          </a:solidFill>
-        </p:spPr>
-        <p:style>
-          <a:lnRef idx="2">
-            <a:schemeClr val="accent1">
-              <a:shade val="15000"/>
-            </a:schemeClr>
-          </a:lnRef>
-          <a:fillRef idx="1">
-            <a:schemeClr val="accent1"/>
-          </a:fillRef>
-          <a:effectRef idx="0">
-            <a:schemeClr val="accent1"/>
-          </a:effectRef>
-          <a:fontRef idx="minor">
-            <a:schemeClr val="lt1"/>
-          </a:fontRef>
-        </p:style>
-        <p:txBody>
-          <a:bodyPr rtlCol="0" anchor="ctr"/>
-          <a:lstStyle/>
-          <a:p>
-            <a:pPr algn="ctr"/>
-            <a:r>
-              <a:rPr lang="en-CH" b="1" dirty="0">
-                <a:solidFill>
-                  <a:schemeClr val="tx2">
-                    <a:lumMod val="50000"/>
-                  </a:schemeClr>
-                </a:solidFill>
-              </a:rPr>
-              <a:t>3D PROTO LVL 1</a:t>
-            </a:r>
-          </a:p>
-        </p:txBody>
-      </p:sp>
-      <p:sp>
-        <p:nvSpPr>
-          <p:cNvPr id="26" name="Rounded Rectangle 25">
-            <a:extLst>
-              <a:ext uri="{FF2B5EF4-FFF2-40B4-BE49-F238E27FC236}">
-                <a16:creationId xmlns:a16="http://schemas.microsoft.com/office/drawing/2014/main" id="{C9405D52-C295-117C-EE7B-0CFB5EB63ECC}"/>
-              </a:ext>
-            </a:extLst>
-          </p:cNvPr>
-          <p:cNvSpPr/>
-          <p:nvPr/>
-        </p:nvSpPr>
-        <p:spPr>
-          <a:xfrm>
-            <a:off x="5334007" y="5954843"/>
-            <a:ext cx="2074889" cy="734518"/>
-          </a:xfrm>
-          <a:prstGeom prst="roundRect">
-            <a:avLst/>
-          </a:prstGeom>
-          <a:solidFill>
-            <a:srgbClr val="D08FDC"/>
-          </a:solidFill>
-        </p:spPr>
-        <p:style>
-          <a:lnRef idx="2">
-            <a:schemeClr val="accent1">
-              <a:shade val="15000"/>
-            </a:schemeClr>
-          </a:lnRef>
-          <a:fillRef idx="1">
-            <a:schemeClr val="accent1"/>
-          </a:fillRef>
-          <a:effectRef idx="0">
-            <a:schemeClr val="accent1"/>
-          </a:effectRef>
-          <a:fontRef idx="minor">
-            <a:schemeClr val="lt1"/>
-          </a:fontRef>
-        </p:style>
-        <p:txBody>
-          <a:bodyPr rtlCol="0" anchor="ctr"/>
-          <a:lstStyle/>
-          <a:p>
-            <a:pPr algn="ctr"/>
-            <a:r>
-              <a:rPr lang="en-CH" b="1" dirty="0">
-                <a:solidFill>
-                  <a:schemeClr val="tx2">
-                    <a:lumMod val="50000"/>
-                  </a:schemeClr>
-                </a:solidFill>
-              </a:rPr>
-              <a:t>3D PROTO LVL 2</a:t>
-            </a:r>
-          </a:p>
-        </p:txBody>
-      </p:sp>
-      <p:sp>
-        <p:nvSpPr>
-          <p:cNvPr id="27" name="Rounded Rectangle 26">
-            <a:extLst>
-              <a:ext uri="{FF2B5EF4-FFF2-40B4-BE49-F238E27FC236}">
-                <a16:creationId xmlns:a16="http://schemas.microsoft.com/office/drawing/2014/main" id="{E8377DE1-3BA1-F9A0-D2AD-FE5195BAC89B}"/>
-              </a:ext>
-            </a:extLst>
-          </p:cNvPr>
-          <p:cNvSpPr/>
-          <p:nvPr/>
-        </p:nvSpPr>
-        <p:spPr>
-          <a:xfrm>
-            <a:off x="7408896" y="5954843"/>
-            <a:ext cx="2074889" cy="734518"/>
-          </a:xfrm>
-          <a:prstGeom prst="roundRect">
-            <a:avLst/>
-          </a:prstGeom>
-          <a:solidFill>
-            <a:srgbClr val="D08FDC"/>
-          </a:solidFill>
-        </p:spPr>
-        <p:style>
-          <a:lnRef idx="2">
-            <a:schemeClr val="accent1">
-              <a:shade val="15000"/>
-            </a:schemeClr>
-          </a:lnRef>
-          <a:fillRef idx="1">
-            <a:schemeClr val="accent1"/>
-          </a:fillRef>
-          <a:effectRef idx="0">
-            <a:schemeClr val="accent1"/>
-          </a:effectRef>
-          <a:fontRef idx="minor">
-            <a:schemeClr val="lt1"/>
-          </a:fontRef>
-        </p:style>
-        <p:txBody>
-          <a:bodyPr rtlCol="0" anchor="ctr"/>
-          <a:lstStyle/>
-          <a:p>
-            <a:pPr algn="ctr"/>
-            <a:r>
-              <a:rPr lang="en-CH" b="1" dirty="0">
-                <a:solidFill>
-                  <a:schemeClr val="tx2">
-                    <a:lumMod val="50000"/>
-                  </a:schemeClr>
-                </a:solidFill>
-              </a:rPr>
-              <a:t>3D PROTO LVL 3</a:t>
-            </a:r>
-          </a:p>
-        </p:txBody>
-      </p:sp>
-      <p:grpSp>
-        <p:nvGrpSpPr>
-          <p:cNvPr id="31" name="Group 30">
-            <a:extLst>
-              <a:ext uri="{FF2B5EF4-FFF2-40B4-BE49-F238E27FC236}">
-                <a16:creationId xmlns:a16="http://schemas.microsoft.com/office/drawing/2014/main" id="{37CC340E-4504-01CD-0098-802B803BC4AB}"/>
-              </a:ext>
-            </a:extLst>
-          </p:cNvPr>
-          <p:cNvGrpSpPr/>
-          <p:nvPr/>
-        </p:nvGrpSpPr>
-        <p:grpSpPr>
-          <a:xfrm>
-            <a:off x="3237877" y="340713"/>
-            <a:ext cx="2" cy="6517287"/>
-            <a:chOff x="3237877" y="340713"/>
-            <a:chExt cx="2" cy="6517287"/>
-          </a:xfrm>
-        </p:grpSpPr>
-        <p:cxnSp>
-          <p:nvCxnSpPr>
-            <p:cNvPr id="17" name="Straight Connector 16">
-              <a:extLst>
-                <a:ext uri="{FF2B5EF4-FFF2-40B4-BE49-F238E27FC236}">
-                  <a16:creationId xmlns:a16="http://schemas.microsoft.com/office/drawing/2014/main" id="{FECA7C73-B58C-030F-F0E3-FF0A2D002491}"/>
-                </a:ext>
-              </a:extLst>
-            </p:cNvPr>
-            <p:cNvCxnSpPr/>
-            <p:nvPr/>
-          </p:nvCxnSpPr>
-          <p:spPr>
-            <a:xfrm>
-              <a:off x="3237877" y="340713"/>
-              <a:ext cx="0" cy="6517287"/>
-            </a:xfrm>
-            <a:prstGeom prst="line">
-              <a:avLst/>
-            </a:prstGeom>
-            <a:ln w="53975">
-              <a:solidFill>
-                <a:srgbClr val="8E1718">
-                  <a:alpha val="50000"/>
-                </a:srgbClr>
-              </a:solidFill>
-              <a:prstDash val="sysDot"/>
-            </a:ln>
-          </p:spPr>
-          <p:style>
-            <a:lnRef idx="1">
-              <a:schemeClr val="accent1"/>
-            </a:lnRef>
-            <a:fillRef idx="0">
-              <a:schemeClr val="accent1"/>
-            </a:fillRef>
-            <a:effectRef idx="0">
-              <a:schemeClr val="accent1"/>
-            </a:effectRef>
-            <a:fontRef idx="minor">
-              <a:schemeClr val="tx1"/>
-            </a:fontRef>
-          </p:style>
-        </p:cxnSp>
-        <p:cxnSp>
-          <p:nvCxnSpPr>
-            <p:cNvPr id="12" name="Straight Arrow Connector 11">
-              <a:extLst>
-                <a:ext uri="{FF2B5EF4-FFF2-40B4-BE49-F238E27FC236}">
-                  <a16:creationId xmlns:a16="http://schemas.microsoft.com/office/drawing/2014/main" id="{02308C58-8142-3C88-2492-A7D926A33164}"/>
-                </a:ext>
-              </a:extLst>
-            </p:cNvPr>
-            <p:cNvCxnSpPr>
-              <a:cxnSpLocks/>
-            </p:cNvCxnSpPr>
-            <p:nvPr/>
-          </p:nvCxnSpPr>
-          <p:spPr>
-            <a:xfrm>
-              <a:off x="3237879" y="340713"/>
-              <a:ext cx="0" cy="543705"/>
-            </a:xfrm>
-            <a:prstGeom prst="straightConnector1">
-              <a:avLst/>
-            </a:prstGeom>
-            <a:ln w="101600">
-              <a:solidFill>
-                <a:srgbClr val="8E1718"/>
-              </a:solidFill>
-              <a:headEnd type="diamond"/>
-              <a:tailEnd type="stealth"/>
-            </a:ln>
-          </p:spPr>
-          <p:style>
-            <a:lnRef idx="1">
-              <a:schemeClr val="accent1"/>
-            </a:lnRef>
-            <a:fillRef idx="0">
-              <a:schemeClr val="accent1"/>
-            </a:fillRef>
-            <a:effectRef idx="0">
-              <a:schemeClr val="accent1"/>
-            </a:effectRef>
-            <a:fontRef idx="minor">
-              <a:schemeClr val="tx1"/>
-            </a:fontRef>
-          </p:style>
-        </p:cxnSp>
-      </p:grpSp>
-      <p:grpSp>
-        <p:nvGrpSpPr>
-          <p:cNvPr id="32" name="Group 31">
-            <a:extLst>
-              <a:ext uri="{FF2B5EF4-FFF2-40B4-BE49-F238E27FC236}">
-                <a16:creationId xmlns:a16="http://schemas.microsoft.com/office/drawing/2014/main" id="{797698C0-5EAF-C3A8-9E92-D97C72788B64}"/>
-              </a:ext>
-            </a:extLst>
-          </p:cNvPr>
-          <p:cNvGrpSpPr/>
-          <p:nvPr/>
-        </p:nvGrpSpPr>
-        <p:grpSpPr>
-          <a:xfrm>
-            <a:off x="4886793" y="340713"/>
-            <a:ext cx="2" cy="6517287"/>
-            <a:chOff x="4886793" y="340713"/>
-            <a:chExt cx="2" cy="6517287"/>
-          </a:xfrm>
-        </p:grpSpPr>
-        <p:cxnSp>
-          <p:nvCxnSpPr>
-            <p:cNvPr id="19" name="Straight Connector 18">
-              <a:extLst>
-                <a:ext uri="{FF2B5EF4-FFF2-40B4-BE49-F238E27FC236}">
-                  <a16:creationId xmlns:a16="http://schemas.microsoft.com/office/drawing/2014/main" id="{28A64200-8421-AA56-3ED2-CB9B5FC41BDF}"/>
-                </a:ext>
-              </a:extLst>
-            </p:cNvPr>
-            <p:cNvCxnSpPr/>
-            <p:nvPr/>
-          </p:nvCxnSpPr>
-          <p:spPr>
-            <a:xfrm>
-              <a:off x="4886793" y="340713"/>
-              <a:ext cx="0" cy="6517287"/>
-            </a:xfrm>
-            <a:prstGeom prst="line">
-              <a:avLst/>
-            </a:prstGeom>
-            <a:ln w="53975">
-              <a:solidFill>
-                <a:srgbClr val="8E1718">
-                  <a:alpha val="50000"/>
-                </a:srgbClr>
-              </a:solidFill>
-              <a:prstDash val="sysDot"/>
-            </a:ln>
-          </p:spPr>
-          <p:style>
-            <a:lnRef idx="1">
-              <a:schemeClr val="accent1"/>
-            </a:lnRef>
-            <a:fillRef idx="0">
-              <a:schemeClr val="accent1"/>
-            </a:fillRef>
-            <a:effectRef idx="0">
-              <a:schemeClr val="accent1"/>
-            </a:effectRef>
-            <a:fontRef idx="minor">
-              <a:schemeClr val="tx1"/>
-            </a:fontRef>
-          </p:style>
-        </p:cxnSp>
-        <p:cxnSp>
-          <p:nvCxnSpPr>
-            <p:cNvPr id="20" name="Straight Arrow Connector 19">
-              <a:extLst>
-                <a:ext uri="{FF2B5EF4-FFF2-40B4-BE49-F238E27FC236}">
-                  <a16:creationId xmlns:a16="http://schemas.microsoft.com/office/drawing/2014/main" id="{DBFD010B-7B93-7662-D6BB-8BFBA6BBD663}"/>
-                </a:ext>
-              </a:extLst>
-            </p:cNvPr>
-            <p:cNvCxnSpPr>
-              <a:cxnSpLocks/>
-            </p:cNvCxnSpPr>
-            <p:nvPr/>
-          </p:nvCxnSpPr>
-          <p:spPr>
-            <a:xfrm>
-              <a:off x="4886795" y="340713"/>
-              <a:ext cx="0" cy="543705"/>
-            </a:xfrm>
-            <a:prstGeom prst="straightConnector1">
-              <a:avLst/>
-            </a:prstGeom>
-            <a:ln w="101600">
-              <a:solidFill>
-                <a:srgbClr val="8E1718"/>
-              </a:solidFill>
-              <a:headEnd type="diamond"/>
-              <a:tailEnd type="stealth"/>
-            </a:ln>
-          </p:spPr>
-          <p:style>
-            <a:lnRef idx="1">
-              <a:schemeClr val="accent1"/>
-            </a:lnRef>
-            <a:fillRef idx="0">
-              <a:schemeClr val="accent1"/>
-            </a:fillRef>
-            <a:effectRef idx="0">
-              <a:schemeClr val="accent1"/>
-            </a:effectRef>
-            <a:fontRef idx="minor">
-              <a:schemeClr val="tx1"/>
-            </a:fontRef>
-          </p:style>
-        </p:cxnSp>
-      </p:grpSp>
-      <p:grpSp>
-        <p:nvGrpSpPr>
-          <p:cNvPr id="37" name="Group 36">
-            <a:extLst>
-              <a:ext uri="{FF2B5EF4-FFF2-40B4-BE49-F238E27FC236}">
-                <a16:creationId xmlns:a16="http://schemas.microsoft.com/office/drawing/2014/main" id="{3B363837-41F9-9126-55D1-4B4EF9935A53}"/>
-              </a:ext>
-            </a:extLst>
-          </p:cNvPr>
-          <p:cNvGrpSpPr/>
-          <p:nvPr/>
-        </p:nvGrpSpPr>
-        <p:grpSpPr>
-          <a:xfrm>
-            <a:off x="392244" y="340713"/>
-            <a:ext cx="14992" cy="6537902"/>
-            <a:chOff x="392244" y="340713"/>
-            <a:chExt cx="14992" cy="6537902"/>
-          </a:xfrm>
-        </p:grpSpPr>
-        <p:cxnSp>
-          <p:nvCxnSpPr>
-            <p:cNvPr id="29" name="Straight Connector 28">
-              <a:extLst>
-                <a:ext uri="{FF2B5EF4-FFF2-40B4-BE49-F238E27FC236}">
-                  <a16:creationId xmlns:a16="http://schemas.microsoft.com/office/drawing/2014/main" id="{AF6F0793-4E8F-3DC0-B51F-C7C6F1A143DC}"/>
-                </a:ext>
-              </a:extLst>
-            </p:cNvPr>
-            <p:cNvCxnSpPr/>
-            <p:nvPr/>
-          </p:nvCxnSpPr>
-          <p:spPr>
-            <a:xfrm>
-              <a:off x="392244" y="340713"/>
-              <a:ext cx="0" cy="6517287"/>
-            </a:xfrm>
-            <a:prstGeom prst="line">
-              <a:avLst/>
-            </a:prstGeom>
-            <a:ln w="12700">
-              <a:solidFill>
-                <a:schemeClr val="accent6">
-                  <a:lumMod val="50000"/>
-                </a:schemeClr>
-              </a:solidFill>
-              <a:prstDash val="sysDot"/>
-            </a:ln>
-          </p:spPr>
-          <p:style>
-            <a:lnRef idx="1">
-              <a:schemeClr val="accent1"/>
-            </a:lnRef>
-            <a:fillRef idx="0">
-              <a:schemeClr val="accent1"/>
-            </a:fillRef>
-            <a:effectRef idx="0">
-              <a:schemeClr val="accent1"/>
-            </a:effectRef>
-            <a:fontRef idx="minor">
-              <a:schemeClr val="tx1"/>
-            </a:fontRef>
-          </p:style>
-        </p:cxnSp>
-        <p:cxnSp>
-          <p:nvCxnSpPr>
-            <p:cNvPr id="30" name="Straight Arrow Connector 29">
-              <a:extLst>
-                <a:ext uri="{FF2B5EF4-FFF2-40B4-BE49-F238E27FC236}">
-                  <a16:creationId xmlns:a16="http://schemas.microsoft.com/office/drawing/2014/main" id="{B8F1D2EC-822F-09CA-4AD0-A5457FED6772}"/>
-                </a:ext>
-              </a:extLst>
-            </p:cNvPr>
-            <p:cNvCxnSpPr>
-              <a:cxnSpLocks/>
-            </p:cNvCxnSpPr>
-            <p:nvPr/>
-          </p:nvCxnSpPr>
-          <p:spPr>
-            <a:xfrm>
-              <a:off x="407236" y="340713"/>
-              <a:ext cx="0" cy="543705"/>
-            </a:xfrm>
-            <a:prstGeom prst="straightConnector1">
-              <a:avLst/>
-            </a:prstGeom>
-            <a:ln w="101600">
-              <a:solidFill>
-                <a:schemeClr val="accent6">
-                  <a:lumMod val="60000"/>
-                  <a:lumOff val="40000"/>
-                </a:schemeClr>
-              </a:solidFill>
-              <a:headEnd type="oval"/>
-              <a:tailEnd type="stealth"/>
-            </a:ln>
-          </p:spPr>
-          <p:style>
-            <a:lnRef idx="1">
-              <a:schemeClr val="accent1"/>
-            </a:lnRef>
-            <a:fillRef idx="0">
-              <a:schemeClr val="accent1"/>
-            </a:fillRef>
-            <a:effectRef idx="0">
-              <a:schemeClr val="accent1"/>
-            </a:effectRef>
-            <a:fontRef idx="minor">
-              <a:schemeClr val="tx1"/>
-            </a:fontRef>
-          </p:style>
-        </p:cxnSp>
-        <p:cxnSp>
-          <p:nvCxnSpPr>
-            <p:cNvPr id="34" name="Straight Connector 33">
-              <a:extLst>
-                <a:ext uri="{FF2B5EF4-FFF2-40B4-BE49-F238E27FC236}">
-                  <a16:creationId xmlns:a16="http://schemas.microsoft.com/office/drawing/2014/main" id="{9106DD41-E8F8-BBD7-9ABD-80744AC962F9}"/>
-                </a:ext>
-              </a:extLst>
-            </p:cNvPr>
-            <p:cNvCxnSpPr>
-              <a:cxnSpLocks/>
-            </p:cNvCxnSpPr>
-            <p:nvPr/>
-          </p:nvCxnSpPr>
-          <p:spPr>
-            <a:xfrm flipH="1">
-              <a:off x="407234" y="884418"/>
-              <a:ext cx="2" cy="5994197"/>
-            </a:xfrm>
-            <a:prstGeom prst="line">
-              <a:avLst/>
-            </a:prstGeom>
-            <a:ln w="12700">
-              <a:solidFill>
-                <a:schemeClr val="accent6">
-                  <a:lumMod val="20000"/>
-                  <a:lumOff val="80000"/>
-                </a:schemeClr>
-              </a:solidFill>
-              <a:prstDash val="sysDot"/>
-            </a:ln>
-          </p:spPr>
-          <p:style>
-            <a:lnRef idx="1">
-              <a:schemeClr val="accent1"/>
-            </a:lnRef>
-            <a:fillRef idx="0">
-              <a:schemeClr val="accent1"/>
-            </a:fillRef>
-            <a:effectRef idx="0">
-              <a:schemeClr val="accent1"/>
-            </a:effectRef>
-            <a:fontRef idx="minor">
-              <a:schemeClr val="tx1"/>
-            </a:fontRef>
-          </p:style>
-        </p:cxnSp>
-      </p:grpSp>
+          <a:noFill/>
+        </p:spPr>
+        <p:txBody>
+          <a:bodyPr wrap="none" rtlCol="0">
+            <a:spAutoFit/>
+          </a:bodyPr>
+          <a:lstStyle/>
+          <a:p>
+            <a:r>
+              <a:rPr lang="en-CH" dirty="0"/>
+              <a:t>The connections between the rooms are not yet finalized. They will change based on the scenes progression.</a:t>
+            </a:r>
+          </a:p>
+        </p:txBody>
+      </p:sp>
     </p:spTree>
     <p:extLst>
       <p:ext uri="{BB962C8B-B14F-4D97-AF65-F5344CB8AC3E}">
-        <p14:creationId xmlns:p14="http://schemas.microsoft.com/office/powerpoint/2010/main" val="1294772114"/>
+        <p14:creationId xmlns:p14="http://schemas.microsoft.com/office/powerpoint/2010/main" val="2730895982"/>
       </p:ext>
     </p:extLst>
   </p:cSld>
@@ -4413,10 +3512,139 @@
       </p:grpSpPr>
       <p:sp>
         <p:nvSpPr>
-          <p:cNvPr id="10" name="TextBox 9">
-            <a:extLst>
-              <a:ext uri="{FF2B5EF4-FFF2-40B4-BE49-F238E27FC236}">
-                <a16:creationId xmlns:a16="http://schemas.microsoft.com/office/drawing/2014/main" id="{094864DE-9C7B-8809-63ED-2309E0C2D82E}"/>
+          <p:cNvPr id="7" name="Rounded Rectangle 6">
+            <a:extLst>
+              <a:ext uri="{FF2B5EF4-FFF2-40B4-BE49-F238E27FC236}">
+                <a16:creationId xmlns:a16="http://schemas.microsoft.com/office/drawing/2014/main" id="{364A5F9B-9179-9D20-5939-F794AB82689D}"/>
+              </a:ext>
+            </a:extLst>
+          </p:cNvPr>
+          <p:cNvSpPr/>
+          <p:nvPr/>
+        </p:nvSpPr>
+        <p:spPr>
+          <a:xfrm>
+            <a:off x="2433403" y="2307446"/>
+            <a:ext cx="2218544" cy="1900004"/>
+          </a:xfrm>
+          <a:prstGeom prst="roundRect">
+            <a:avLst/>
+          </a:prstGeom>
+          <a:noFill/>
+          <a:ln w="38100">
+            <a:solidFill>
+              <a:srgbClr val="00B050"/>
+            </a:solidFill>
+          </a:ln>
+        </p:spPr>
+        <p:style>
+          <a:lnRef idx="2">
+            <a:schemeClr val="accent1">
+              <a:shade val="15000"/>
+            </a:schemeClr>
+          </a:lnRef>
+          <a:fillRef idx="1">
+            <a:schemeClr val="accent1"/>
+          </a:fillRef>
+          <a:effectRef idx="0">
+            <a:schemeClr val="accent1"/>
+          </a:effectRef>
+          <a:fontRef idx="minor">
+            <a:schemeClr val="lt1"/>
+          </a:fontRef>
+        </p:style>
+        <p:txBody>
+          <a:bodyPr rtlCol="0" anchor="ctr"/>
+          <a:lstStyle/>
+          <a:p>
+            <a:pPr algn="ctr"/>
+            <a:r>
+              <a:rPr lang="en-CH" dirty="0">
+                <a:solidFill>
+                  <a:schemeClr val="tx1"/>
+                </a:solidFill>
+              </a:rPr>
+              <a:t>Waterfall</a:t>
+            </a:r>
+          </a:p>
+          <a:p>
+            <a:pPr algn="ctr"/>
+            <a:r>
+              <a:rPr lang="en-CH" dirty="0">
+                <a:solidFill>
+                  <a:schemeClr val="tx1"/>
+                </a:solidFill>
+              </a:rPr>
+              <a:t>(ceiling)</a:t>
+            </a:r>
+          </a:p>
+        </p:txBody>
+      </p:sp>
+      <p:sp>
+        <p:nvSpPr>
+          <p:cNvPr id="2" name="Rounded Rectangle 1">
+            <a:extLst>
+              <a:ext uri="{FF2B5EF4-FFF2-40B4-BE49-F238E27FC236}">
+                <a16:creationId xmlns:a16="http://schemas.microsoft.com/office/drawing/2014/main" id="{1A5E8160-3306-E0FB-9048-30EAFB2F96D3}"/>
+              </a:ext>
+            </a:extLst>
+          </p:cNvPr>
+          <p:cNvSpPr/>
+          <p:nvPr/>
+        </p:nvSpPr>
+        <p:spPr>
+          <a:xfrm>
+            <a:off x="7449079" y="2294745"/>
+            <a:ext cx="2218544" cy="1900004"/>
+          </a:xfrm>
+          <a:prstGeom prst="roundRect">
+            <a:avLst/>
+          </a:prstGeom>
+          <a:noFill/>
+          <a:ln w="38100">
+            <a:solidFill>
+              <a:srgbClr val="FF0000"/>
+            </a:solidFill>
+          </a:ln>
+        </p:spPr>
+        <p:style>
+          <a:lnRef idx="2">
+            <a:schemeClr val="accent1">
+              <a:shade val="15000"/>
+            </a:schemeClr>
+          </a:lnRef>
+          <a:fillRef idx="1">
+            <a:schemeClr val="accent1"/>
+          </a:fillRef>
+          <a:effectRef idx="0">
+            <a:schemeClr val="accent1"/>
+          </a:effectRef>
+          <a:fontRef idx="minor">
+            <a:schemeClr val="lt1"/>
+          </a:fontRef>
+        </p:style>
+        <p:txBody>
+          <a:bodyPr rtlCol="0" anchor="ctr"/>
+          <a:lstStyle/>
+          <a:p>
+            <a:pPr algn="ctr"/>
+            <a:r>
+              <a:rPr lang="en-CH" dirty="0">
+                <a:solidFill>
+                  <a:schemeClr val="tx1"/>
+                </a:solidFill>
+              </a:rPr>
+              <a:t>Crops</a:t>
+            </a:r>
+          </a:p>
+        </p:txBody>
+      </p:sp>
+      <p:sp>
+        <p:nvSpPr>
+          <p:cNvPr id="3" name="TextBox 2">
+            <a:extLst>
+              <a:ext uri="{FF2B5EF4-FFF2-40B4-BE49-F238E27FC236}">
+                <a16:creationId xmlns:a16="http://schemas.microsoft.com/office/drawing/2014/main" id="{6A770CF9-DC20-36F1-1813-6F7B37167BCE}"/>
               </a:ext>
             </a:extLst>
           </p:cNvPr>
@@ -4426,7 +3654,7 @@
         <p:spPr>
           <a:xfrm>
             <a:off x="44974" y="29981"/>
-            <a:ext cx="1162498" cy="369332"/>
+            <a:ext cx="906017" cy="369332"/>
           </a:xfrm>
           <a:prstGeom prst="rect">
             <a:avLst/>
@@ -4441,17 +3669,487 @@
           <a:p>
             <a:r>
               <a:rPr lang="en-CH" dirty="0"/>
-              <a:t>SIDE VIEW</a:t>
-            </a:r>
-          </a:p>
-        </p:txBody>
-      </p:sp>
-      <p:sp>
-        <p:nvSpPr>
-          <p:cNvPr id="2" name="TextBox 1">
-            <a:extLst>
-              <a:ext uri="{FF2B5EF4-FFF2-40B4-BE49-F238E27FC236}">
-                <a16:creationId xmlns:a16="http://schemas.microsoft.com/office/drawing/2014/main" id="{BC9A3892-EBEA-7B3C-161C-9B02F5E9D07D}"/>
+              <a:t>LEVEL 1</a:t>
+            </a:r>
+          </a:p>
+        </p:txBody>
+      </p:sp>
+      <p:sp>
+        <p:nvSpPr>
+          <p:cNvPr id="4" name="Rounded Rectangle 3">
+            <a:extLst>
+              <a:ext uri="{FF2B5EF4-FFF2-40B4-BE49-F238E27FC236}">
+                <a16:creationId xmlns:a16="http://schemas.microsoft.com/office/drawing/2014/main" id="{62175B0D-788C-AE50-D324-CDFE2CE4CE93}"/>
+              </a:ext>
+            </a:extLst>
+          </p:cNvPr>
+          <p:cNvSpPr/>
+          <p:nvPr/>
+        </p:nvSpPr>
+        <p:spPr>
+          <a:xfrm>
+            <a:off x="7556063" y="866307"/>
+            <a:ext cx="2004577" cy="880673"/>
+          </a:xfrm>
+          <a:prstGeom prst="roundRect">
+            <a:avLst>
+              <a:gd name="adj" fmla="val 50000"/>
+            </a:avLst>
+          </a:prstGeom>
+          <a:noFill/>
+          <a:ln w="38100">
+            <a:solidFill>
+              <a:srgbClr val="FF0000"/>
+            </a:solidFill>
+          </a:ln>
+        </p:spPr>
+        <p:style>
+          <a:lnRef idx="2">
+            <a:schemeClr val="accent1">
+              <a:shade val="15000"/>
+            </a:schemeClr>
+          </a:lnRef>
+          <a:fillRef idx="1">
+            <a:schemeClr val="accent1"/>
+          </a:fillRef>
+          <a:effectRef idx="0">
+            <a:schemeClr val="accent1"/>
+          </a:effectRef>
+          <a:fontRef idx="minor">
+            <a:schemeClr val="lt1"/>
+          </a:fontRef>
+        </p:style>
+        <p:txBody>
+          <a:bodyPr rtlCol="0" anchor="ctr"/>
+          <a:lstStyle/>
+          <a:p>
+            <a:pPr algn="ctr"/>
+            <a:r>
+              <a:rPr lang="en-CH" dirty="0">
+                <a:solidFill>
+                  <a:schemeClr val="tx1"/>
+                </a:solidFill>
+              </a:rPr>
+              <a:t>Staircase </a:t>
+            </a:r>
+            <a:br>
+              <a:rPr lang="en-CH" dirty="0">
+                <a:solidFill>
+                  <a:schemeClr val="tx1"/>
+                </a:solidFill>
+              </a:rPr>
+            </a:br>
+            <a:r>
+              <a:rPr lang="en-CH" dirty="0">
+                <a:solidFill>
+                  <a:schemeClr val="tx1"/>
+                </a:solidFill>
+              </a:rPr>
+              <a:t>(down)</a:t>
+            </a:r>
+          </a:p>
+        </p:txBody>
+      </p:sp>
+      <p:cxnSp>
+        <p:nvCxnSpPr>
+          <p:cNvPr id="5" name="Curved Connector 4">
+            <a:extLst>
+              <a:ext uri="{FF2B5EF4-FFF2-40B4-BE49-F238E27FC236}">
+                <a16:creationId xmlns:a16="http://schemas.microsoft.com/office/drawing/2014/main" id="{CB26313E-2209-07C6-69E8-F7581D443BCB}"/>
+              </a:ext>
+            </a:extLst>
+          </p:cNvPr>
+          <p:cNvCxnSpPr>
+            <a:cxnSpLocks/>
+            <a:stCxn id="4" idx="2"/>
+            <a:endCxn id="2" idx="0"/>
+          </p:cNvCxnSpPr>
+          <p:nvPr/>
+        </p:nvCxnSpPr>
+        <p:spPr>
+          <a:xfrm rot="5400000">
+            <a:off x="8284470" y="2020862"/>
+            <a:ext cx="547765" cy="1"/>
+          </a:xfrm>
+          <a:prstGeom prst="curvedConnector3">
+            <a:avLst>
+              <a:gd name="adj1" fmla="val 50000"/>
+            </a:avLst>
+          </a:prstGeom>
+          <a:ln w="12700">
+            <a:solidFill>
+              <a:schemeClr val="accent6"/>
+            </a:solidFill>
+            <a:headEnd type="triangle"/>
+            <a:tailEnd type="triangle"/>
+          </a:ln>
+        </p:spPr>
+        <p:style>
+          <a:lnRef idx="1">
+            <a:schemeClr val="accent1"/>
+          </a:lnRef>
+          <a:fillRef idx="0">
+            <a:schemeClr val="accent1"/>
+          </a:fillRef>
+          <a:effectRef idx="0">
+            <a:schemeClr val="accent1"/>
+          </a:effectRef>
+          <a:fontRef idx="minor">
+            <a:schemeClr val="tx1"/>
+          </a:fontRef>
+        </p:style>
+      </p:cxnSp>
+      <p:cxnSp>
+        <p:nvCxnSpPr>
+          <p:cNvPr id="13" name="Curved Connector 12">
+            <a:extLst>
+              <a:ext uri="{FF2B5EF4-FFF2-40B4-BE49-F238E27FC236}">
+                <a16:creationId xmlns:a16="http://schemas.microsoft.com/office/drawing/2014/main" id="{7C19962F-3F65-DC76-0EC0-25D57720FC63}"/>
+              </a:ext>
+            </a:extLst>
+          </p:cNvPr>
+          <p:cNvCxnSpPr>
+            <a:cxnSpLocks/>
+            <a:stCxn id="2" idx="1"/>
+            <a:endCxn id="7" idx="3"/>
+          </p:cNvCxnSpPr>
+          <p:nvPr/>
+        </p:nvCxnSpPr>
+        <p:spPr>
+          <a:xfrm rot="10800000" flipV="1">
+            <a:off x="4651947" y="3244746"/>
+            <a:ext cx="2797132" cy="12701"/>
+          </a:xfrm>
+          <a:prstGeom prst="curvedConnector3">
+            <a:avLst>
+              <a:gd name="adj1" fmla="val 50000"/>
+            </a:avLst>
+          </a:prstGeom>
+          <a:ln w="12700">
+            <a:solidFill>
+              <a:schemeClr val="accent1"/>
+            </a:solidFill>
+            <a:headEnd type="none"/>
+            <a:tailEnd type="triangle"/>
+          </a:ln>
+        </p:spPr>
+        <p:style>
+          <a:lnRef idx="1">
+            <a:schemeClr val="accent1"/>
+          </a:lnRef>
+          <a:fillRef idx="0">
+            <a:schemeClr val="accent1"/>
+          </a:fillRef>
+          <a:effectRef idx="0">
+            <a:schemeClr val="accent1"/>
+          </a:effectRef>
+          <a:fontRef idx="minor">
+            <a:schemeClr val="tx1"/>
+          </a:fontRef>
+        </p:style>
+      </p:cxnSp>
+      <p:sp>
+        <p:nvSpPr>
+          <p:cNvPr id="19" name="Rounded Rectangle 18">
+            <a:extLst>
+              <a:ext uri="{FF2B5EF4-FFF2-40B4-BE49-F238E27FC236}">
+                <a16:creationId xmlns:a16="http://schemas.microsoft.com/office/drawing/2014/main" id="{A0834C4E-BB78-8FCA-8004-974B68F55D82}"/>
+              </a:ext>
+            </a:extLst>
+          </p:cNvPr>
+          <p:cNvSpPr/>
+          <p:nvPr/>
+        </p:nvSpPr>
+        <p:spPr>
+          <a:xfrm>
+            <a:off x="5185564" y="1630663"/>
+            <a:ext cx="1878768" cy="765749"/>
+          </a:xfrm>
+          <a:prstGeom prst="roundRect">
+            <a:avLst/>
+          </a:prstGeom>
+          <a:noFill/>
+          <a:ln w="38100">
+            <a:solidFill>
+              <a:srgbClr val="FF0000"/>
+            </a:solidFill>
+          </a:ln>
+        </p:spPr>
+        <p:style>
+          <a:lnRef idx="2">
+            <a:schemeClr val="accent1">
+              <a:shade val="15000"/>
+            </a:schemeClr>
+          </a:lnRef>
+          <a:fillRef idx="1">
+            <a:schemeClr val="accent1"/>
+          </a:fillRef>
+          <a:effectRef idx="0">
+            <a:schemeClr val="accent1"/>
+          </a:effectRef>
+          <a:fontRef idx="minor">
+            <a:schemeClr val="lt1"/>
+          </a:fontRef>
+        </p:style>
+        <p:txBody>
+          <a:bodyPr rtlCol="0" anchor="ctr"/>
+          <a:lstStyle/>
+          <a:p>
+            <a:pPr algn="ctr"/>
+            <a:r>
+              <a:rPr lang="en-CH" dirty="0">
+                <a:solidFill>
+                  <a:schemeClr val="tx1"/>
+                </a:solidFill>
+              </a:rPr>
+              <a:t>Washing Station and Drying Racks</a:t>
+            </a:r>
+          </a:p>
+        </p:txBody>
+      </p:sp>
+      <p:cxnSp>
+        <p:nvCxnSpPr>
+          <p:cNvPr id="24" name="Curved Connector 23">
+            <a:extLst>
+              <a:ext uri="{FF2B5EF4-FFF2-40B4-BE49-F238E27FC236}">
+                <a16:creationId xmlns:a16="http://schemas.microsoft.com/office/drawing/2014/main" id="{BE851ABE-4571-46DC-887A-F6EE960367B3}"/>
+              </a:ext>
+            </a:extLst>
+          </p:cNvPr>
+          <p:cNvCxnSpPr>
+            <a:cxnSpLocks/>
+            <a:stCxn id="19" idx="1"/>
+            <a:endCxn id="7" idx="0"/>
+          </p:cNvCxnSpPr>
+          <p:nvPr/>
+        </p:nvCxnSpPr>
+        <p:spPr>
+          <a:xfrm rot="10800000" flipV="1">
+            <a:off x="3542676" y="2013538"/>
+            <a:ext cx="1642889" cy="293908"/>
+          </a:xfrm>
+          <a:prstGeom prst="curvedConnector2">
+            <a:avLst/>
+          </a:prstGeom>
+          <a:ln w="12700">
+            <a:solidFill>
+              <a:schemeClr val="accent1"/>
+            </a:solidFill>
+            <a:headEnd type="none"/>
+            <a:tailEnd type="triangle"/>
+          </a:ln>
+        </p:spPr>
+        <p:style>
+          <a:lnRef idx="1">
+            <a:schemeClr val="accent1"/>
+          </a:lnRef>
+          <a:fillRef idx="0">
+            <a:schemeClr val="accent1"/>
+          </a:fillRef>
+          <a:effectRef idx="0">
+            <a:schemeClr val="accent1"/>
+          </a:effectRef>
+          <a:fontRef idx="minor">
+            <a:schemeClr val="tx1"/>
+          </a:fontRef>
+        </p:style>
+      </p:cxnSp>
+      <p:cxnSp>
+        <p:nvCxnSpPr>
+          <p:cNvPr id="45" name="Curved Connector 44">
+            <a:extLst>
+              <a:ext uri="{FF2B5EF4-FFF2-40B4-BE49-F238E27FC236}">
+                <a16:creationId xmlns:a16="http://schemas.microsoft.com/office/drawing/2014/main" id="{B2083666-614C-D16F-1F6C-3BA760D052DD}"/>
+              </a:ext>
+            </a:extLst>
+          </p:cNvPr>
+          <p:cNvCxnSpPr>
+            <a:cxnSpLocks/>
+            <a:stCxn id="19" idx="0"/>
+            <a:endCxn id="4" idx="1"/>
+          </p:cNvCxnSpPr>
+          <p:nvPr/>
+        </p:nvCxnSpPr>
+        <p:spPr>
+          <a:xfrm rot="5400000" flipH="1" flipV="1">
+            <a:off x="6678496" y="753097"/>
+            <a:ext cx="324019" cy="1431115"/>
+          </a:xfrm>
+          <a:prstGeom prst="curvedConnector2">
+            <a:avLst/>
+          </a:prstGeom>
+          <a:ln w="12700">
+            <a:solidFill>
+              <a:schemeClr val="accent6"/>
+            </a:solidFill>
+            <a:headEnd type="triangle"/>
+            <a:tailEnd type="triangle"/>
+          </a:ln>
+        </p:spPr>
+        <p:style>
+          <a:lnRef idx="1">
+            <a:schemeClr val="accent1"/>
+          </a:lnRef>
+          <a:fillRef idx="0">
+            <a:schemeClr val="accent1"/>
+          </a:fillRef>
+          <a:effectRef idx="0">
+            <a:schemeClr val="accent1"/>
+          </a:effectRef>
+          <a:fontRef idx="minor">
+            <a:schemeClr val="tx1"/>
+          </a:fontRef>
+        </p:style>
+      </p:cxnSp>
+      <p:sp>
+        <p:nvSpPr>
+          <p:cNvPr id="51" name="Rectangle 50">
+            <a:extLst>
+              <a:ext uri="{FF2B5EF4-FFF2-40B4-BE49-F238E27FC236}">
+                <a16:creationId xmlns:a16="http://schemas.microsoft.com/office/drawing/2014/main" id="{B9360358-5AB7-83C1-152E-E471CF7055FB}"/>
+              </a:ext>
+            </a:extLst>
+          </p:cNvPr>
+          <p:cNvSpPr/>
+          <p:nvPr/>
+        </p:nvSpPr>
+        <p:spPr>
+          <a:xfrm>
+            <a:off x="4364121" y="2756214"/>
+            <a:ext cx="5634318" cy="230399"/>
+          </a:xfrm>
+          <a:prstGeom prst="rect">
+            <a:avLst/>
+          </a:prstGeom>
+        </p:spPr>
+        <p:style>
+          <a:lnRef idx="2">
+            <a:schemeClr val="accent1">
+              <a:shade val="15000"/>
+            </a:schemeClr>
+          </a:lnRef>
+          <a:fillRef idx="1">
+            <a:schemeClr val="accent1"/>
+          </a:fillRef>
+          <a:effectRef idx="0">
+            <a:schemeClr val="accent1"/>
+          </a:effectRef>
+          <a:fontRef idx="minor">
+            <a:schemeClr val="lt1"/>
+          </a:fontRef>
+        </p:style>
+        <p:txBody>
+          <a:bodyPr rtlCol="0" anchor="ctr"/>
+          <a:lstStyle/>
+          <a:p>
+            <a:pPr algn="ctr"/>
+            <a:r>
+              <a:rPr lang="en-CH" dirty="0"/>
+              <a:t>STREAM</a:t>
+            </a:r>
+          </a:p>
+        </p:txBody>
+      </p:sp>
+      <p:sp>
+        <p:nvSpPr>
+          <p:cNvPr id="52" name="Rectangle 51">
+            <a:extLst>
+              <a:ext uri="{FF2B5EF4-FFF2-40B4-BE49-F238E27FC236}">
+                <a16:creationId xmlns:a16="http://schemas.microsoft.com/office/drawing/2014/main" id="{4F9D75EA-BE85-6D5D-FA13-21B857BA23C2}"/>
+              </a:ext>
+            </a:extLst>
+          </p:cNvPr>
+          <p:cNvSpPr/>
+          <p:nvPr/>
+        </p:nvSpPr>
+        <p:spPr>
+          <a:xfrm rot="5400000">
+            <a:off x="7550802" y="3368503"/>
+            <a:ext cx="1072273" cy="308493"/>
+          </a:xfrm>
+          <a:prstGeom prst="rect">
+            <a:avLst/>
+          </a:prstGeom>
+        </p:spPr>
+        <p:style>
+          <a:lnRef idx="2">
+            <a:schemeClr val="accent1">
+              <a:shade val="15000"/>
+            </a:schemeClr>
+          </a:lnRef>
+          <a:fillRef idx="1">
+            <a:schemeClr val="accent1"/>
+          </a:fillRef>
+          <a:effectRef idx="0">
+            <a:schemeClr val="accent1"/>
+          </a:effectRef>
+          <a:fontRef idx="minor">
+            <a:schemeClr val="lt1"/>
+          </a:fontRef>
+        </p:style>
+        <p:txBody>
+          <a:bodyPr rtlCol="0" anchor="ctr"/>
+          <a:lstStyle/>
+          <a:p>
+            <a:pPr algn="ctr"/>
+            <a:r>
+              <a:rPr lang="en-CH" dirty="0"/>
+              <a:t>Diverted</a:t>
+            </a:r>
+          </a:p>
+        </p:txBody>
+      </p:sp>
+      <p:cxnSp>
+        <p:nvCxnSpPr>
+          <p:cNvPr id="54" name="Curved Connector 53">
+            <a:extLst>
+              <a:ext uri="{FF2B5EF4-FFF2-40B4-BE49-F238E27FC236}">
+                <a16:creationId xmlns:a16="http://schemas.microsoft.com/office/drawing/2014/main" id="{C2C4B8E9-5D64-8E8A-20A3-9D1B977ED6FE}"/>
+              </a:ext>
+            </a:extLst>
+          </p:cNvPr>
+          <p:cNvCxnSpPr>
+            <a:cxnSpLocks/>
+          </p:cNvCxnSpPr>
+          <p:nvPr/>
+        </p:nvCxnSpPr>
+        <p:spPr>
+          <a:xfrm rot="16200000" flipH="1">
+            <a:off x="6362846" y="2158513"/>
+            <a:ext cx="848335" cy="1324131"/>
+          </a:xfrm>
+          <a:prstGeom prst="curvedConnector2">
+            <a:avLst/>
+          </a:prstGeom>
+          <a:ln w="12700">
+            <a:solidFill>
+              <a:schemeClr val="accent6"/>
+            </a:solidFill>
+            <a:headEnd type="triangle"/>
+            <a:tailEnd type="triangle"/>
+          </a:ln>
+        </p:spPr>
+        <p:style>
+          <a:lnRef idx="1">
+            <a:schemeClr val="accent1"/>
+          </a:lnRef>
+          <a:fillRef idx="0">
+            <a:schemeClr val="accent1"/>
+          </a:fillRef>
+          <a:effectRef idx="0">
+            <a:schemeClr val="accent1"/>
+          </a:effectRef>
+          <a:fontRef idx="minor">
+            <a:schemeClr val="tx1"/>
+          </a:fontRef>
+        </p:style>
+      </p:cxnSp>
+      <p:sp>
+        <p:nvSpPr>
+          <p:cNvPr id="6" name="TextBox 5">
+            <a:extLst>
+              <a:ext uri="{FF2B5EF4-FFF2-40B4-BE49-F238E27FC236}">
+                <a16:creationId xmlns:a16="http://schemas.microsoft.com/office/drawing/2014/main" id="{37636617-74F8-23DC-2F87-90D58D3C4A52}"/>
               </a:ext>
             </a:extLst>
           </p:cNvPr>
@@ -4460,8 +4158,8 @@
         </p:nvSpPr>
         <p:spPr>
           <a:xfrm>
-            <a:off x="7992387" y="1018279"/>
-            <a:ext cx="3264996" cy="1477328"/>
+            <a:off x="0" y="277793"/>
+            <a:ext cx="1999073" cy="369332"/>
           </a:xfrm>
           <a:prstGeom prst="rect">
             <a:avLst/>
@@ -4475,32 +4173,51 @@
           <a:lstStyle/>
           <a:p>
             <a:r>
-              <a:rPr lang="en-CH" dirty="0"/>
-              <a:t>Green = passage</a:t>
-            </a:r>
-          </a:p>
-          <a:p>
-            <a:r>
-              <a:rPr lang="en-CH" dirty="0"/>
-              <a:t>Blue = see</a:t>
-            </a:r>
-          </a:p>
-          <a:p>
-            <a:r>
-              <a:rPr lang="en-CH" dirty="0"/>
-              <a:t>Orange = “locked”</a:t>
-            </a:r>
-          </a:p>
-          <a:p>
-            <a:r>
-              <a:rPr lang="en-CH" dirty="0"/>
-              <a:t>Yellow = one way</a:t>
-            </a:r>
-          </a:p>
-          <a:p>
-            <a:r>
-              <a:rPr lang="en-CH" dirty="0"/>
-              <a:t>Dotted = passage due to damage</a:t>
+              <a:rPr lang="en-CH" dirty="0">
+                <a:solidFill>
+                  <a:srgbClr val="FF0000"/>
+                </a:solidFill>
+              </a:rPr>
+              <a:t>NOT IN PROTOTYPE</a:t>
+            </a:r>
+          </a:p>
+        </p:txBody>
+      </p:sp>
+      <p:sp>
+        <p:nvSpPr>
+          <p:cNvPr id="9" name="TextBox 8">
+            <a:extLst>
+              <a:ext uri="{FF2B5EF4-FFF2-40B4-BE49-F238E27FC236}">
+                <a16:creationId xmlns:a16="http://schemas.microsoft.com/office/drawing/2014/main" id="{773D1310-B838-CC08-8FEE-95AEDD58E72B}"/>
+              </a:ext>
+            </a:extLst>
+          </p:cNvPr>
+          <p:cNvSpPr txBox="1"/>
+          <p:nvPr/>
+        </p:nvSpPr>
+        <p:spPr>
+          <a:xfrm>
+            <a:off x="0" y="545941"/>
+            <a:ext cx="1538819" cy="369332"/>
+          </a:xfrm>
+          <a:prstGeom prst="rect">
+            <a:avLst/>
+          </a:prstGeom>
+          <a:noFill/>
+        </p:spPr>
+        <p:txBody>
+          <a:bodyPr wrap="none" rtlCol="0">
+            <a:spAutoFit/>
+          </a:bodyPr>
+          <a:lstStyle/>
+          <a:p>
+            <a:r>
+              <a:rPr lang="en-CH" dirty="0">
+                <a:solidFill>
+                  <a:schemeClr val="accent6"/>
+                </a:solidFill>
+              </a:rPr>
+              <a:t>IN PROTOTYPE</a:t>
             </a:r>
           </a:p>
         </p:txBody>
@@ -4508,7 +4225,7 @@
     </p:spTree>
     <p:extLst>
       <p:ext uri="{BB962C8B-B14F-4D97-AF65-F5344CB8AC3E}">
-        <p14:creationId xmlns:p14="http://schemas.microsoft.com/office/powerpoint/2010/main" val="2730895982"/>
+        <p14:creationId xmlns:p14="http://schemas.microsoft.com/office/powerpoint/2010/main" val="3725812935"/>
       </p:ext>
     </p:extLst>
   </p:cSld>
@@ -4537,10 +4254,10 @@
       </p:grpSpPr>
       <p:sp>
         <p:nvSpPr>
-          <p:cNvPr id="7" name="Rounded Rectangle 6">
-            <a:extLst>
-              <a:ext uri="{FF2B5EF4-FFF2-40B4-BE49-F238E27FC236}">
-                <a16:creationId xmlns:a16="http://schemas.microsoft.com/office/drawing/2014/main" id="{364A5F9B-9179-9D20-5939-F794AB82689D}"/>
+          <p:cNvPr id="6" name="Rounded Rectangle 5">
+            <a:extLst>
+              <a:ext uri="{FF2B5EF4-FFF2-40B4-BE49-F238E27FC236}">
+                <a16:creationId xmlns:a16="http://schemas.microsoft.com/office/drawing/2014/main" id="{04668209-2F51-5A92-393F-6CBD0386B70F}"/>
               </a:ext>
             </a:extLst>
           </p:cNvPr>
@@ -4549,8 +4266,8 @@
         </p:nvSpPr>
         <p:spPr>
           <a:xfrm>
-            <a:off x="2433403" y="2307446"/>
-            <a:ext cx="2218544" cy="1900004"/>
+            <a:off x="5720350" y="5734989"/>
+            <a:ext cx="751293" cy="880673"/>
           </a:xfrm>
           <a:prstGeom prst="roundRect">
             <a:avLst/>
@@ -4558,10 +4275,7 @@
           <a:noFill/>
           <a:ln w="38100">
             <a:solidFill>
-              <a:schemeClr val="tx1">
-                <a:lumMod val="75000"/>
-                <a:lumOff val="25000"/>
-              </a:schemeClr>
+              <a:srgbClr val="FF0000"/>
             </a:solidFill>
           </a:ln>
         </p:spPr>
@@ -4592,28 +4306,17 @@
                   <a:schemeClr val="tx1"/>
                 </a:solidFill>
               </a:rPr>
-              <a:t>Waterfall</a:t>
-            </a:r>
-          </a:p>
-          <a:p>
-            <a:pPr algn="ctr"/>
-            <a:r>
-              <a:rPr lang="en-CH" dirty="0">
-                <a:solidFill>
-                  <a:schemeClr val="tx1"/>
-                </a:solidFill>
-              </a:rPr>
-              <a:t>(ceiling)</a:t>
-            </a:r>
-          </a:p>
-        </p:txBody>
-      </p:sp>
-      <p:sp>
-        <p:nvSpPr>
-          <p:cNvPr id="2" name="Rounded Rectangle 1">
-            <a:extLst>
-              <a:ext uri="{FF2B5EF4-FFF2-40B4-BE49-F238E27FC236}">
-                <a16:creationId xmlns:a16="http://schemas.microsoft.com/office/drawing/2014/main" id="{1A5E8160-3306-E0FB-9048-30EAFB2F96D3}"/>
+              <a:t>Hall</a:t>
+            </a:r>
+          </a:p>
+        </p:txBody>
+      </p:sp>
+      <p:sp>
+        <p:nvSpPr>
+          <p:cNvPr id="7" name="Rounded Rectangle 6">
+            <a:extLst>
+              <a:ext uri="{FF2B5EF4-FFF2-40B4-BE49-F238E27FC236}">
+                <a16:creationId xmlns:a16="http://schemas.microsoft.com/office/drawing/2014/main" id="{364A5F9B-9179-9D20-5939-F794AB82689D}"/>
               </a:ext>
             </a:extLst>
           </p:cNvPr>
@@ -4622,7 +4325,7 @@
         </p:nvSpPr>
         <p:spPr>
           <a:xfrm>
-            <a:off x="7449079" y="2294745"/>
+            <a:off x="4986727" y="1578963"/>
             <a:ext cx="2218544" cy="1900004"/>
           </a:xfrm>
           <a:prstGeom prst="roundRect">
@@ -4631,10 +4334,7 @@
           <a:noFill/>
           <a:ln w="38100">
             <a:solidFill>
-              <a:schemeClr val="tx1">
-                <a:lumMod val="75000"/>
-                <a:lumOff val="25000"/>
-              </a:schemeClr>
+              <a:srgbClr val="00B050"/>
             </a:solidFill>
           </a:ln>
         </p:spPr>
@@ -4665,17 +4365,28 @@
                   <a:schemeClr val="tx1"/>
                 </a:solidFill>
               </a:rPr>
-              <a:t>Crops</a:t>
-            </a:r>
-          </a:p>
-        </p:txBody>
-      </p:sp>
-      <p:sp>
-        <p:nvSpPr>
-          <p:cNvPr id="3" name="TextBox 2">
-            <a:extLst>
-              <a:ext uri="{FF2B5EF4-FFF2-40B4-BE49-F238E27FC236}">
-                <a16:creationId xmlns:a16="http://schemas.microsoft.com/office/drawing/2014/main" id="{6A770CF9-DC20-36F1-1813-6F7B37167BCE}"/>
+              <a:t>Waterfall</a:t>
+            </a:r>
+          </a:p>
+          <a:p>
+            <a:pPr algn="ctr"/>
+            <a:r>
+              <a:rPr lang="en-CH" dirty="0">
+                <a:solidFill>
+                  <a:schemeClr val="tx1"/>
+                </a:solidFill>
+              </a:rPr>
+              <a:t>(Sacred Resting Place below)</a:t>
+            </a:r>
+          </a:p>
+        </p:txBody>
+      </p:sp>
+      <p:sp>
+        <p:nvSpPr>
+          <p:cNvPr id="10" name="TextBox 9">
+            <a:extLst>
+              <a:ext uri="{FF2B5EF4-FFF2-40B4-BE49-F238E27FC236}">
+                <a16:creationId xmlns:a16="http://schemas.microsoft.com/office/drawing/2014/main" id="{094864DE-9C7B-8809-63ED-2309E0C2D82E}"/>
               </a:ext>
             </a:extLst>
           </p:cNvPr>
@@ -4700,17 +4411,17 @@
           <a:p>
             <a:r>
               <a:rPr lang="en-CH" dirty="0"/>
-              <a:t>LEVEL 1</a:t>
-            </a:r>
-          </a:p>
-        </p:txBody>
-      </p:sp>
-      <p:sp>
-        <p:nvSpPr>
-          <p:cNvPr id="4" name="Rounded Rectangle 3">
-            <a:extLst>
-              <a:ext uri="{FF2B5EF4-FFF2-40B4-BE49-F238E27FC236}">
-                <a16:creationId xmlns:a16="http://schemas.microsoft.com/office/drawing/2014/main" id="{62175B0D-788C-AE50-D324-CDFE2CE4CE93}"/>
+              <a:t>LEVEL 0</a:t>
+            </a:r>
+          </a:p>
+        </p:txBody>
+      </p:sp>
+      <p:sp>
+        <p:nvSpPr>
+          <p:cNvPr id="2" name="Rounded Rectangle 1">
+            <a:extLst>
+              <a:ext uri="{FF2B5EF4-FFF2-40B4-BE49-F238E27FC236}">
+                <a16:creationId xmlns:a16="http://schemas.microsoft.com/office/drawing/2014/main" id="{F98B86C6-5168-5ED4-CCC8-78023BB9B9B3}"/>
               </a:ext>
             </a:extLst>
           </p:cNvPr>
@@ -4719,21 +4430,16 @@
         </p:nvSpPr>
         <p:spPr>
           <a:xfrm>
-            <a:off x="7556063" y="866307"/>
+            <a:off x="7098286" y="5734989"/>
             <a:ext cx="2004577" cy="880673"/>
           </a:xfrm>
           <a:prstGeom prst="roundRect">
-            <a:avLst>
-              <a:gd name="adj" fmla="val 50000"/>
-            </a:avLst>
+            <a:avLst/>
           </a:prstGeom>
           <a:noFill/>
           <a:ln w="38100">
             <a:solidFill>
-              <a:schemeClr val="tx1">
-                <a:lumMod val="75000"/>
-                <a:lumOff val="25000"/>
-              </a:schemeClr>
+              <a:srgbClr val="00B050"/>
             </a:solidFill>
           </a:ln>
         </p:spPr>
@@ -4764,46 +4470,149 @@
                   <a:schemeClr val="tx1"/>
                 </a:solidFill>
               </a:rPr>
-              <a:t>Staircase </a:t>
-            </a:r>
-            <a:br>
+              <a:t>Waiting Room</a:t>
+            </a:r>
+          </a:p>
+        </p:txBody>
+      </p:sp>
+      <p:sp>
+        <p:nvSpPr>
+          <p:cNvPr id="3" name="Rounded Rectangle 2">
+            <a:extLst>
+              <a:ext uri="{FF2B5EF4-FFF2-40B4-BE49-F238E27FC236}">
+                <a16:creationId xmlns:a16="http://schemas.microsoft.com/office/drawing/2014/main" id="{7C7AA207-CE28-696D-44C8-7BF78AC90B01}"/>
+              </a:ext>
+            </a:extLst>
+          </p:cNvPr>
+          <p:cNvSpPr/>
+          <p:nvPr/>
+        </p:nvSpPr>
+        <p:spPr>
+          <a:xfrm>
+            <a:off x="5093709" y="3823743"/>
+            <a:ext cx="2004577" cy="880673"/>
+          </a:xfrm>
+          <a:prstGeom prst="roundRect">
+            <a:avLst/>
+          </a:prstGeom>
+          <a:noFill/>
+          <a:ln w="38100">
+            <a:solidFill>
+              <a:srgbClr val="00B050"/>
+            </a:solidFill>
+          </a:ln>
+        </p:spPr>
+        <p:style>
+          <a:lnRef idx="2">
+            <a:schemeClr val="accent1">
+              <a:shade val="15000"/>
+            </a:schemeClr>
+          </a:lnRef>
+          <a:fillRef idx="1">
+            <a:schemeClr val="accent1"/>
+          </a:fillRef>
+          <a:effectRef idx="0">
+            <a:schemeClr val="accent1"/>
+          </a:effectRef>
+          <a:fontRef idx="minor">
+            <a:schemeClr val="lt1"/>
+          </a:fontRef>
+        </p:style>
+        <p:txBody>
+          <a:bodyPr rtlCol="0" anchor="ctr"/>
+          <a:lstStyle/>
+          <a:p>
+            <a:pPr algn="ctr"/>
+            <a:r>
               <a:rPr lang="en-CH" dirty="0">
                 <a:solidFill>
                   <a:schemeClr val="tx1"/>
                 </a:solidFill>
               </a:rPr>
-            </a:br>
+              <a:t>“Balcony”</a:t>
+            </a:r>
+          </a:p>
+        </p:txBody>
+      </p:sp>
+      <p:sp>
+        <p:nvSpPr>
+          <p:cNvPr id="4" name="Rounded Rectangle 3">
+            <a:extLst>
+              <a:ext uri="{FF2B5EF4-FFF2-40B4-BE49-F238E27FC236}">
+                <a16:creationId xmlns:a16="http://schemas.microsoft.com/office/drawing/2014/main" id="{94A0F30B-E410-B745-7B8C-DF99769C3F9F}"/>
+              </a:ext>
+            </a:extLst>
+          </p:cNvPr>
+          <p:cNvSpPr/>
+          <p:nvPr/>
+        </p:nvSpPr>
+        <p:spPr>
+          <a:xfrm>
+            <a:off x="2591821" y="3824993"/>
+            <a:ext cx="2004577" cy="880673"/>
+          </a:xfrm>
+          <a:prstGeom prst="roundRect">
+            <a:avLst/>
+          </a:prstGeom>
+          <a:noFill/>
+          <a:ln w="38100">
+            <a:solidFill>
+              <a:srgbClr val="FF0000"/>
+            </a:solidFill>
+          </a:ln>
+        </p:spPr>
+        <p:style>
+          <a:lnRef idx="2">
+            <a:schemeClr val="accent1">
+              <a:shade val="15000"/>
+            </a:schemeClr>
+          </a:lnRef>
+          <a:fillRef idx="1">
+            <a:schemeClr val="accent1"/>
+          </a:fillRef>
+          <a:effectRef idx="0">
+            <a:schemeClr val="accent1"/>
+          </a:effectRef>
+          <a:fontRef idx="minor">
+            <a:schemeClr val="lt1"/>
+          </a:fontRef>
+        </p:style>
+        <p:txBody>
+          <a:bodyPr rtlCol="0" anchor="ctr"/>
+          <a:lstStyle/>
+          <a:p>
+            <a:pPr algn="ctr"/>
             <a:r>
               <a:rPr lang="en-CH" dirty="0">
                 <a:solidFill>
                   <a:schemeClr val="tx1"/>
                 </a:solidFill>
               </a:rPr>
-              <a:t>(down)</a:t>
+              <a:t>Burnt Library</a:t>
             </a:r>
           </a:p>
         </p:txBody>
       </p:sp>
       <p:cxnSp>
         <p:nvCxnSpPr>
-          <p:cNvPr id="5" name="Curved Connector 4">
-            <a:extLst>
-              <a:ext uri="{FF2B5EF4-FFF2-40B4-BE49-F238E27FC236}">
-                <a16:creationId xmlns:a16="http://schemas.microsoft.com/office/drawing/2014/main" id="{CB26313E-2209-07C6-69E8-F7581D443BCB}"/>
+          <p:cNvPr id="11" name="Curved Connector 10">
+            <a:extLst>
+              <a:ext uri="{FF2B5EF4-FFF2-40B4-BE49-F238E27FC236}">
+                <a16:creationId xmlns:a16="http://schemas.microsoft.com/office/drawing/2014/main" id="{1D8A7887-96FE-9955-70A5-0B867B75A00A}"/>
               </a:ext>
             </a:extLst>
           </p:cNvPr>
           <p:cNvCxnSpPr>
             <a:cxnSpLocks/>
-            <a:stCxn id="4" idx="2"/>
-            <a:endCxn id="2" idx="0"/>
+            <a:stCxn id="6" idx="3"/>
+            <a:endCxn id="2" idx="1"/>
           </p:cNvCxnSpPr>
           <p:nvPr/>
         </p:nvCxnSpPr>
         <p:spPr>
-          <a:xfrm rot="5400000">
-            <a:off x="8284470" y="2020862"/>
-            <a:ext cx="547765" cy="1"/>
+          <a:xfrm>
+            <a:off x="6471643" y="6175326"/>
+            <a:ext cx="626643" cy="12700"/>
           </a:xfrm>
           <a:prstGeom prst="curvedConnector3">
             <a:avLst>
@@ -4835,24 +4644,24 @@
       </p:cxnSp>
       <p:cxnSp>
         <p:nvCxnSpPr>
-          <p:cNvPr id="13" name="Curved Connector 12">
-            <a:extLst>
-              <a:ext uri="{FF2B5EF4-FFF2-40B4-BE49-F238E27FC236}">
-                <a16:creationId xmlns:a16="http://schemas.microsoft.com/office/drawing/2014/main" id="{7C19962F-3F65-DC76-0EC0-25D57720FC63}"/>
+          <p:cNvPr id="12" name="Curved Connector 11">
+            <a:extLst>
+              <a:ext uri="{FF2B5EF4-FFF2-40B4-BE49-F238E27FC236}">
+                <a16:creationId xmlns:a16="http://schemas.microsoft.com/office/drawing/2014/main" id="{DC9F33FE-9C41-7DBB-5CD6-DA37EF445875}"/>
               </a:ext>
             </a:extLst>
           </p:cNvPr>
           <p:cNvCxnSpPr>
             <a:cxnSpLocks/>
-            <a:stCxn id="2" idx="1"/>
-            <a:endCxn id="7" idx="3"/>
+            <a:stCxn id="6" idx="0"/>
+            <a:endCxn id="3" idx="2"/>
           </p:cNvCxnSpPr>
           <p:nvPr/>
         </p:nvCxnSpPr>
         <p:spPr>
-          <a:xfrm rot="10800000" flipV="1">
-            <a:off x="4651947" y="3244746"/>
-            <a:ext cx="2797132" cy="12701"/>
+          <a:xfrm rot="5400000" flipH="1" flipV="1">
+            <a:off x="5580711" y="5219703"/>
+            <a:ext cx="1030573" cy="1"/>
           </a:xfrm>
           <a:prstGeom prst="curvedConnector3">
             <a:avLst>
@@ -4861,118 +4670,9 @@
           </a:prstGeom>
           <a:ln w="12700">
             <a:solidFill>
-              <a:schemeClr val="accent1"/>
+              <a:schemeClr val="accent6"/>
             </a:solidFill>
-            <a:headEnd type="none"/>
-            <a:tailEnd type="triangle"/>
-          </a:ln>
-        </p:spPr>
-        <p:style>
-          <a:lnRef idx="1">
-            <a:schemeClr val="accent1"/>
-          </a:lnRef>
-          <a:fillRef idx="0">
-            <a:schemeClr val="accent1"/>
-          </a:fillRef>
-          <a:effectRef idx="0">
-            <a:schemeClr val="accent1"/>
-          </a:effectRef>
-          <a:fontRef idx="minor">
-            <a:schemeClr val="tx1"/>
-          </a:fontRef>
-        </p:style>
-      </p:cxnSp>
-      <p:sp>
-        <p:nvSpPr>
-          <p:cNvPr id="19" name="Rounded Rectangle 18">
-            <a:extLst>
-              <a:ext uri="{FF2B5EF4-FFF2-40B4-BE49-F238E27FC236}">
-                <a16:creationId xmlns:a16="http://schemas.microsoft.com/office/drawing/2014/main" id="{A0834C4E-BB78-8FCA-8004-974B68F55D82}"/>
-              </a:ext>
-            </a:extLst>
-          </p:cNvPr>
-          <p:cNvSpPr/>
-          <p:nvPr/>
-        </p:nvSpPr>
-        <p:spPr>
-          <a:xfrm>
-            <a:off x="5185564" y="1630663"/>
-            <a:ext cx="1878768" cy="765749"/>
-          </a:xfrm>
-          <a:prstGeom prst="roundRect">
-            <a:avLst/>
-          </a:prstGeom>
-          <a:noFill/>
-          <a:ln w="38100">
-            <a:solidFill>
-              <a:schemeClr val="tx1">
-                <a:lumMod val="75000"/>
-                <a:lumOff val="25000"/>
-              </a:schemeClr>
-            </a:solidFill>
-          </a:ln>
-        </p:spPr>
-        <p:style>
-          <a:lnRef idx="2">
-            <a:schemeClr val="accent1">
-              <a:shade val="15000"/>
-            </a:schemeClr>
-          </a:lnRef>
-          <a:fillRef idx="1">
-            <a:schemeClr val="accent1"/>
-          </a:fillRef>
-          <a:effectRef idx="0">
-            <a:schemeClr val="accent1"/>
-          </a:effectRef>
-          <a:fontRef idx="minor">
-            <a:schemeClr val="lt1"/>
-          </a:fontRef>
-        </p:style>
-        <p:txBody>
-          <a:bodyPr rtlCol="0" anchor="ctr"/>
-          <a:lstStyle/>
-          <a:p>
-            <a:pPr algn="ctr"/>
-            <a:r>
-              <a:rPr lang="en-CH" dirty="0">
-                <a:solidFill>
-                  <a:schemeClr val="tx1"/>
-                </a:solidFill>
-              </a:rPr>
-              <a:t>Washing Station and Drying Racks</a:t>
-            </a:r>
-          </a:p>
-        </p:txBody>
-      </p:sp>
-      <p:cxnSp>
-        <p:nvCxnSpPr>
-          <p:cNvPr id="24" name="Curved Connector 23">
-            <a:extLst>
-              <a:ext uri="{FF2B5EF4-FFF2-40B4-BE49-F238E27FC236}">
-                <a16:creationId xmlns:a16="http://schemas.microsoft.com/office/drawing/2014/main" id="{BE851ABE-4571-46DC-887A-F6EE960367B3}"/>
-              </a:ext>
-            </a:extLst>
-          </p:cNvPr>
-          <p:cNvCxnSpPr>
-            <a:cxnSpLocks/>
-            <a:stCxn id="19" idx="1"/>
-            <a:endCxn id="7" idx="0"/>
-          </p:cNvCxnSpPr>
-          <p:nvPr/>
-        </p:nvCxnSpPr>
-        <p:spPr>
-          <a:xfrm rot="10800000" flipV="1">
-            <a:off x="3542676" y="2013538"/>
-            <a:ext cx="1642889" cy="293908"/>
-          </a:xfrm>
-          <a:prstGeom prst="curvedConnector2">
-            <a:avLst/>
-          </a:prstGeom>
-          <a:ln w="12700">
-            <a:solidFill>
-              <a:schemeClr val="accent1"/>
-            </a:solidFill>
-            <a:headEnd type="none"/>
+            <a:headEnd type="triangle"/>
             <a:tailEnd type="triangle"/>
           </a:ln>
         </p:spPr>
@@ -4993,27 +4693,29 @@
       </p:cxnSp>
       <p:cxnSp>
         <p:nvCxnSpPr>
-          <p:cNvPr id="45" name="Curved Connector 44">
-            <a:extLst>
-              <a:ext uri="{FF2B5EF4-FFF2-40B4-BE49-F238E27FC236}">
-                <a16:creationId xmlns:a16="http://schemas.microsoft.com/office/drawing/2014/main" id="{B2083666-614C-D16F-1F6C-3BA760D052DD}"/>
+          <p:cNvPr id="29" name="Curved Connector 28">
+            <a:extLst>
+              <a:ext uri="{FF2B5EF4-FFF2-40B4-BE49-F238E27FC236}">
+                <a16:creationId xmlns:a16="http://schemas.microsoft.com/office/drawing/2014/main" id="{91064287-02F3-3BAC-C7BC-2B30DA4FB5E5}"/>
               </a:ext>
             </a:extLst>
           </p:cNvPr>
           <p:cNvCxnSpPr>
             <a:cxnSpLocks/>
-            <a:stCxn id="19" idx="0"/>
-            <a:endCxn id="4" idx="1"/>
+            <a:stCxn id="3" idx="1"/>
+            <a:endCxn id="4" idx="3"/>
           </p:cNvCxnSpPr>
           <p:nvPr/>
         </p:nvCxnSpPr>
         <p:spPr>
-          <a:xfrm rot="5400000" flipH="1" flipV="1">
-            <a:off x="6678496" y="753097"/>
-            <a:ext cx="324019" cy="1431115"/>
-          </a:xfrm>
-          <a:prstGeom prst="curvedConnector2">
-            <a:avLst/>
+          <a:xfrm rot="10800000" flipV="1">
+            <a:off x="4596399" y="4264080"/>
+            <a:ext cx="497311" cy="1250"/>
+          </a:xfrm>
+          <a:prstGeom prst="curvedConnector3">
+            <a:avLst>
+              <a:gd name="adj1" fmla="val 50000"/>
+            </a:avLst>
           </a:prstGeom>
           <a:ln w="12700">
             <a:solidFill>
@@ -5038,12 +4740,106 @@
           </a:fontRef>
         </p:style>
       </p:cxnSp>
-      <p:sp>
-        <p:nvSpPr>
-          <p:cNvPr id="51" name="Rectangle 50">
-            <a:extLst>
-              <a:ext uri="{FF2B5EF4-FFF2-40B4-BE49-F238E27FC236}">
-                <a16:creationId xmlns:a16="http://schemas.microsoft.com/office/drawing/2014/main" id="{B9360358-5AB7-83C1-152E-E471CF7055FB}"/>
+      <p:cxnSp>
+        <p:nvCxnSpPr>
+          <p:cNvPr id="32" name="Curved Connector 31">
+            <a:extLst>
+              <a:ext uri="{FF2B5EF4-FFF2-40B4-BE49-F238E27FC236}">
+                <a16:creationId xmlns:a16="http://schemas.microsoft.com/office/drawing/2014/main" id="{9536A4B7-7D6F-5F4A-F19A-EF99B69D6448}"/>
+              </a:ext>
+            </a:extLst>
+          </p:cNvPr>
+          <p:cNvCxnSpPr>
+            <a:cxnSpLocks/>
+            <a:stCxn id="6" idx="1"/>
+            <a:endCxn id="4" idx="2"/>
+          </p:cNvCxnSpPr>
+          <p:nvPr/>
+        </p:nvCxnSpPr>
+        <p:spPr>
+          <a:xfrm rot="10800000">
+            <a:off x="3594110" y="4705666"/>
+            <a:ext cx="2126240" cy="1469660"/>
+          </a:xfrm>
+          <a:prstGeom prst="curvedConnector2">
+            <a:avLst/>
+          </a:prstGeom>
+          <a:ln w="12700">
+            <a:solidFill>
+              <a:schemeClr val="accent6"/>
+            </a:solidFill>
+            <a:headEnd type="triangle"/>
+            <a:tailEnd type="triangle"/>
+          </a:ln>
+        </p:spPr>
+        <p:style>
+          <a:lnRef idx="1">
+            <a:schemeClr val="accent1"/>
+          </a:lnRef>
+          <a:fillRef idx="0">
+            <a:schemeClr val="accent1"/>
+          </a:fillRef>
+          <a:effectRef idx="0">
+            <a:schemeClr val="accent1"/>
+          </a:effectRef>
+          <a:fontRef idx="minor">
+            <a:schemeClr val="tx1"/>
+          </a:fontRef>
+        </p:style>
+      </p:cxnSp>
+      <p:cxnSp>
+        <p:nvCxnSpPr>
+          <p:cNvPr id="42" name="Curved Connector 41">
+            <a:extLst>
+              <a:ext uri="{FF2B5EF4-FFF2-40B4-BE49-F238E27FC236}">
+                <a16:creationId xmlns:a16="http://schemas.microsoft.com/office/drawing/2014/main" id="{CED35AA6-7A9D-56A0-8EC4-9D4C485BB649}"/>
+              </a:ext>
+            </a:extLst>
+          </p:cNvPr>
+          <p:cNvCxnSpPr>
+            <a:cxnSpLocks/>
+            <a:stCxn id="43" idx="2"/>
+            <a:endCxn id="3" idx="3"/>
+          </p:cNvCxnSpPr>
+          <p:nvPr/>
+        </p:nvCxnSpPr>
+        <p:spPr>
+          <a:xfrm rot="5400000">
+            <a:off x="7187569" y="2893297"/>
+            <a:ext cx="1281500" cy="1460066"/>
+          </a:xfrm>
+          <a:prstGeom prst="curvedConnector2">
+            <a:avLst/>
+          </a:prstGeom>
+          <a:ln w="12700">
+            <a:solidFill>
+              <a:schemeClr val="accent6"/>
+            </a:solidFill>
+            <a:headEnd type="triangle"/>
+            <a:tailEnd type="triangle"/>
+          </a:ln>
+        </p:spPr>
+        <p:style>
+          <a:lnRef idx="1">
+            <a:schemeClr val="accent1"/>
+          </a:lnRef>
+          <a:fillRef idx="0">
+            <a:schemeClr val="accent1"/>
+          </a:fillRef>
+          <a:effectRef idx="0">
+            <a:schemeClr val="accent1"/>
+          </a:effectRef>
+          <a:fontRef idx="minor">
+            <a:schemeClr val="tx1"/>
+          </a:fontRef>
+        </p:style>
+      </p:cxnSp>
+      <p:sp>
+        <p:nvSpPr>
+          <p:cNvPr id="43" name="Rounded Rectangle 42">
+            <a:extLst>
+              <a:ext uri="{FF2B5EF4-FFF2-40B4-BE49-F238E27FC236}">
+                <a16:creationId xmlns:a16="http://schemas.microsoft.com/office/drawing/2014/main" id="{438488FB-8F6D-1C28-92A1-38CBA1420A86}"/>
               </a:ext>
             </a:extLst>
           </p:cNvPr>
@@ -5052,12 +4848,20 @@
         </p:nvSpPr>
         <p:spPr>
           <a:xfrm>
-            <a:off x="4364121" y="2756214"/>
-            <a:ext cx="5634318" cy="230399"/>
-          </a:xfrm>
-          <a:prstGeom prst="rect">
-            <a:avLst/>
-          </a:prstGeom>
+            <a:off x="7556063" y="2101907"/>
+            <a:ext cx="2004577" cy="880673"/>
+          </a:xfrm>
+          <a:prstGeom prst="roundRect">
+            <a:avLst>
+              <a:gd name="adj" fmla="val 50000"/>
+            </a:avLst>
+          </a:prstGeom>
+          <a:noFill/>
+          <a:ln w="38100">
+            <a:solidFill>
+              <a:srgbClr val="00B050"/>
+            </a:solidFill>
+          </a:ln>
         </p:spPr>
         <p:style>
           <a:lnRef idx="2">
@@ -5081,18 +4885,86 @@
           <a:p>
             <a:pPr algn="ctr"/>
             <a:r>
-              <a:rPr lang="en-CH" dirty="0"/>
-              <a:t>STREAM</a:t>
-            </a:r>
-          </a:p>
-        </p:txBody>
-      </p:sp>
-      <p:sp>
-        <p:nvSpPr>
-          <p:cNvPr id="52" name="Rectangle 51">
-            <a:extLst>
-              <a:ext uri="{FF2B5EF4-FFF2-40B4-BE49-F238E27FC236}">
-                <a16:creationId xmlns:a16="http://schemas.microsoft.com/office/drawing/2014/main" id="{4F9D75EA-BE85-6D5D-FA13-21B857BA23C2}"/>
+              <a:rPr lang="en-CH" dirty="0">
+                <a:solidFill>
+                  <a:schemeClr val="tx1"/>
+                </a:solidFill>
+              </a:rPr>
+              <a:t>Staircase </a:t>
+            </a:r>
+            <a:br>
+              <a:rPr lang="en-CH" dirty="0">
+                <a:solidFill>
+                  <a:schemeClr val="tx1"/>
+                </a:solidFill>
+              </a:rPr>
+            </a:br>
+            <a:r>
+              <a:rPr lang="en-CH" dirty="0">
+                <a:solidFill>
+                  <a:schemeClr val="tx1"/>
+                </a:solidFill>
+              </a:rPr>
+              <a:t>(down + up)</a:t>
+            </a:r>
+          </a:p>
+        </p:txBody>
+      </p:sp>
+      <p:cxnSp>
+        <p:nvCxnSpPr>
+          <p:cNvPr id="48" name="Curved Connector 47">
+            <a:extLst>
+              <a:ext uri="{FF2B5EF4-FFF2-40B4-BE49-F238E27FC236}">
+                <a16:creationId xmlns:a16="http://schemas.microsoft.com/office/drawing/2014/main" id="{1A3BCEA1-3FFA-34D8-6546-258417E027F1}"/>
+              </a:ext>
+            </a:extLst>
+          </p:cNvPr>
+          <p:cNvCxnSpPr>
+            <a:cxnSpLocks/>
+            <a:stCxn id="43" idx="1"/>
+            <a:endCxn id="63" idx="3"/>
+          </p:cNvCxnSpPr>
+          <p:nvPr/>
+        </p:nvCxnSpPr>
+        <p:spPr>
+          <a:xfrm rot="10800000">
+            <a:off x="7205271" y="2542244"/>
+            <a:ext cx="350792" cy="12700"/>
+          </a:xfrm>
+          <a:prstGeom prst="curvedConnector3">
+            <a:avLst>
+              <a:gd name="adj1" fmla="val 50000"/>
+            </a:avLst>
+          </a:prstGeom>
+          <a:ln w="12700">
+            <a:solidFill>
+              <a:schemeClr val="accent1"/>
+            </a:solidFill>
+            <a:headEnd type="none"/>
+            <a:tailEnd type="triangle"/>
+          </a:ln>
+        </p:spPr>
+        <p:style>
+          <a:lnRef idx="1">
+            <a:schemeClr val="accent1"/>
+          </a:lnRef>
+          <a:fillRef idx="0">
+            <a:schemeClr val="accent1"/>
+          </a:fillRef>
+          <a:effectRef idx="0">
+            <a:schemeClr val="accent1"/>
+          </a:effectRef>
+          <a:fontRef idx="minor">
+            <a:schemeClr val="tx1"/>
+          </a:fontRef>
+        </p:style>
+      </p:cxnSp>
+      <p:sp>
+        <p:nvSpPr>
+          <p:cNvPr id="63" name="Rectangle 62">
+            <a:extLst>
+              <a:ext uri="{FF2B5EF4-FFF2-40B4-BE49-F238E27FC236}">
+                <a16:creationId xmlns:a16="http://schemas.microsoft.com/office/drawing/2014/main" id="{48019AC3-12D5-5783-F5DB-4B675C5C504E}"/>
               </a:ext>
             </a:extLst>
           </p:cNvPr>
@@ -5100,9 +4972,9 @@
           <p:nvPr/>
         </p:nvSpPr>
         <p:spPr>
-          <a:xfrm rot="5400000">
-            <a:off x="7550802" y="3368503"/>
-            <a:ext cx="1072273" cy="308493"/>
+          <a:xfrm>
+            <a:off x="6920458" y="2388910"/>
+            <a:ext cx="284813" cy="306668"/>
           </a:xfrm>
           <a:prstGeom prst="rect">
             <a:avLst/>
@@ -5129,34 +5001,111 @@
           <a:lstStyle/>
           <a:p>
             <a:pPr algn="ctr"/>
-            <a:r>
-              <a:rPr lang="en-CH" dirty="0"/>
-              <a:t>Diverted</a:t>
+            <a:endParaRPr lang="en-CH" dirty="0"/>
+          </a:p>
+        </p:txBody>
+      </p:sp>
+      <p:sp>
+        <p:nvSpPr>
+          <p:cNvPr id="64" name="Rounded Rectangle 63">
+            <a:extLst>
+              <a:ext uri="{FF2B5EF4-FFF2-40B4-BE49-F238E27FC236}">
+                <a16:creationId xmlns:a16="http://schemas.microsoft.com/office/drawing/2014/main" id="{5A5AF4EF-0D54-5062-8A76-6B5918FFE3BE}"/>
+              </a:ext>
+            </a:extLst>
+          </p:cNvPr>
+          <p:cNvSpPr/>
+          <p:nvPr/>
+        </p:nvSpPr>
+        <p:spPr>
+          <a:xfrm>
+            <a:off x="2591820" y="2355332"/>
+            <a:ext cx="2004577" cy="880673"/>
+          </a:xfrm>
+          <a:prstGeom prst="roundRect">
+            <a:avLst>
+              <a:gd name="adj" fmla="val 50000"/>
+            </a:avLst>
+          </a:prstGeom>
+          <a:noFill/>
+          <a:ln w="38100">
+            <a:solidFill>
+              <a:srgbClr val="FF0000"/>
+            </a:solidFill>
+          </a:ln>
+        </p:spPr>
+        <p:style>
+          <a:lnRef idx="2">
+            <a:schemeClr val="accent1">
+              <a:shade val="15000"/>
+            </a:schemeClr>
+          </a:lnRef>
+          <a:fillRef idx="1">
+            <a:schemeClr val="accent1"/>
+          </a:fillRef>
+          <a:effectRef idx="0">
+            <a:schemeClr val="accent1"/>
+          </a:effectRef>
+          <a:fontRef idx="minor">
+            <a:schemeClr val="lt1"/>
+          </a:fontRef>
+        </p:style>
+        <p:txBody>
+          <a:bodyPr rtlCol="0" anchor="ctr"/>
+          <a:lstStyle/>
+          <a:p>
+            <a:pPr algn="ctr"/>
+            <a:r>
+              <a:rPr lang="en-CH" dirty="0">
+                <a:solidFill>
+                  <a:schemeClr val="tx1"/>
+                </a:solidFill>
+              </a:rPr>
+              <a:t>Staircase </a:t>
+            </a:r>
+            <a:br>
+              <a:rPr lang="en-CH" dirty="0">
+                <a:solidFill>
+                  <a:schemeClr val="tx1"/>
+                </a:solidFill>
+              </a:rPr>
+            </a:br>
+            <a:r>
+              <a:rPr lang="en-CH" dirty="0">
+                <a:solidFill>
+                  <a:schemeClr val="tx1"/>
+                </a:solidFill>
+              </a:rPr>
+              <a:t>(down)</a:t>
             </a:r>
           </a:p>
         </p:txBody>
       </p:sp>
       <p:cxnSp>
         <p:nvCxnSpPr>
-          <p:cNvPr id="54" name="Curved Connector 53">
-            <a:extLst>
-              <a:ext uri="{FF2B5EF4-FFF2-40B4-BE49-F238E27FC236}">
-                <a16:creationId xmlns:a16="http://schemas.microsoft.com/office/drawing/2014/main" id="{C2C4B8E9-5D64-8E8A-20A3-9D1B977ED6FE}"/>
+          <p:cNvPr id="65" name="Curved Connector 64">
+            <a:extLst>
+              <a:ext uri="{FF2B5EF4-FFF2-40B4-BE49-F238E27FC236}">
+                <a16:creationId xmlns:a16="http://schemas.microsoft.com/office/drawing/2014/main" id="{4A1116C8-8DE0-DDD4-CB17-8BF1C992550B}"/>
               </a:ext>
             </a:extLst>
           </p:cNvPr>
           <p:cNvCxnSpPr>
             <a:cxnSpLocks/>
+            <a:stCxn id="64" idx="2"/>
+            <a:endCxn id="4" idx="0"/>
           </p:cNvCxnSpPr>
           <p:nvPr/>
         </p:nvCxnSpPr>
         <p:spPr>
           <a:xfrm rot="16200000" flipH="1">
-            <a:off x="6362846" y="2158513"/>
-            <a:ext cx="848335" cy="1324131"/>
-          </a:xfrm>
-          <a:prstGeom prst="curvedConnector2">
-            <a:avLst/>
+            <a:off x="3299615" y="3530498"/>
+            <a:ext cx="588988" cy="1"/>
+          </a:xfrm>
+          <a:prstGeom prst="curvedConnector3">
+            <a:avLst>
+              <a:gd name="adj1" fmla="val 50000"/>
+            </a:avLst>
           </a:prstGeom>
           <a:ln w="12700">
             <a:solidFill>
@@ -5181,10 +5130,733 @@
           </a:fontRef>
         </p:style>
       </p:cxnSp>
+      <p:sp>
+        <p:nvSpPr>
+          <p:cNvPr id="74" name="Rounded Rectangle 73">
+            <a:extLst>
+              <a:ext uri="{FF2B5EF4-FFF2-40B4-BE49-F238E27FC236}">
+                <a16:creationId xmlns:a16="http://schemas.microsoft.com/office/drawing/2014/main" id="{42AB6000-501C-44FE-2F69-91B5589E2A86}"/>
+              </a:ext>
+            </a:extLst>
+          </p:cNvPr>
+          <p:cNvSpPr/>
+          <p:nvPr/>
+        </p:nvSpPr>
+        <p:spPr>
+          <a:xfrm>
+            <a:off x="8293010" y="3821251"/>
+            <a:ext cx="2004577" cy="880673"/>
+          </a:xfrm>
+          <a:prstGeom prst="roundRect">
+            <a:avLst/>
+          </a:prstGeom>
+          <a:noFill/>
+          <a:ln w="38100">
+            <a:solidFill>
+              <a:srgbClr val="00B050"/>
+            </a:solidFill>
+          </a:ln>
+        </p:spPr>
+        <p:style>
+          <a:lnRef idx="2">
+            <a:schemeClr val="accent1">
+              <a:shade val="15000"/>
+            </a:schemeClr>
+          </a:lnRef>
+          <a:fillRef idx="1">
+            <a:schemeClr val="accent1"/>
+          </a:fillRef>
+          <a:effectRef idx="0">
+            <a:schemeClr val="accent1"/>
+          </a:effectRef>
+          <a:fontRef idx="minor">
+            <a:schemeClr val="lt1"/>
+          </a:fontRef>
+        </p:style>
+        <p:txBody>
+          <a:bodyPr rtlCol="0" anchor="ctr"/>
+          <a:lstStyle/>
+          <a:p>
+            <a:pPr algn="ctr"/>
+            <a:r>
+              <a:rPr lang="en-CH" dirty="0">
+                <a:solidFill>
+                  <a:schemeClr val="tx1"/>
+                </a:solidFill>
+              </a:rPr>
+              <a:t>Crafting  Room</a:t>
+            </a:r>
+            <a:br>
+              <a:rPr lang="en-CH" dirty="0">
+                <a:solidFill>
+                  <a:schemeClr val="tx1"/>
+                </a:solidFill>
+              </a:rPr>
+            </a:br>
+            <a:endParaRPr lang="en-CH" dirty="0">
+              <a:solidFill>
+                <a:schemeClr val="tx1"/>
+              </a:solidFill>
+            </a:endParaRPr>
+          </a:p>
+        </p:txBody>
+      </p:sp>
+      <p:sp>
+        <p:nvSpPr>
+          <p:cNvPr id="75" name="Rectangle 74">
+            <a:extLst>
+              <a:ext uri="{FF2B5EF4-FFF2-40B4-BE49-F238E27FC236}">
+                <a16:creationId xmlns:a16="http://schemas.microsoft.com/office/drawing/2014/main" id="{2C21DAD8-C679-F5D8-88C3-74C8C6FAE151}"/>
+              </a:ext>
+            </a:extLst>
+          </p:cNvPr>
+          <p:cNvSpPr/>
+          <p:nvPr/>
+        </p:nvSpPr>
+        <p:spPr>
+          <a:xfrm>
+            <a:off x="8455478" y="4308277"/>
+            <a:ext cx="284813" cy="306668"/>
+          </a:xfrm>
+          <a:prstGeom prst="rect">
+            <a:avLst/>
+          </a:prstGeom>
+        </p:spPr>
+        <p:style>
+          <a:lnRef idx="2">
+            <a:schemeClr val="accent1">
+              <a:shade val="15000"/>
+            </a:schemeClr>
+          </a:lnRef>
+          <a:fillRef idx="1">
+            <a:schemeClr val="accent1"/>
+          </a:fillRef>
+          <a:effectRef idx="0">
+            <a:schemeClr val="accent1"/>
+          </a:effectRef>
+          <a:fontRef idx="minor">
+            <a:schemeClr val="lt1"/>
+          </a:fontRef>
+        </p:style>
+        <p:txBody>
+          <a:bodyPr rtlCol="0" anchor="ctr"/>
+          <a:lstStyle/>
+          <a:p>
+            <a:pPr algn="ctr"/>
+            <a:endParaRPr lang="en-CH" dirty="0"/>
+          </a:p>
+        </p:txBody>
+      </p:sp>
+      <p:cxnSp>
+        <p:nvCxnSpPr>
+          <p:cNvPr id="76" name="Curved Connector 75">
+            <a:extLst>
+              <a:ext uri="{FF2B5EF4-FFF2-40B4-BE49-F238E27FC236}">
+                <a16:creationId xmlns:a16="http://schemas.microsoft.com/office/drawing/2014/main" id="{BCE6588D-3348-B747-587B-59C5202E845E}"/>
+              </a:ext>
+            </a:extLst>
+          </p:cNvPr>
+          <p:cNvCxnSpPr>
+            <a:cxnSpLocks/>
+            <a:stCxn id="74" idx="1"/>
+            <a:endCxn id="3" idx="3"/>
+          </p:cNvCxnSpPr>
+          <p:nvPr/>
+        </p:nvCxnSpPr>
+        <p:spPr>
+          <a:xfrm rot="10800000" flipV="1">
+            <a:off x="7098286" y="4261588"/>
+            <a:ext cx="1194724" cy="2492"/>
+          </a:xfrm>
+          <a:prstGeom prst="curvedConnector3">
+            <a:avLst>
+              <a:gd name="adj1" fmla="val 50000"/>
+            </a:avLst>
+          </a:prstGeom>
+          <a:ln w="12700" cmpd="sng">
+            <a:solidFill>
+              <a:schemeClr val="accent2"/>
+            </a:solidFill>
+            <a:miter lim="800000"/>
+            <a:headEnd type="triangle"/>
+            <a:tailEnd type="triangle"/>
+          </a:ln>
+        </p:spPr>
+        <p:style>
+          <a:lnRef idx="1">
+            <a:schemeClr val="accent1"/>
+          </a:lnRef>
+          <a:fillRef idx="0">
+            <a:schemeClr val="accent1"/>
+          </a:fillRef>
+          <a:effectRef idx="0">
+            <a:schemeClr val="accent1"/>
+          </a:effectRef>
+          <a:fontRef idx="minor">
+            <a:schemeClr val="tx1"/>
+          </a:fontRef>
+        </p:style>
+      </p:cxnSp>
+      <p:sp>
+        <p:nvSpPr>
+          <p:cNvPr id="80" name="Rounded Rectangle 79">
+            <a:extLst>
+              <a:ext uri="{FF2B5EF4-FFF2-40B4-BE49-F238E27FC236}">
+                <a16:creationId xmlns:a16="http://schemas.microsoft.com/office/drawing/2014/main" id="{0C58CBE4-1693-6EB7-6753-0D0234C325AE}"/>
+              </a:ext>
+            </a:extLst>
+          </p:cNvPr>
+          <p:cNvSpPr/>
+          <p:nvPr/>
+        </p:nvSpPr>
+        <p:spPr>
+          <a:xfrm>
+            <a:off x="9911432" y="2829705"/>
+            <a:ext cx="2004577" cy="880673"/>
+          </a:xfrm>
+          <a:prstGeom prst="roundRect">
+            <a:avLst/>
+          </a:prstGeom>
+          <a:noFill/>
+          <a:ln w="38100">
+            <a:solidFill>
+              <a:srgbClr val="FF0000"/>
+            </a:solidFill>
+          </a:ln>
+        </p:spPr>
+        <p:style>
+          <a:lnRef idx="2">
+            <a:schemeClr val="accent1">
+              <a:shade val="15000"/>
+            </a:schemeClr>
+          </a:lnRef>
+          <a:fillRef idx="1">
+            <a:schemeClr val="accent1"/>
+          </a:fillRef>
+          <a:effectRef idx="0">
+            <a:schemeClr val="accent1"/>
+          </a:effectRef>
+          <a:fontRef idx="minor">
+            <a:schemeClr val="lt1"/>
+          </a:fontRef>
+        </p:style>
+        <p:txBody>
+          <a:bodyPr rtlCol="0" anchor="ctr"/>
+          <a:lstStyle/>
+          <a:p>
+            <a:pPr algn="ctr"/>
+            <a:r>
+              <a:rPr lang="en-CH" dirty="0">
+                <a:solidFill>
+                  <a:schemeClr val="tx1"/>
+                </a:solidFill>
+              </a:rPr>
+              <a:t>Storage</a:t>
+            </a:r>
+          </a:p>
+        </p:txBody>
+      </p:sp>
+      <p:cxnSp>
+        <p:nvCxnSpPr>
+          <p:cNvPr id="81" name="Curved Connector 80">
+            <a:extLst>
+              <a:ext uri="{FF2B5EF4-FFF2-40B4-BE49-F238E27FC236}">
+                <a16:creationId xmlns:a16="http://schemas.microsoft.com/office/drawing/2014/main" id="{8B72EE16-9F9D-0A60-813C-832B297736FB}"/>
+              </a:ext>
+            </a:extLst>
+          </p:cNvPr>
+          <p:cNvCxnSpPr>
+            <a:cxnSpLocks/>
+            <a:stCxn id="80" idx="2"/>
+            <a:endCxn id="74" idx="3"/>
+          </p:cNvCxnSpPr>
+          <p:nvPr/>
+        </p:nvCxnSpPr>
+        <p:spPr>
+          <a:xfrm rot="5400000">
+            <a:off x="10330049" y="3677916"/>
+            <a:ext cx="551210" cy="616134"/>
+          </a:xfrm>
+          <a:prstGeom prst="curvedConnector2">
+            <a:avLst/>
+          </a:prstGeom>
+          <a:ln w="12700">
+            <a:solidFill>
+              <a:schemeClr val="accent6"/>
+            </a:solidFill>
+            <a:headEnd type="triangle"/>
+            <a:tailEnd type="triangle"/>
+          </a:ln>
+        </p:spPr>
+        <p:style>
+          <a:lnRef idx="1">
+            <a:schemeClr val="accent1"/>
+          </a:lnRef>
+          <a:fillRef idx="0">
+            <a:schemeClr val="accent1"/>
+          </a:fillRef>
+          <a:effectRef idx="0">
+            <a:schemeClr val="accent1"/>
+          </a:effectRef>
+          <a:fontRef idx="minor">
+            <a:schemeClr val="tx1"/>
+          </a:fontRef>
+        </p:style>
+      </p:cxnSp>
+      <p:cxnSp>
+        <p:nvCxnSpPr>
+          <p:cNvPr id="84" name="Curved Connector 83">
+            <a:extLst>
+              <a:ext uri="{FF2B5EF4-FFF2-40B4-BE49-F238E27FC236}">
+                <a16:creationId xmlns:a16="http://schemas.microsoft.com/office/drawing/2014/main" id="{DC05BF72-FBDF-1AEA-AC43-B27974B17FED}"/>
+              </a:ext>
+            </a:extLst>
+          </p:cNvPr>
+          <p:cNvCxnSpPr>
+            <a:cxnSpLocks/>
+            <a:stCxn id="80" idx="1"/>
+            <a:endCxn id="43" idx="2"/>
+          </p:cNvCxnSpPr>
+          <p:nvPr/>
+        </p:nvCxnSpPr>
+        <p:spPr>
+          <a:xfrm rot="10800000">
+            <a:off x="8558352" y="2982580"/>
+            <a:ext cx="1353080" cy="287462"/>
+          </a:xfrm>
+          <a:prstGeom prst="curvedConnector2">
+            <a:avLst/>
+          </a:prstGeom>
+          <a:ln w="12700">
+            <a:solidFill>
+              <a:schemeClr val="accent6"/>
+            </a:solidFill>
+            <a:headEnd type="triangle"/>
+            <a:tailEnd type="triangle"/>
+          </a:ln>
+        </p:spPr>
+        <p:style>
+          <a:lnRef idx="1">
+            <a:schemeClr val="accent1"/>
+          </a:lnRef>
+          <a:fillRef idx="0">
+            <a:schemeClr val="accent1"/>
+          </a:fillRef>
+          <a:effectRef idx="0">
+            <a:schemeClr val="accent1"/>
+          </a:effectRef>
+          <a:fontRef idx="minor">
+            <a:schemeClr val="tx1"/>
+          </a:fontRef>
+        </p:style>
+      </p:cxnSp>
+      <p:sp>
+        <p:nvSpPr>
+          <p:cNvPr id="87" name="Rounded Rectangle 86">
+            <a:extLst>
+              <a:ext uri="{FF2B5EF4-FFF2-40B4-BE49-F238E27FC236}">
+                <a16:creationId xmlns:a16="http://schemas.microsoft.com/office/drawing/2014/main" id="{7C76C42C-2E1B-C384-BFB5-7C8F9BF741F0}"/>
+              </a:ext>
+            </a:extLst>
+          </p:cNvPr>
+          <p:cNvSpPr/>
+          <p:nvPr/>
+        </p:nvSpPr>
+        <p:spPr>
+          <a:xfrm>
+            <a:off x="5093709" y="411288"/>
+            <a:ext cx="2004577" cy="880673"/>
+          </a:xfrm>
+          <a:prstGeom prst="roundRect">
+            <a:avLst/>
+          </a:prstGeom>
+          <a:noFill/>
+          <a:ln w="38100">
+            <a:solidFill>
+              <a:srgbClr val="FF0000"/>
+            </a:solidFill>
+          </a:ln>
+        </p:spPr>
+        <p:style>
+          <a:lnRef idx="2">
+            <a:schemeClr val="accent1">
+              <a:shade val="15000"/>
+            </a:schemeClr>
+          </a:lnRef>
+          <a:fillRef idx="1">
+            <a:schemeClr val="accent1"/>
+          </a:fillRef>
+          <a:effectRef idx="0">
+            <a:schemeClr val="accent1"/>
+          </a:effectRef>
+          <a:fontRef idx="minor">
+            <a:schemeClr val="lt1"/>
+          </a:fontRef>
+        </p:style>
+        <p:txBody>
+          <a:bodyPr rtlCol="0" anchor="ctr"/>
+          <a:lstStyle/>
+          <a:p>
+            <a:pPr algn="ctr"/>
+            <a:r>
+              <a:rPr lang="en-CH" dirty="0">
+                <a:solidFill>
+                  <a:schemeClr val="tx1"/>
+                </a:solidFill>
+              </a:rPr>
+              <a:t>Secret Room ?</a:t>
+            </a:r>
+          </a:p>
+        </p:txBody>
+      </p:sp>
+      <p:cxnSp>
+        <p:nvCxnSpPr>
+          <p:cNvPr id="88" name="Curved Connector 87">
+            <a:extLst>
+              <a:ext uri="{FF2B5EF4-FFF2-40B4-BE49-F238E27FC236}">
+                <a16:creationId xmlns:a16="http://schemas.microsoft.com/office/drawing/2014/main" id="{67B0E39A-7722-93F3-D23A-3134319D5C2C}"/>
+              </a:ext>
+            </a:extLst>
+          </p:cNvPr>
+          <p:cNvCxnSpPr>
+            <a:cxnSpLocks/>
+            <a:stCxn id="43" idx="0"/>
+            <a:endCxn id="87" idx="3"/>
+          </p:cNvCxnSpPr>
+          <p:nvPr/>
+        </p:nvCxnSpPr>
+        <p:spPr>
+          <a:xfrm rot="16200000" flipV="1">
+            <a:off x="7203178" y="746733"/>
+            <a:ext cx="1250282" cy="1460066"/>
+          </a:xfrm>
+          <a:prstGeom prst="curvedConnector2">
+            <a:avLst/>
+          </a:prstGeom>
+          <a:ln w="12700">
+            <a:solidFill>
+              <a:schemeClr val="accent2"/>
+            </a:solidFill>
+            <a:headEnd type="triangle"/>
+            <a:tailEnd type="triangle"/>
+          </a:ln>
+        </p:spPr>
+        <p:style>
+          <a:lnRef idx="1">
+            <a:schemeClr val="accent1"/>
+          </a:lnRef>
+          <a:fillRef idx="0">
+            <a:schemeClr val="accent1"/>
+          </a:fillRef>
+          <a:effectRef idx="0">
+            <a:schemeClr val="accent1"/>
+          </a:effectRef>
+          <a:fontRef idx="minor">
+            <a:schemeClr val="tx1"/>
+          </a:fontRef>
+        </p:style>
+      </p:cxnSp>
+      <p:cxnSp>
+        <p:nvCxnSpPr>
+          <p:cNvPr id="91" name="Curved Connector 90">
+            <a:extLst>
+              <a:ext uri="{FF2B5EF4-FFF2-40B4-BE49-F238E27FC236}">
+                <a16:creationId xmlns:a16="http://schemas.microsoft.com/office/drawing/2014/main" id="{337F86DC-C9B9-4730-7061-73650F2F51D7}"/>
+              </a:ext>
+            </a:extLst>
+          </p:cNvPr>
+          <p:cNvCxnSpPr>
+            <a:cxnSpLocks/>
+            <a:stCxn id="87" idx="1"/>
+            <a:endCxn id="64" idx="0"/>
+          </p:cNvCxnSpPr>
+          <p:nvPr/>
+        </p:nvCxnSpPr>
+        <p:spPr>
+          <a:xfrm rot="10800000" flipV="1">
+            <a:off x="3594109" y="851624"/>
+            <a:ext cx="1499600" cy="1503707"/>
+          </a:xfrm>
+          <a:prstGeom prst="curvedConnector2">
+            <a:avLst/>
+          </a:prstGeom>
+          <a:ln w="12700">
+            <a:solidFill>
+              <a:schemeClr val="accent2"/>
+            </a:solidFill>
+            <a:headEnd type="triangle"/>
+            <a:tailEnd type="triangle"/>
+          </a:ln>
+        </p:spPr>
+        <p:style>
+          <a:lnRef idx="1">
+            <a:schemeClr val="accent1"/>
+          </a:lnRef>
+          <a:fillRef idx="0">
+            <a:schemeClr val="accent1"/>
+          </a:fillRef>
+          <a:effectRef idx="0">
+            <a:schemeClr val="accent1"/>
+          </a:effectRef>
+          <a:fontRef idx="minor">
+            <a:schemeClr val="tx1"/>
+          </a:fontRef>
+        </p:style>
+      </p:cxnSp>
+      <p:cxnSp>
+        <p:nvCxnSpPr>
+          <p:cNvPr id="5" name="Curved Connector 4">
+            <a:extLst>
+              <a:ext uri="{FF2B5EF4-FFF2-40B4-BE49-F238E27FC236}">
+                <a16:creationId xmlns:a16="http://schemas.microsoft.com/office/drawing/2014/main" id="{6DDFD1A7-FE5E-4D59-1B79-3D6384A99861}"/>
+              </a:ext>
+            </a:extLst>
+          </p:cNvPr>
+          <p:cNvCxnSpPr>
+            <a:cxnSpLocks/>
+            <a:stCxn id="74" idx="2"/>
+            <a:endCxn id="2" idx="0"/>
+          </p:cNvCxnSpPr>
+          <p:nvPr/>
+        </p:nvCxnSpPr>
+        <p:spPr>
+          <a:xfrm rot="5400000">
+            <a:off x="8181405" y="4621094"/>
+            <a:ext cx="1033065" cy="1194724"/>
+          </a:xfrm>
+          <a:prstGeom prst="curvedConnector3">
+            <a:avLst>
+              <a:gd name="adj1" fmla="val 50000"/>
+            </a:avLst>
+          </a:prstGeom>
+          <a:ln w="12700" cmpd="sng">
+            <a:solidFill>
+              <a:schemeClr val="accent4"/>
+            </a:solidFill>
+            <a:prstDash val="sysDash"/>
+            <a:miter lim="800000"/>
+            <a:headEnd type="triangle"/>
+            <a:tailEnd type="none"/>
+          </a:ln>
+        </p:spPr>
+        <p:style>
+          <a:lnRef idx="1">
+            <a:schemeClr val="accent1"/>
+          </a:lnRef>
+          <a:fillRef idx="0">
+            <a:schemeClr val="accent1"/>
+          </a:fillRef>
+          <a:effectRef idx="0">
+            <a:schemeClr val="accent1"/>
+          </a:effectRef>
+          <a:fontRef idx="minor">
+            <a:schemeClr val="tx1"/>
+          </a:fontRef>
+        </p:style>
+      </p:cxnSp>
+      <p:sp>
+        <p:nvSpPr>
+          <p:cNvPr id="19" name="TextBox 18">
+            <a:extLst>
+              <a:ext uri="{FF2B5EF4-FFF2-40B4-BE49-F238E27FC236}">
+                <a16:creationId xmlns:a16="http://schemas.microsoft.com/office/drawing/2014/main" id="{3B38BDA0-9014-9002-FFCF-C01CEB9F1683}"/>
+              </a:ext>
+            </a:extLst>
+          </p:cNvPr>
+          <p:cNvSpPr txBox="1"/>
+          <p:nvPr/>
+        </p:nvSpPr>
+        <p:spPr>
+          <a:xfrm>
+            <a:off x="0" y="277793"/>
+            <a:ext cx="1999073" cy="369332"/>
+          </a:xfrm>
+          <a:prstGeom prst="rect">
+            <a:avLst/>
+          </a:prstGeom>
+          <a:noFill/>
+        </p:spPr>
+        <p:txBody>
+          <a:bodyPr wrap="none" rtlCol="0">
+            <a:spAutoFit/>
+          </a:bodyPr>
+          <a:lstStyle/>
+          <a:p>
+            <a:r>
+              <a:rPr lang="en-CH" dirty="0">
+                <a:solidFill>
+                  <a:srgbClr val="FF0000"/>
+                </a:solidFill>
+              </a:rPr>
+              <a:t>NOT IN PROTOTYPE</a:t>
+            </a:r>
+          </a:p>
+        </p:txBody>
+      </p:sp>
+      <p:sp>
+        <p:nvSpPr>
+          <p:cNvPr id="20" name="TextBox 19">
+            <a:extLst>
+              <a:ext uri="{FF2B5EF4-FFF2-40B4-BE49-F238E27FC236}">
+                <a16:creationId xmlns:a16="http://schemas.microsoft.com/office/drawing/2014/main" id="{03CA1BF7-E387-A111-0993-6B777E352386}"/>
+              </a:ext>
+            </a:extLst>
+          </p:cNvPr>
+          <p:cNvSpPr txBox="1"/>
+          <p:nvPr/>
+        </p:nvSpPr>
+        <p:spPr>
+          <a:xfrm>
+            <a:off x="0" y="545941"/>
+            <a:ext cx="1538819" cy="369332"/>
+          </a:xfrm>
+          <a:prstGeom prst="rect">
+            <a:avLst/>
+          </a:prstGeom>
+          <a:noFill/>
+        </p:spPr>
+        <p:txBody>
+          <a:bodyPr wrap="none" rtlCol="0">
+            <a:spAutoFit/>
+          </a:bodyPr>
+          <a:lstStyle/>
+          <a:p>
+            <a:r>
+              <a:rPr lang="en-CH" dirty="0">
+                <a:solidFill>
+                  <a:schemeClr val="accent6"/>
+                </a:solidFill>
+              </a:rPr>
+              <a:t>IN PROTOTYPE</a:t>
+            </a:r>
+          </a:p>
+        </p:txBody>
+      </p:sp>
+      <p:sp>
+        <p:nvSpPr>
+          <p:cNvPr id="8" name="TextBox 7">
+            <a:extLst>
+              <a:ext uri="{FF2B5EF4-FFF2-40B4-BE49-F238E27FC236}">
+                <a16:creationId xmlns:a16="http://schemas.microsoft.com/office/drawing/2014/main" id="{FE329BA7-5FEA-40D9-8C1B-091C7B1C222E}"/>
+              </a:ext>
+            </a:extLst>
+          </p:cNvPr>
+          <p:cNvSpPr txBox="1"/>
+          <p:nvPr/>
+        </p:nvSpPr>
+        <p:spPr>
+          <a:xfrm>
+            <a:off x="8665644" y="5165766"/>
+            <a:ext cx="2825712" cy="400110"/>
+          </a:xfrm>
+          <a:prstGeom prst="rect">
+            <a:avLst/>
+          </a:prstGeom>
+          <a:noFill/>
+        </p:spPr>
+        <p:txBody>
+          <a:bodyPr wrap="square" rtlCol="0">
+            <a:spAutoFit/>
+          </a:bodyPr>
+          <a:lstStyle/>
+          <a:p>
+            <a:r>
+              <a:rPr lang="en-CH" sz="1000" dirty="0"/>
+              <a:t>Pour proto, mettre une planche ou une échelle pour remonter ou faire une salle vide pour le hall</a:t>
+            </a:r>
+          </a:p>
+        </p:txBody>
+      </p:sp>
+      <p:cxnSp>
+        <p:nvCxnSpPr>
+          <p:cNvPr id="9" name="Curved Connector 8">
+            <a:extLst>
+              <a:ext uri="{FF2B5EF4-FFF2-40B4-BE49-F238E27FC236}">
+                <a16:creationId xmlns:a16="http://schemas.microsoft.com/office/drawing/2014/main" id="{D29E2134-24DC-4140-CDFB-0BD77FAA2F64}"/>
+              </a:ext>
+            </a:extLst>
+          </p:cNvPr>
+          <p:cNvCxnSpPr>
+            <a:cxnSpLocks/>
+            <a:stCxn id="7" idx="2"/>
+            <a:endCxn id="3" idx="0"/>
+          </p:cNvCxnSpPr>
+          <p:nvPr/>
+        </p:nvCxnSpPr>
+        <p:spPr>
+          <a:xfrm rot="5400000">
+            <a:off x="5923611" y="3651355"/>
+            <a:ext cx="344776" cy="1"/>
+          </a:xfrm>
+          <a:prstGeom prst="curvedConnector3">
+            <a:avLst>
+              <a:gd name="adj1" fmla="val 50000"/>
+            </a:avLst>
+          </a:prstGeom>
+          <a:ln w="12700" cmpd="sng">
+            <a:solidFill>
+              <a:schemeClr val="accent4"/>
+            </a:solidFill>
+            <a:prstDash val="sysDash"/>
+            <a:miter lim="800000"/>
+            <a:headEnd type="triangle"/>
+            <a:tailEnd type="none"/>
+          </a:ln>
+        </p:spPr>
+        <p:style>
+          <a:lnRef idx="1">
+            <a:schemeClr val="accent1"/>
+          </a:lnRef>
+          <a:fillRef idx="0">
+            <a:schemeClr val="accent1"/>
+          </a:fillRef>
+          <a:effectRef idx="0">
+            <a:schemeClr val="accent1"/>
+          </a:effectRef>
+          <a:fontRef idx="minor">
+            <a:schemeClr val="tx1"/>
+          </a:fontRef>
+        </p:style>
+      </p:cxnSp>
+      <p:sp>
+        <p:nvSpPr>
+          <p:cNvPr id="17" name="TextBox 16">
+            <a:extLst>
+              <a:ext uri="{FF2B5EF4-FFF2-40B4-BE49-F238E27FC236}">
+                <a16:creationId xmlns:a16="http://schemas.microsoft.com/office/drawing/2014/main" id="{968DF0F4-1DFA-8B8F-D726-60E674C9AE04}"/>
+              </a:ext>
+            </a:extLst>
+          </p:cNvPr>
+          <p:cNvSpPr txBox="1"/>
+          <p:nvPr/>
+        </p:nvSpPr>
+        <p:spPr>
+          <a:xfrm>
+            <a:off x="6157972" y="3501241"/>
+            <a:ext cx="2825712" cy="400110"/>
+          </a:xfrm>
+          <a:prstGeom prst="rect">
+            <a:avLst/>
+          </a:prstGeom>
+          <a:noFill/>
+        </p:spPr>
+        <p:txBody>
+          <a:bodyPr wrap="square" rtlCol="0">
+            <a:spAutoFit/>
+          </a:bodyPr>
+          <a:lstStyle/>
+          <a:p>
+            <a:r>
+              <a:rPr lang="en-CH" sz="1000" dirty="0"/>
+              <a:t>Ajouter un moyen caché de descendre depuis Balcon ?</a:t>
+            </a:r>
+          </a:p>
+        </p:txBody>
+      </p:sp>
     </p:spTree>
     <p:extLst>
       <p:ext uri="{BB962C8B-B14F-4D97-AF65-F5344CB8AC3E}">
-        <p14:creationId xmlns:p14="http://schemas.microsoft.com/office/powerpoint/2010/main" val="3725812935"/>
+        <p14:creationId xmlns:p14="http://schemas.microsoft.com/office/powerpoint/2010/main" val="824238584"/>
       </p:ext>
     </p:extLst>
   </p:cSld>
@@ -5213,10 +5885,10 @@
       </p:grpSpPr>
       <p:sp>
         <p:nvSpPr>
-          <p:cNvPr id="6" name="Rounded Rectangle 5">
-            <a:extLst>
-              <a:ext uri="{FF2B5EF4-FFF2-40B4-BE49-F238E27FC236}">
-                <a16:creationId xmlns:a16="http://schemas.microsoft.com/office/drawing/2014/main" id="{04668209-2F51-5A92-393F-6CBD0386B70F}"/>
+          <p:cNvPr id="7" name="Rounded Rectangle 6">
+            <a:extLst>
+              <a:ext uri="{FF2B5EF4-FFF2-40B4-BE49-F238E27FC236}">
+                <a16:creationId xmlns:a16="http://schemas.microsoft.com/office/drawing/2014/main" id="{364A5F9B-9179-9D20-5939-F794AB82689D}"/>
               </a:ext>
             </a:extLst>
           </p:cNvPr>
@@ -5225,8 +5897,8 @@
         </p:nvSpPr>
         <p:spPr>
           <a:xfrm>
-            <a:off x="5720350" y="5734989"/>
-            <a:ext cx="751293" cy="880673"/>
+            <a:off x="4986727" y="2294745"/>
+            <a:ext cx="2218544" cy="1900004"/>
           </a:xfrm>
           <a:prstGeom prst="roundRect">
             <a:avLst/>
@@ -5234,10 +5906,7 @@
           <a:noFill/>
           <a:ln w="38100">
             <a:solidFill>
-              <a:schemeClr val="tx1">
-                <a:lumMod val="75000"/>
-                <a:lumOff val="25000"/>
-              </a:schemeClr>
+              <a:srgbClr val="00B050"/>
             </a:solidFill>
           </a:ln>
         </p:spPr>
@@ -5268,17 +5937,28 @@
                   <a:schemeClr val="tx1"/>
                 </a:solidFill>
               </a:rPr>
-              <a:t>Hall</a:t>
-            </a:r>
-          </a:p>
-        </p:txBody>
-      </p:sp>
-      <p:sp>
-        <p:nvSpPr>
-          <p:cNvPr id="7" name="Rounded Rectangle 6">
-            <a:extLst>
-              <a:ext uri="{FF2B5EF4-FFF2-40B4-BE49-F238E27FC236}">
-                <a16:creationId xmlns:a16="http://schemas.microsoft.com/office/drawing/2014/main" id="{364A5F9B-9179-9D20-5939-F794AB82689D}"/>
+              <a:t>Waterfall</a:t>
+            </a:r>
+          </a:p>
+          <a:p>
+            <a:pPr algn="ctr"/>
+            <a:r>
+              <a:rPr lang="en-CH" dirty="0">
+                <a:solidFill>
+                  <a:schemeClr val="tx1"/>
+                </a:solidFill>
+              </a:rPr>
+              <a:t>(Sacred Resting Place below)</a:t>
+            </a:r>
+          </a:p>
+        </p:txBody>
+      </p:sp>
+      <p:sp>
+        <p:nvSpPr>
+          <p:cNvPr id="8" name="Rounded Rectangle 7">
+            <a:extLst>
+              <a:ext uri="{FF2B5EF4-FFF2-40B4-BE49-F238E27FC236}">
+                <a16:creationId xmlns:a16="http://schemas.microsoft.com/office/drawing/2014/main" id="{111F0E83-F28D-E90C-6E67-E30EED42734D}"/>
               </a:ext>
             </a:extLst>
           </p:cNvPr>
@@ -5287,7 +5967,7 @@
         </p:nvSpPr>
         <p:spPr>
           <a:xfrm>
-            <a:off x="4986727" y="1578963"/>
+            <a:off x="7503289" y="2416697"/>
             <a:ext cx="2218544" cy="1900004"/>
           </a:xfrm>
           <a:prstGeom prst="roundRect">
@@ -5296,10 +5976,7 @@
           <a:noFill/>
           <a:ln w="38100">
             <a:solidFill>
-              <a:schemeClr val="tx1">
-                <a:lumMod val="75000"/>
-                <a:lumOff val="25000"/>
-              </a:schemeClr>
+              <a:srgbClr val="FF0000"/>
             </a:solidFill>
           </a:ln>
         </p:spPr>
@@ -5330,18 +6007,7 @@
                   <a:schemeClr val="tx1"/>
                 </a:solidFill>
               </a:rPr>
-              <a:t>Waterfall</a:t>
-            </a:r>
-          </a:p>
-          <a:p>
-            <a:pPr algn="ctr"/>
-            <a:r>
-              <a:rPr lang="en-CH" dirty="0">
-                <a:solidFill>
-                  <a:schemeClr val="tx1"/>
-                </a:solidFill>
-              </a:rPr>
-              <a:t>(Sacred Resting Place below)</a:t>
+              <a:t>Dining Room</a:t>
             </a:r>
           </a:p>
         </p:txBody>
@@ -5361,7 +6027,7 @@
         <p:spPr>
           <a:xfrm>
             <a:off x="44974" y="29981"/>
-            <a:ext cx="906017" cy="369332"/>
+            <a:ext cx="976549" cy="369332"/>
           </a:xfrm>
           <a:prstGeom prst="rect">
             <a:avLst/>
@@ -5376,17 +6042,17 @@
           <a:p>
             <a:r>
               <a:rPr lang="en-CH" dirty="0"/>
-              <a:t>LEVEL 0</a:t>
-            </a:r>
-          </a:p>
-        </p:txBody>
-      </p:sp>
-      <p:sp>
-        <p:nvSpPr>
-          <p:cNvPr id="2" name="Rounded Rectangle 1">
-            <a:extLst>
-              <a:ext uri="{FF2B5EF4-FFF2-40B4-BE49-F238E27FC236}">
-                <a16:creationId xmlns:a16="http://schemas.microsoft.com/office/drawing/2014/main" id="{F98B86C6-5168-5ED4-CCC8-78023BB9B9B3}"/>
+              <a:t>LEVEL -1</a:t>
+            </a:r>
+          </a:p>
+        </p:txBody>
+      </p:sp>
+      <p:sp>
+        <p:nvSpPr>
+          <p:cNvPr id="11" name="Rectangle 10">
+            <a:extLst>
+              <a:ext uri="{FF2B5EF4-FFF2-40B4-BE49-F238E27FC236}">
+                <a16:creationId xmlns:a16="http://schemas.microsoft.com/office/drawing/2014/main" id="{DC30B928-7516-9425-8582-4DF1785CBC90}"/>
               </a:ext>
             </a:extLst>
           </p:cNvPr>
@@ -5395,21 +6061,12 @@
         </p:nvSpPr>
         <p:spPr>
           <a:xfrm>
-            <a:off x="7098286" y="5734989"/>
-            <a:ext cx="2004577" cy="880673"/>
-          </a:xfrm>
-          <a:prstGeom prst="roundRect">
+            <a:off x="6920458" y="3123425"/>
+            <a:ext cx="284813" cy="306668"/>
+          </a:xfrm>
+          <a:prstGeom prst="rect">
             <a:avLst/>
           </a:prstGeom>
-          <a:noFill/>
-          <a:ln w="38100">
-            <a:solidFill>
-              <a:schemeClr val="tx1">
-                <a:lumMod val="75000"/>
-                <a:lumOff val="25000"/>
-              </a:schemeClr>
-            </a:solidFill>
-          </a:ln>
         </p:spPr>
         <p:style>
           <a:lnRef idx="2">
@@ -5432,23 +6089,16 @@
           <a:lstStyle/>
           <a:p>
             <a:pPr algn="ctr"/>
-            <a:r>
-              <a:rPr lang="en-CH" dirty="0">
-                <a:solidFill>
-                  <a:schemeClr val="tx1"/>
-                </a:solidFill>
-              </a:rPr>
-              <a:t>Waiting Room</a:t>
-            </a:r>
-          </a:p>
-        </p:txBody>
-      </p:sp>
-      <p:sp>
-        <p:nvSpPr>
-          <p:cNvPr id="3" name="Rounded Rectangle 2">
-            <a:extLst>
-              <a:ext uri="{FF2B5EF4-FFF2-40B4-BE49-F238E27FC236}">
-                <a16:creationId xmlns:a16="http://schemas.microsoft.com/office/drawing/2014/main" id="{7C7AA207-CE28-696D-44C8-7BF78AC90B01}"/>
+            <a:endParaRPr lang="en-CH" dirty="0"/>
+          </a:p>
+        </p:txBody>
+      </p:sp>
+      <p:sp>
+        <p:nvSpPr>
+          <p:cNvPr id="13" name="Rounded Rectangle 12">
+            <a:extLst>
+              <a:ext uri="{FF2B5EF4-FFF2-40B4-BE49-F238E27FC236}">
+                <a16:creationId xmlns:a16="http://schemas.microsoft.com/office/drawing/2014/main" id="{611C4D35-D34C-406A-7D45-9140BCB1363F}"/>
               </a:ext>
             </a:extLst>
           </p:cNvPr>
@@ -5457,19 +6107,18 @@
         </p:nvSpPr>
         <p:spPr>
           <a:xfrm>
-            <a:off x="5093709" y="3823743"/>
+            <a:off x="637085" y="2939062"/>
             <a:ext cx="2004577" cy="880673"/>
           </a:xfrm>
           <a:prstGeom prst="roundRect">
-            <a:avLst/>
+            <a:avLst>
+              <a:gd name="adj" fmla="val 50000"/>
+            </a:avLst>
           </a:prstGeom>
           <a:noFill/>
           <a:ln w="38100">
             <a:solidFill>
-              <a:schemeClr val="tx1">
-                <a:lumMod val="75000"/>
-                <a:lumOff val="25000"/>
-              </a:schemeClr>
+              <a:srgbClr val="FF0000"/>
             </a:solidFill>
           </a:ln>
         </p:spPr>
@@ -5500,17 +6149,32 @@
                   <a:schemeClr val="tx1"/>
                 </a:solidFill>
               </a:rPr>
-              <a:t>“Balcony”</a:t>
-            </a:r>
-          </a:p>
-        </p:txBody>
-      </p:sp>
-      <p:sp>
-        <p:nvSpPr>
-          <p:cNvPr id="4" name="Rounded Rectangle 3">
-            <a:extLst>
-              <a:ext uri="{FF2B5EF4-FFF2-40B4-BE49-F238E27FC236}">
-                <a16:creationId xmlns:a16="http://schemas.microsoft.com/office/drawing/2014/main" id="{94A0F30B-E410-B745-7B8C-DF99769C3F9F}"/>
+              <a:t>Staircase </a:t>
+            </a:r>
+            <a:br>
+              <a:rPr lang="en-CH" dirty="0">
+                <a:solidFill>
+                  <a:schemeClr val="tx1"/>
+                </a:solidFill>
+              </a:rPr>
+            </a:br>
+            <a:r>
+              <a:rPr lang="en-CH" dirty="0">
+                <a:solidFill>
+                  <a:schemeClr val="tx1"/>
+                </a:solidFill>
+              </a:rPr>
+              <a:t>(down + up)</a:t>
+            </a:r>
+          </a:p>
+        </p:txBody>
+      </p:sp>
+      <p:sp>
+        <p:nvSpPr>
+          <p:cNvPr id="14" name="Rounded Rectangle 13">
+            <a:extLst>
+              <a:ext uri="{FF2B5EF4-FFF2-40B4-BE49-F238E27FC236}">
+                <a16:creationId xmlns:a16="http://schemas.microsoft.com/office/drawing/2014/main" id="{1A6811FE-24A3-3081-B24C-9D5D4E1AE844}"/>
               </a:ext>
             </a:extLst>
           </p:cNvPr>
@@ -5519,7 +6183,7 @@
         </p:nvSpPr>
         <p:spPr>
           <a:xfrm>
-            <a:off x="2591821" y="3824993"/>
+            <a:off x="2574092" y="1040412"/>
             <a:ext cx="2004577" cy="880673"/>
           </a:xfrm>
           <a:prstGeom prst="roundRect">
@@ -5528,10 +6192,7 @@
           <a:noFill/>
           <a:ln w="38100">
             <a:solidFill>
-              <a:schemeClr val="tx1">
-                <a:lumMod val="75000"/>
-                <a:lumOff val="25000"/>
-              </a:schemeClr>
+              <a:srgbClr val="FF0000"/>
             </a:solidFill>
           </a:ln>
         </p:spPr>
@@ -5562,31 +6223,198 @@
                   <a:schemeClr val="tx1"/>
                 </a:solidFill>
               </a:rPr>
-              <a:t>Burnt Library</a:t>
+              <a:t>Prayer Room</a:t>
+            </a:r>
+          </a:p>
+        </p:txBody>
+      </p:sp>
+      <p:sp>
+        <p:nvSpPr>
+          <p:cNvPr id="15" name="Rounded Rectangle 14">
+            <a:extLst>
+              <a:ext uri="{FF2B5EF4-FFF2-40B4-BE49-F238E27FC236}">
+                <a16:creationId xmlns:a16="http://schemas.microsoft.com/office/drawing/2014/main" id="{6BB6A2EA-C29C-9211-0162-1EAB752F51DF}"/>
+              </a:ext>
+            </a:extLst>
+          </p:cNvPr>
+          <p:cNvSpPr/>
+          <p:nvPr/>
+        </p:nvSpPr>
+        <p:spPr>
+          <a:xfrm>
+            <a:off x="10019851" y="2416697"/>
+            <a:ext cx="2004577" cy="1900004"/>
+          </a:xfrm>
+          <a:prstGeom prst="roundRect">
+            <a:avLst/>
+          </a:prstGeom>
+          <a:noFill/>
+          <a:ln w="38100">
+            <a:solidFill>
+              <a:srgbClr val="FF0000"/>
+            </a:solidFill>
+          </a:ln>
+        </p:spPr>
+        <p:style>
+          <a:lnRef idx="2">
+            <a:schemeClr val="accent1">
+              <a:shade val="15000"/>
+            </a:schemeClr>
+          </a:lnRef>
+          <a:fillRef idx="1">
+            <a:schemeClr val="accent1"/>
+          </a:fillRef>
+          <a:effectRef idx="0">
+            <a:schemeClr val="accent1"/>
+          </a:effectRef>
+          <a:fontRef idx="minor">
+            <a:schemeClr val="lt1"/>
+          </a:fontRef>
+        </p:style>
+        <p:txBody>
+          <a:bodyPr rtlCol="0" anchor="ctr"/>
+          <a:lstStyle/>
+          <a:p>
+            <a:pPr algn="ctr"/>
+            <a:r>
+              <a:rPr lang="en-CH" dirty="0">
+                <a:solidFill>
+                  <a:schemeClr val="tx1"/>
+                </a:solidFill>
+              </a:rPr>
+              <a:t>Kitchen</a:t>
             </a:r>
           </a:p>
         </p:txBody>
       </p:sp>
       <p:cxnSp>
         <p:nvCxnSpPr>
-          <p:cNvPr id="11" name="Curved Connector 10">
-            <a:extLst>
-              <a:ext uri="{FF2B5EF4-FFF2-40B4-BE49-F238E27FC236}">
-                <a16:creationId xmlns:a16="http://schemas.microsoft.com/office/drawing/2014/main" id="{1D8A7887-96FE-9955-70A5-0B867B75A00A}"/>
+          <p:cNvPr id="16" name="Curved Connector 15">
+            <a:extLst>
+              <a:ext uri="{FF2B5EF4-FFF2-40B4-BE49-F238E27FC236}">
+                <a16:creationId xmlns:a16="http://schemas.microsoft.com/office/drawing/2014/main" id="{11020E21-5E43-54C0-BAD9-5F6BEC0FD0BA}"/>
               </a:ext>
             </a:extLst>
           </p:cNvPr>
           <p:cNvCxnSpPr>
             <a:cxnSpLocks/>
-            <a:stCxn id="6" idx="3"/>
-            <a:endCxn id="2" idx="1"/>
+            <a:stCxn id="8" idx="3"/>
+            <a:endCxn id="15" idx="1"/>
           </p:cNvCxnSpPr>
           <p:nvPr/>
         </p:nvCxnSpPr>
         <p:spPr>
           <a:xfrm>
-            <a:off x="6471643" y="6175326"/>
-            <a:ext cx="626643" cy="12700"/>
+            <a:off x="9721833" y="3366699"/>
+            <a:ext cx="298018" cy="12700"/>
+          </a:xfrm>
+          <a:prstGeom prst="curvedConnector3">
+            <a:avLst>
+              <a:gd name="adj1" fmla="val 50000"/>
+            </a:avLst>
+          </a:prstGeom>
+          <a:ln w="12700">
+            <a:solidFill>
+              <a:schemeClr val="accent2"/>
+            </a:solidFill>
+            <a:headEnd type="triangle"/>
+            <a:tailEnd type="triangle"/>
+          </a:ln>
+        </p:spPr>
+        <p:style>
+          <a:lnRef idx="1">
+            <a:schemeClr val="accent1"/>
+          </a:lnRef>
+          <a:fillRef idx="0">
+            <a:schemeClr val="accent1"/>
+          </a:fillRef>
+          <a:effectRef idx="0">
+            <a:schemeClr val="accent1"/>
+          </a:effectRef>
+          <a:fontRef idx="minor">
+            <a:schemeClr val="tx1"/>
+          </a:fontRef>
+        </p:style>
+      </p:cxnSp>
+      <p:sp>
+        <p:nvSpPr>
+          <p:cNvPr id="24" name="Rounded Rectangle 23">
+            <a:extLst>
+              <a:ext uri="{FF2B5EF4-FFF2-40B4-BE49-F238E27FC236}">
+                <a16:creationId xmlns:a16="http://schemas.microsoft.com/office/drawing/2014/main" id="{CE054DA5-D6CB-FB68-7535-921A2D356BD2}"/>
+              </a:ext>
+            </a:extLst>
+          </p:cNvPr>
+          <p:cNvSpPr/>
+          <p:nvPr/>
+        </p:nvSpPr>
+        <p:spPr>
+          <a:xfrm>
+            <a:off x="2960892" y="3054403"/>
+            <a:ext cx="1408631" cy="624591"/>
+          </a:xfrm>
+          <a:prstGeom prst="roundRect">
+            <a:avLst/>
+          </a:prstGeom>
+          <a:noFill/>
+          <a:ln w="38100">
+            <a:solidFill>
+              <a:srgbClr val="FF0000"/>
+            </a:solidFill>
+          </a:ln>
+        </p:spPr>
+        <p:style>
+          <a:lnRef idx="2">
+            <a:schemeClr val="accent1">
+              <a:shade val="15000"/>
+            </a:schemeClr>
+          </a:lnRef>
+          <a:fillRef idx="1">
+            <a:schemeClr val="accent1"/>
+          </a:fillRef>
+          <a:effectRef idx="0">
+            <a:schemeClr val="accent1"/>
+          </a:effectRef>
+          <a:fontRef idx="minor">
+            <a:schemeClr val="lt1"/>
+          </a:fontRef>
+        </p:style>
+        <p:txBody>
+          <a:bodyPr rtlCol="0" anchor="ctr"/>
+          <a:lstStyle/>
+          <a:p>
+            <a:pPr algn="ctr"/>
+            <a:r>
+              <a:rPr lang="en-CH" dirty="0">
+                <a:solidFill>
+                  <a:schemeClr val="tx1"/>
+                </a:solidFill>
+              </a:rPr>
+              <a:t>Corridor</a:t>
+            </a:r>
+          </a:p>
+        </p:txBody>
+      </p:sp>
+      <p:cxnSp>
+        <p:nvCxnSpPr>
+          <p:cNvPr id="25" name="Curved Connector 24">
+            <a:extLst>
+              <a:ext uri="{FF2B5EF4-FFF2-40B4-BE49-F238E27FC236}">
+                <a16:creationId xmlns:a16="http://schemas.microsoft.com/office/drawing/2014/main" id="{34BE8C48-24A9-8DBA-B770-93FD3154BD89}"/>
+              </a:ext>
+            </a:extLst>
+          </p:cNvPr>
+          <p:cNvCxnSpPr>
+            <a:cxnSpLocks/>
+            <a:stCxn id="24" idx="0"/>
+            <a:endCxn id="14" idx="2"/>
+          </p:cNvCxnSpPr>
+          <p:nvPr/>
+        </p:nvCxnSpPr>
+        <p:spPr>
+          <a:xfrm rot="16200000" flipV="1">
+            <a:off x="3054136" y="2443330"/>
+            <a:ext cx="1133318" cy="88827"/>
           </a:xfrm>
           <a:prstGeom prst="curvedConnector3">
             <a:avLst>
@@ -5618,24 +6446,24 @@
       </p:cxnSp>
       <p:cxnSp>
         <p:nvCxnSpPr>
-          <p:cNvPr id="12" name="Curved Connector 11">
-            <a:extLst>
-              <a:ext uri="{FF2B5EF4-FFF2-40B4-BE49-F238E27FC236}">
-                <a16:creationId xmlns:a16="http://schemas.microsoft.com/office/drawing/2014/main" id="{DC9F33FE-9C41-7DBB-5CD6-DA37EF445875}"/>
+          <p:cNvPr id="28" name="Curved Connector 27">
+            <a:extLst>
+              <a:ext uri="{FF2B5EF4-FFF2-40B4-BE49-F238E27FC236}">
+                <a16:creationId xmlns:a16="http://schemas.microsoft.com/office/drawing/2014/main" id="{C5A04772-AF74-7A7B-2574-EF173B2C9BD1}"/>
               </a:ext>
             </a:extLst>
           </p:cNvPr>
           <p:cNvCxnSpPr>
             <a:cxnSpLocks/>
-            <a:stCxn id="6" idx="0"/>
-            <a:endCxn id="3" idx="2"/>
+            <a:stCxn id="24" idx="1"/>
+            <a:endCxn id="13" idx="3"/>
           </p:cNvCxnSpPr>
           <p:nvPr/>
         </p:nvCxnSpPr>
         <p:spPr>
-          <a:xfrm rot="5400000" flipH="1" flipV="1">
-            <a:off x="5580711" y="5219703"/>
-            <a:ext cx="1030573" cy="1"/>
+          <a:xfrm rot="10800000" flipV="1">
+            <a:off x="2641662" y="3366699"/>
+            <a:ext cx="319230" cy="12700"/>
           </a:xfrm>
           <a:prstGeom prst="curvedConnector3">
             <a:avLst>
@@ -5667,24 +6495,24 @@
       </p:cxnSp>
       <p:cxnSp>
         <p:nvCxnSpPr>
-          <p:cNvPr id="29" name="Curved Connector 28">
-            <a:extLst>
-              <a:ext uri="{FF2B5EF4-FFF2-40B4-BE49-F238E27FC236}">
-                <a16:creationId xmlns:a16="http://schemas.microsoft.com/office/drawing/2014/main" id="{91064287-02F3-3BAC-C7BC-2B30DA4FB5E5}"/>
+          <p:cNvPr id="35" name="Curved Connector 34">
+            <a:extLst>
+              <a:ext uri="{FF2B5EF4-FFF2-40B4-BE49-F238E27FC236}">
+                <a16:creationId xmlns:a16="http://schemas.microsoft.com/office/drawing/2014/main" id="{8848CA43-66EA-C411-71C8-658040C16224}"/>
               </a:ext>
             </a:extLst>
           </p:cNvPr>
           <p:cNvCxnSpPr>
             <a:cxnSpLocks/>
-            <a:stCxn id="3" idx="1"/>
-            <a:endCxn id="4" idx="3"/>
+            <a:stCxn id="24" idx="3"/>
+            <a:endCxn id="7" idx="1"/>
           </p:cNvCxnSpPr>
           <p:nvPr/>
         </p:nvCxnSpPr>
         <p:spPr>
-          <a:xfrm rot="10800000" flipV="1">
-            <a:off x="4596399" y="4264080"/>
-            <a:ext cx="497311" cy="1250"/>
+          <a:xfrm flipV="1">
+            <a:off x="4369523" y="3244747"/>
+            <a:ext cx="617204" cy="121952"/>
           </a:xfrm>
           <a:prstGeom prst="curvedConnector3">
             <a:avLst>
@@ -5693,9 +6521,9 @@
           </a:prstGeom>
           <a:ln w="12700">
             <a:solidFill>
-              <a:schemeClr val="accent6"/>
+              <a:schemeClr val="accent1"/>
             </a:solidFill>
-            <a:headEnd type="triangle"/>
+            <a:headEnd type="none"/>
             <a:tailEnd type="triangle"/>
           </a:ln>
         </p:spPr>
@@ -5714,29 +6542,107 @@
           </a:fontRef>
         </p:style>
       </p:cxnSp>
+      <p:sp>
+        <p:nvSpPr>
+          <p:cNvPr id="38" name="Rounded Rectangle 37">
+            <a:extLst>
+              <a:ext uri="{FF2B5EF4-FFF2-40B4-BE49-F238E27FC236}">
+                <a16:creationId xmlns:a16="http://schemas.microsoft.com/office/drawing/2014/main" id="{D5959DC2-565B-F131-B387-FE39A5D62FF2}"/>
+              </a:ext>
+            </a:extLst>
+          </p:cNvPr>
+          <p:cNvSpPr/>
+          <p:nvPr/>
+        </p:nvSpPr>
+        <p:spPr>
+          <a:xfrm>
+            <a:off x="7610272" y="967906"/>
+            <a:ext cx="2004577" cy="880673"/>
+          </a:xfrm>
+          <a:prstGeom prst="roundRect">
+            <a:avLst>
+              <a:gd name="adj" fmla="val 50000"/>
+            </a:avLst>
+          </a:prstGeom>
+          <a:noFill/>
+          <a:ln w="38100">
+            <a:solidFill>
+              <a:srgbClr val="00B050"/>
+            </a:solidFill>
+          </a:ln>
+        </p:spPr>
+        <p:style>
+          <a:lnRef idx="2">
+            <a:schemeClr val="accent1">
+              <a:shade val="15000"/>
+            </a:schemeClr>
+          </a:lnRef>
+          <a:fillRef idx="1">
+            <a:schemeClr val="accent1"/>
+          </a:fillRef>
+          <a:effectRef idx="0">
+            <a:schemeClr val="accent1"/>
+          </a:effectRef>
+          <a:fontRef idx="minor">
+            <a:schemeClr val="lt1"/>
+          </a:fontRef>
+        </p:style>
+        <p:txBody>
+          <a:bodyPr rtlCol="0" anchor="ctr"/>
+          <a:lstStyle/>
+          <a:p>
+            <a:pPr algn="ctr"/>
+            <a:r>
+              <a:rPr lang="en-CH" dirty="0">
+                <a:solidFill>
+                  <a:schemeClr val="tx1"/>
+                </a:solidFill>
+              </a:rPr>
+              <a:t>Staircase </a:t>
+            </a:r>
+            <a:br>
+              <a:rPr lang="en-CH" dirty="0">
+                <a:solidFill>
+                  <a:schemeClr val="tx1"/>
+                </a:solidFill>
+              </a:rPr>
+            </a:br>
+            <a:r>
+              <a:rPr lang="en-CH" dirty="0">
+                <a:solidFill>
+                  <a:schemeClr val="tx1"/>
+                </a:solidFill>
+              </a:rPr>
+              <a:t>(up)</a:t>
+            </a:r>
+          </a:p>
+        </p:txBody>
+      </p:sp>
       <p:cxnSp>
         <p:nvCxnSpPr>
-          <p:cNvPr id="32" name="Curved Connector 31">
-            <a:extLst>
-              <a:ext uri="{FF2B5EF4-FFF2-40B4-BE49-F238E27FC236}">
-                <a16:creationId xmlns:a16="http://schemas.microsoft.com/office/drawing/2014/main" id="{9536A4B7-7D6F-5F4A-F19A-EF99B69D6448}"/>
+          <p:cNvPr id="39" name="Curved Connector 38">
+            <a:extLst>
+              <a:ext uri="{FF2B5EF4-FFF2-40B4-BE49-F238E27FC236}">
+                <a16:creationId xmlns:a16="http://schemas.microsoft.com/office/drawing/2014/main" id="{8A5CA998-8232-4735-3FCD-C2C26FB9ECDF}"/>
               </a:ext>
             </a:extLst>
           </p:cNvPr>
           <p:cNvCxnSpPr>
             <a:cxnSpLocks/>
-            <a:stCxn id="6" idx="1"/>
-            <a:endCxn id="4" idx="2"/>
+            <a:stCxn id="64" idx="2"/>
+            <a:endCxn id="8" idx="0"/>
           </p:cNvCxnSpPr>
           <p:nvPr/>
         </p:nvCxnSpPr>
         <p:spPr>
-          <a:xfrm rot="10800000">
-            <a:off x="3594110" y="4705666"/>
-            <a:ext cx="2126240" cy="1469660"/>
-          </a:xfrm>
-          <a:prstGeom prst="curvedConnector2">
-            <a:avLst/>
+          <a:xfrm rot="16200000" flipH="1">
+            <a:off x="7107613" y="911749"/>
+            <a:ext cx="453858" cy="2556038"/>
+          </a:xfrm>
+          <a:prstGeom prst="curvedConnector3">
+            <a:avLst>
+              <a:gd name="adj1" fmla="val 50000"/>
+            </a:avLst>
           </a:prstGeom>
           <a:ln w="12700">
             <a:solidFill>
@@ -5766,159 +6672,33 @@
           <p:cNvPr id="42" name="Curved Connector 41">
             <a:extLst>
               <a:ext uri="{FF2B5EF4-FFF2-40B4-BE49-F238E27FC236}">
-                <a16:creationId xmlns:a16="http://schemas.microsoft.com/office/drawing/2014/main" id="{CED35AA6-7A9D-56A0-8EC4-9D4C485BB649}"/>
+                <a16:creationId xmlns:a16="http://schemas.microsoft.com/office/drawing/2014/main" id="{092ED96C-27BE-9367-068B-B6D59C3D1DD1}"/>
               </a:ext>
             </a:extLst>
           </p:cNvPr>
           <p:cNvCxnSpPr>
             <a:cxnSpLocks/>
-            <a:stCxn id="43" idx="2"/>
-            <a:endCxn id="3" idx="3"/>
+            <a:stCxn id="38" idx="2"/>
+            <a:endCxn id="15" idx="0"/>
           </p:cNvCxnSpPr>
           <p:nvPr/>
         </p:nvCxnSpPr>
         <p:spPr>
-          <a:xfrm rot="5400000">
-            <a:off x="7187569" y="2893297"/>
-            <a:ext cx="1281500" cy="1460066"/>
-          </a:xfrm>
-          <a:prstGeom prst="curvedConnector2">
-            <a:avLst/>
+          <a:xfrm rot="16200000" flipH="1">
+            <a:off x="9533291" y="927848"/>
+            <a:ext cx="568118" cy="2409579"/>
+          </a:xfrm>
+          <a:prstGeom prst="curvedConnector3">
+            <a:avLst>
+              <a:gd name="adj1" fmla="val 50000"/>
+            </a:avLst>
           </a:prstGeom>
           <a:ln w="12700">
             <a:solidFill>
               <a:schemeClr val="accent6"/>
             </a:solidFill>
             <a:headEnd type="triangle"/>
-            <a:tailEnd type="triangle"/>
-          </a:ln>
-        </p:spPr>
-        <p:style>
-          <a:lnRef idx="1">
-            <a:schemeClr val="accent1"/>
-          </a:lnRef>
-          <a:fillRef idx="0">
-            <a:schemeClr val="accent1"/>
-          </a:fillRef>
-          <a:effectRef idx="0">
-            <a:schemeClr val="accent1"/>
-          </a:effectRef>
-          <a:fontRef idx="minor">
-            <a:schemeClr val="tx1"/>
-          </a:fontRef>
-        </p:style>
-      </p:cxnSp>
-      <p:sp>
-        <p:nvSpPr>
-          <p:cNvPr id="43" name="Rounded Rectangle 42">
-            <a:extLst>
-              <a:ext uri="{FF2B5EF4-FFF2-40B4-BE49-F238E27FC236}">
-                <a16:creationId xmlns:a16="http://schemas.microsoft.com/office/drawing/2014/main" id="{438488FB-8F6D-1C28-92A1-38CBA1420A86}"/>
-              </a:ext>
-            </a:extLst>
-          </p:cNvPr>
-          <p:cNvSpPr/>
-          <p:nvPr/>
-        </p:nvSpPr>
-        <p:spPr>
-          <a:xfrm>
-            <a:off x="7556063" y="2101907"/>
-            <a:ext cx="2004577" cy="880673"/>
-          </a:xfrm>
-          <a:prstGeom prst="roundRect">
-            <a:avLst>
-              <a:gd name="adj" fmla="val 50000"/>
-            </a:avLst>
-          </a:prstGeom>
-          <a:noFill/>
-          <a:ln w="38100">
-            <a:solidFill>
-              <a:schemeClr val="tx1">
-                <a:lumMod val="75000"/>
-                <a:lumOff val="25000"/>
-              </a:schemeClr>
-            </a:solidFill>
-          </a:ln>
-        </p:spPr>
-        <p:style>
-          <a:lnRef idx="2">
-            <a:schemeClr val="accent1">
-              <a:shade val="15000"/>
-            </a:schemeClr>
-          </a:lnRef>
-          <a:fillRef idx="1">
-            <a:schemeClr val="accent1"/>
-          </a:fillRef>
-          <a:effectRef idx="0">
-            <a:schemeClr val="accent1"/>
-          </a:effectRef>
-          <a:fontRef idx="minor">
-            <a:schemeClr val="lt1"/>
-          </a:fontRef>
-        </p:style>
-        <p:txBody>
-          <a:bodyPr rtlCol="0" anchor="ctr"/>
-          <a:lstStyle/>
-          <a:p>
-            <a:pPr algn="ctr"/>
-            <a:r>
-              <a:rPr lang="en-CH" dirty="0">
-                <a:solidFill>
-                  <a:schemeClr val="tx1"/>
-                </a:solidFill>
-              </a:rPr>
-              <a:t>Staircase </a:t>
-            </a:r>
-            <a:br>
-              <a:rPr lang="en-CH" dirty="0">
-                <a:solidFill>
-                  <a:schemeClr val="tx1"/>
-                </a:solidFill>
-              </a:rPr>
-            </a:br>
-            <a:r>
-              <a:rPr lang="en-CH" dirty="0">
-                <a:solidFill>
-                  <a:schemeClr val="tx1"/>
-                </a:solidFill>
-              </a:rPr>
-              <a:t>(down + up)</a:t>
-            </a:r>
-          </a:p>
-        </p:txBody>
-      </p:sp>
-      <p:cxnSp>
-        <p:nvCxnSpPr>
-          <p:cNvPr id="48" name="Curved Connector 47">
-            <a:extLst>
-              <a:ext uri="{FF2B5EF4-FFF2-40B4-BE49-F238E27FC236}">
-                <a16:creationId xmlns:a16="http://schemas.microsoft.com/office/drawing/2014/main" id="{1A3BCEA1-3FFA-34D8-6546-258417E027F1}"/>
-              </a:ext>
-            </a:extLst>
-          </p:cNvPr>
-          <p:cNvCxnSpPr>
-            <a:cxnSpLocks/>
-            <a:stCxn id="43" idx="1"/>
-            <a:endCxn id="63" idx="3"/>
-          </p:cNvCxnSpPr>
-          <p:nvPr/>
-        </p:nvCxnSpPr>
-        <p:spPr>
-          <a:xfrm rot="10800000">
-            <a:off x="7205271" y="2542244"/>
-            <a:ext cx="350792" cy="12700"/>
-          </a:xfrm>
-          <a:prstGeom prst="curvedConnector3">
-            <a:avLst>
-              <a:gd name="adj1" fmla="val 50000"/>
-            </a:avLst>
-          </a:prstGeom>
-          <a:ln w="12700">
-            <a:solidFill>
-              <a:schemeClr val="accent1"/>
-            </a:solidFill>
-            <a:headEnd type="none"/>
-            <a:tailEnd type="triangle"/>
+            <a:tailEnd type="none"/>
           </a:ln>
         </p:spPr>
         <p:style>
@@ -5938,35 +6718,35 @@
       </p:cxnSp>
       <p:cxnSp>
         <p:nvCxnSpPr>
-          <p:cNvPr id="53" name="Curved Connector 52">
-            <a:extLst>
-              <a:ext uri="{FF2B5EF4-FFF2-40B4-BE49-F238E27FC236}">
-                <a16:creationId xmlns:a16="http://schemas.microsoft.com/office/drawing/2014/main" id="{6BD20506-907A-2102-F2B4-BF4F5DDBDD6E}"/>
+          <p:cNvPr id="48" name="Curved Connector 47">
+            <a:extLst>
+              <a:ext uri="{FF2B5EF4-FFF2-40B4-BE49-F238E27FC236}">
+                <a16:creationId xmlns:a16="http://schemas.microsoft.com/office/drawing/2014/main" id="{AC48ECDB-8965-EE76-4126-6481C04760FE}"/>
               </a:ext>
             </a:extLst>
           </p:cNvPr>
           <p:cNvCxnSpPr>
             <a:cxnSpLocks/>
-            <a:stCxn id="3" idx="0"/>
-            <a:endCxn id="7" idx="2"/>
+            <a:stCxn id="8" idx="2"/>
+            <a:endCxn id="24" idx="2"/>
           </p:cNvCxnSpPr>
           <p:nvPr/>
         </p:nvCxnSpPr>
         <p:spPr>
-          <a:xfrm rot="5400000" flipH="1" flipV="1">
-            <a:off x="5923610" y="3651355"/>
-            <a:ext cx="344776" cy="1"/>
+          <a:xfrm rot="5400000" flipH="1">
+            <a:off x="5820031" y="1524172"/>
+            <a:ext cx="637707" cy="4947353"/>
           </a:xfrm>
           <a:prstGeom prst="curvedConnector3">
             <a:avLst>
-              <a:gd name="adj1" fmla="val 50000"/>
+              <a:gd name="adj1" fmla="val -35847"/>
             </a:avLst>
           </a:prstGeom>
           <a:ln w="12700">
             <a:solidFill>
-              <a:schemeClr val="accent1"/>
+              <a:schemeClr val="accent6"/>
             </a:solidFill>
-            <a:headEnd type="none"/>
+            <a:headEnd type="triangle"/>
             <a:tailEnd type="triangle"/>
           </a:ln>
         </p:spPr>
@@ -5987,10 +6767,10 @@
       </p:cxnSp>
       <p:sp>
         <p:nvSpPr>
-          <p:cNvPr id="63" name="Rectangle 62">
-            <a:extLst>
-              <a:ext uri="{FF2B5EF4-FFF2-40B4-BE49-F238E27FC236}">
-                <a16:creationId xmlns:a16="http://schemas.microsoft.com/office/drawing/2014/main" id="{48019AC3-12D5-5783-F5DB-4B675C5C504E}"/>
+          <p:cNvPr id="51" name="Rounded Rectangle 50">
+            <a:extLst>
+              <a:ext uri="{FF2B5EF4-FFF2-40B4-BE49-F238E27FC236}">
+                <a16:creationId xmlns:a16="http://schemas.microsoft.com/office/drawing/2014/main" id="{FBCB521D-30DB-959D-3731-B96520CC0EE8}"/>
               </a:ext>
             </a:extLst>
           </p:cNvPr>
@@ -5999,12 +6779,18 @@
         </p:nvSpPr>
         <p:spPr>
           <a:xfrm>
-            <a:off x="6920458" y="2388910"/>
-            <a:ext cx="284813" cy="306668"/>
-          </a:xfrm>
-          <a:prstGeom prst="rect">
+            <a:off x="2291889" y="5393947"/>
+            <a:ext cx="2004577" cy="880673"/>
+          </a:xfrm>
+          <a:prstGeom prst="roundRect">
             <a:avLst/>
           </a:prstGeom>
+          <a:noFill/>
+          <a:ln w="38100">
+            <a:solidFill>
+              <a:srgbClr val="FF0000"/>
+            </a:solidFill>
+          </a:ln>
         </p:spPr>
         <p:style>
           <a:lnRef idx="2">
@@ -6027,16 +6813,38 @@
           <a:lstStyle/>
           <a:p>
             <a:pPr algn="ctr"/>
-            <a:endParaRPr lang="en-CH" dirty="0"/>
-          </a:p>
-        </p:txBody>
-      </p:sp>
-      <p:sp>
-        <p:nvSpPr>
-          <p:cNvPr id="64" name="Rounded Rectangle 63">
-            <a:extLst>
-              <a:ext uri="{FF2B5EF4-FFF2-40B4-BE49-F238E27FC236}">
-                <a16:creationId xmlns:a16="http://schemas.microsoft.com/office/drawing/2014/main" id="{5A5AF4EF-0D54-5062-8A76-6B5918FFE3BE}"/>
+            <a:r>
+              <a:rPr lang="en-CH" dirty="0">
+                <a:solidFill>
+                  <a:schemeClr val="tx1"/>
+                </a:solidFill>
+              </a:rPr>
+              <a:t>RO’s Room</a:t>
+            </a:r>
+            <a:br>
+              <a:rPr lang="en-CH" dirty="0">
+                <a:solidFill>
+                  <a:schemeClr val="tx1"/>
+                </a:solidFill>
+              </a:rPr>
+            </a:br>
+            <a:r>
+              <a:rPr lang="en-CH" dirty="0">
+                <a:solidFill>
+                  <a:schemeClr val="tx1"/>
+                </a:solidFill>
+              </a:rPr>
+              <a:t>(EO’s old Room)</a:t>
+            </a:r>
+          </a:p>
+        </p:txBody>
+      </p:sp>
+      <p:sp>
+        <p:nvSpPr>
+          <p:cNvPr id="52" name="Rounded Rectangle 51">
+            <a:extLst>
+              <a:ext uri="{FF2B5EF4-FFF2-40B4-BE49-F238E27FC236}">
+                <a16:creationId xmlns:a16="http://schemas.microsoft.com/office/drawing/2014/main" id="{38346E9C-507F-126F-A36B-D2B2C75A9B58}"/>
               </a:ext>
             </a:extLst>
           </p:cNvPr>
@@ -6045,21 +6853,16 @@
         </p:nvSpPr>
         <p:spPr>
           <a:xfrm>
-            <a:off x="2591820" y="2355332"/>
+            <a:off x="4774813" y="5393946"/>
             <a:ext cx="2004577" cy="880673"/>
           </a:xfrm>
           <a:prstGeom prst="roundRect">
-            <a:avLst>
-              <a:gd name="adj" fmla="val 50000"/>
-            </a:avLst>
+            <a:avLst/>
           </a:prstGeom>
           <a:noFill/>
           <a:ln w="38100">
             <a:solidFill>
-              <a:schemeClr val="tx1">
-                <a:lumMod val="75000"/>
-                <a:lumOff val="25000"/>
-              </a:schemeClr>
+              <a:srgbClr val="FF0000"/>
             </a:solidFill>
           </a:ln>
         </p:spPr>
@@ -6090,7 +6893,7 @@
                   <a:schemeClr val="tx1"/>
                 </a:solidFill>
               </a:rPr>
-              <a:t>Staircase </a:t>
+              <a:t>SO’s Room</a:t>
             </a:r>
             <a:br>
               <a:rPr lang="en-CH" dirty="0">
@@ -6105,66 +6908,17 @@
                   <a:schemeClr val="tx1"/>
                 </a:solidFill>
               </a:rPr>
-              <a:t>(down)</a:t>
-            </a:r>
-          </a:p>
-        </p:txBody>
-      </p:sp>
-      <p:cxnSp>
-        <p:nvCxnSpPr>
-          <p:cNvPr id="65" name="Curved Connector 64">
-            <a:extLst>
-              <a:ext uri="{FF2B5EF4-FFF2-40B4-BE49-F238E27FC236}">
-                <a16:creationId xmlns:a16="http://schemas.microsoft.com/office/drawing/2014/main" id="{4A1116C8-8DE0-DDD4-CB17-8BF1C992550B}"/>
-              </a:ext>
-            </a:extLst>
-          </p:cNvPr>
-          <p:cNvCxnSpPr>
-            <a:cxnSpLocks/>
-            <a:stCxn id="64" idx="2"/>
-            <a:endCxn id="4" idx="0"/>
-          </p:cNvCxnSpPr>
-          <p:nvPr/>
-        </p:nvCxnSpPr>
-        <p:spPr>
-          <a:xfrm rot="16200000" flipH="1">
-            <a:off x="3299615" y="3530498"/>
-            <a:ext cx="588988" cy="1"/>
-          </a:xfrm>
-          <a:prstGeom prst="curvedConnector3">
-            <a:avLst>
-              <a:gd name="adj1" fmla="val 50000"/>
-            </a:avLst>
-          </a:prstGeom>
-          <a:ln w="12700">
-            <a:solidFill>
-              <a:schemeClr val="accent6"/>
-            </a:solidFill>
-            <a:headEnd type="triangle"/>
-            <a:tailEnd type="triangle"/>
-          </a:ln>
-        </p:spPr>
-        <p:style>
-          <a:lnRef idx="1">
-            <a:schemeClr val="accent1"/>
-          </a:lnRef>
-          <a:fillRef idx="0">
-            <a:schemeClr val="accent1"/>
-          </a:fillRef>
-          <a:effectRef idx="0">
-            <a:schemeClr val="accent1"/>
-          </a:effectRef>
-          <a:fontRef idx="minor">
-            <a:schemeClr val="tx1"/>
-          </a:fontRef>
-        </p:style>
-      </p:cxnSp>
-      <p:sp>
-        <p:nvSpPr>
-          <p:cNvPr id="74" name="Rounded Rectangle 73">
-            <a:extLst>
-              <a:ext uri="{FF2B5EF4-FFF2-40B4-BE49-F238E27FC236}">
-                <a16:creationId xmlns:a16="http://schemas.microsoft.com/office/drawing/2014/main" id="{42AB6000-501C-44FE-2F69-91B5589E2A86}"/>
+              <a:t>(RO’s old Room)</a:t>
+            </a:r>
+          </a:p>
+        </p:txBody>
+      </p:sp>
+      <p:sp>
+        <p:nvSpPr>
+          <p:cNvPr id="53" name="Rounded Rectangle 52">
+            <a:extLst>
+              <a:ext uri="{FF2B5EF4-FFF2-40B4-BE49-F238E27FC236}">
+                <a16:creationId xmlns:a16="http://schemas.microsoft.com/office/drawing/2014/main" id="{3D37D9D3-C9A4-8D1A-431A-FC863133DFEC}"/>
               </a:ext>
             </a:extLst>
           </p:cNvPr>
@@ -6173,7 +6927,7 @@
         </p:nvSpPr>
         <p:spPr>
           <a:xfrm>
-            <a:off x="8293010" y="3821251"/>
+            <a:off x="7391043" y="5393945"/>
             <a:ext cx="2004577" cy="880673"/>
           </a:xfrm>
           <a:prstGeom prst="roundRect">
@@ -6182,10 +6936,7 @@
           <a:noFill/>
           <a:ln w="38100">
             <a:solidFill>
-              <a:schemeClr val="tx1">
-                <a:lumMod val="75000"/>
-                <a:lumOff val="25000"/>
-              </a:schemeClr>
+              <a:srgbClr val="FF0000"/>
             </a:solidFill>
           </a:ln>
         </p:spPr>
@@ -6216,208 +6967,40 @@
                   <a:schemeClr val="tx1"/>
                 </a:solidFill>
               </a:rPr>
-              <a:t>Crafting  Room</a:t>
-            </a:r>
-            <a:br>
-              <a:rPr lang="en-CH" dirty="0">
-                <a:solidFill>
-                  <a:schemeClr val="tx1"/>
-                </a:solidFill>
-              </a:rPr>
-            </a:br>
-            <a:endParaRPr lang="en-CH" dirty="0">
-              <a:solidFill>
-                <a:schemeClr val="tx1"/>
-              </a:solidFill>
-            </a:endParaRPr>
-          </a:p>
-        </p:txBody>
-      </p:sp>
-      <p:sp>
-        <p:nvSpPr>
-          <p:cNvPr id="75" name="Rectangle 74">
-            <a:extLst>
-              <a:ext uri="{FF2B5EF4-FFF2-40B4-BE49-F238E27FC236}">
-                <a16:creationId xmlns:a16="http://schemas.microsoft.com/office/drawing/2014/main" id="{2C21DAD8-C679-F5D8-88C3-74C8C6FAE151}"/>
-              </a:ext>
-            </a:extLst>
-          </p:cNvPr>
-          <p:cNvSpPr/>
-          <p:nvPr/>
-        </p:nvSpPr>
-        <p:spPr>
-          <a:xfrm>
-            <a:off x="8455478" y="4308277"/>
-            <a:ext cx="284813" cy="306668"/>
-          </a:xfrm>
-          <a:prstGeom prst="rect">
-            <a:avLst/>
-          </a:prstGeom>
-        </p:spPr>
-        <p:style>
-          <a:lnRef idx="2">
-            <a:schemeClr val="accent1">
-              <a:shade val="15000"/>
-            </a:schemeClr>
-          </a:lnRef>
-          <a:fillRef idx="1">
-            <a:schemeClr val="accent1"/>
-          </a:fillRef>
-          <a:effectRef idx="0">
-            <a:schemeClr val="accent1"/>
-          </a:effectRef>
-          <a:fontRef idx="minor">
-            <a:schemeClr val="lt1"/>
-          </a:fontRef>
-        </p:style>
-        <p:txBody>
-          <a:bodyPr rtlCol="0" anchor="ctr"/>
-          <a:lstStyle/>
-          <a:p>
-            <a:pPr algn="ctr"/>
-            <a:endParaRPr lang="en-CH" dirty="0"/>
+              <a:t>LO’s Room</a:t>
+            </a:r>
           </a:p>
         </p:txBody>
       </p:sp>
       <p:cxnSp>
         <p:nvCxnSpPr>
-          <p:cNvPr id="76" name="Curved Connector 75">
-            <a:extLst>
-              <a:ext uri="{FF2B5EF4-FFF2-40B4-BE49-F238E27FC236}">
-                <a16:creationId xmlns:a16="http://schemas.microsoft.com/office/drawing/2014/main" id="{BCE6588D-3348-B747-587B-59C5202E845E}"/>
+          <p:cNvPr id="54" name="Curved Connector 53">
+            <a:extLst>
+              <a:ext uri="{FF2B5EF4-FFF2-40B4-BE49-F238E27FC236}">
+                <a16:creationId xmlns:a16="http://schemas.microsoft.com/office/drawing/2014/main" id="{AAAD44A2-DDD1-582F-B2ED-19DDC36DD10C}"/>
               </a:ext>
             </a:extLst>
           </p:cNvPr>
           <p:cNvCxnSpPr>
             <a:cxnSpLocks/>
-            <a:stCxn id="74" idx="1"/>
-            <a:endCxn id="3" idx="3"/>
+            <a:stCxn id="51" idx="0"/>
+            <a:endCxn id="24" idx="2"/>
           </p:cNvCxnSpPr>
           <p:nvPr/>
         </p:nvCxnSpPr>
         <p:spPr>
-          <a:xfrm rot="10800000" flipV="1">
-            <a:off x="7098286" y="4261588"/>
-            <a:ext cx="1194724" cy="2492"/>
+          <a:xfrm rot="5400000" flipH="1" flipV="1">
+            <a:off x="2622217" y="4350956"/>
+            <a:ext cx="1714953" cy="371030"/>
           </a:xfrm>
           <a:prstGeom prst="curvedConnector3">
             <a:avLst>
               <a:gd name="adj1" fmla="val 50000"/>
             </a:avLst>
           </a:prstGeom>
-          <a:ln w="12700" cmpd="sng">
+          <a:ln w="12700">
             <a:solidFill>
               <a:schemeClr val="accent2"/>
-            </a:solidFill>
-            <a:miter lim="800000"/>
-            <a:headEnd type="triangle"/>
-            <a:tailEnd type="triangle"/>
-          </a:ln>
-        </p:spPr>
-        <p:style>
-          <a:lnRef idx="1">
-            <a:schemeClr val="accent1"/>
-          </a:lnRef>
-          <a:fillRef idx="0">
-            <a:schemeClr val="accent1"/>
-          </a:fillRef>
-          <a:effectRef idx="0">
-            <a:schemeClr val="accent1"/>
-          </a:effectRef>
-          <a:fontRef idx="minor">
-            <a:schemeClr val="tx1"/>
-          </a:fontRef>
-        </p:style>
-      </p:cxnSp>
-      <p:sp>
-        <p:nvSpPr>
-          <p:cNvPr id="80" name="Rounded Rectangle 79">
-            <a:extLst>
-              <a:ext uri="{FF2B5EF4-FFF2-40B4-BE49-F238E27FC236}">
-                <a16:creationId xmlns:a16="http://schemas.microsoft.com/office/drawing/2014/main" id="{0C58CBE4-1693-6EB7-6753-0D0234C325AE}"/>
-              </a:ext>
-            </a:extLst>
-          </p:cNvPr>
-          <p:cNvSpPr/>
-          <p:nvPr/>
-        </p:nvSpPr>
-        <p:spPr>
-          <a:xfrm>
-            <a:off x="9911432" y="2829705"/>
-            <a:ext cx="2004577" cy="880673"/>
-          </a:xfrm>
-          <a:prstGeom prst="roundRect">
-            <a:avLst/>
-          </a:prstGeom>
-          <a:noFill/>
-          <a:ln w="38100">
-            <a:solidFill>
-              <a:schemeClr val="tx1">
-                <a:lumMod val="75000"/>
-                <a:lumOff val="25000"/>
-              </a:schemeClr>
-            </a:solidFill>
-          </a:ln>
-        </p:spPr>
-        <p:style>
-          <a:lnRef idx="2">
-            <a:schemeClr val="accent1">
-              <a:shade val="15000"/>
-            </a:schemeClr>
-          </a:lnRef>
-          <a:fillRef idx="1">
-            <a:schemeClr val="accent1"/>
-          </a:fillRef>
-          <a:effectRef idx="0">
-            <a:schemeClr val="accent1"/>
-          </a:effectRef>
-          <a:fontRef idx="minor">
-            <a:schemeClr val="lt1"/>
-          </a:fontRef>
-        </p:style>
-        <p:txBody>
-          <a:bodyPr rtlCol="0" anchor="ctr"/>
-          <a:lstStyle/>
-          <a:p>
-            <a:pPr algn="ctr"/>
-            <a:r>
-              <a:rPr lang="en-CH" dirty="0">
-                <a:solidFill>
-                  <a:schemeClr val="tx1"/>
-                </a:solidFill>
-              </a:rPr>
-              <a:t>Storage</a:t>
-            </a:r>
-          </a:p>
-        </p:txBody>
-      </p:sp>
-      <p:cxnSp>
-        <p:nvCxnSpPr>
-          <p:cNvPr id="81" name="Curved Connector 80">
-            <a:extLst>
-              <a:ext uri="{FF2B5EF4-FFF2-40B4-BE49-F238E27FC236}">
-                <a16:creationId xmlns:a16="http://schemas.microsoft.com/office/drawing/2014/main" id="{8B72EE16-9F9D-0A60-813C-832B297736FB}"/>
-              </a:ext>
-            </a:extLst>
-          </p:cNvPr>
-          <p:cNvCxnSpPr>
-            <a:cxnSpLocks/>
-            <a:stCxn id="80" idx="2"/>
-            <a:endCxn id="74" idx="3"/>
-          </p:cNvCxnSpPr>
-          <p:nvPr/>
-        </p:nvCxnSpPr>
-        <p:spPr>
-          <a:xfrm rot="5400000">
-            <a:off x="10330049" y="3677916"/>
-            <a:ext cx="551210" cy="616134"/>
-          </a:xfrm>
-          <a:prstGeom prst="curvedConnector2">
-            <a:avLst/>
-          </a:prstGeom>
-          <a:ln w="12700">
-            <a:solidFill>
-              <a:schemeClr val="accent6"/>
             </a:solidFill>
             <a:headEnd type="triangle"/>
             <a:tailEnd type="triangle"/>
@@ -6440,136 +7023,29 @@
       </p:cxnSp>
       <p:cxnSp>
         <p:nvCxnSpPr>
-          <p:cNvPr id="84" name="Curved Connector 83">
-            <a:extLst>
-              <a:ext uri="{FF2B5EF4-FFF2-40B4-BE49-F238E27FC236}">
-                <a16:creationId xmlns:a16="http://schemas.microsoft.com/office/drawing/2014/main" id="{DC05BF72-FBDF-1AEA-AC43-B27974B17FED}"/>
+          <p:cNvPr id="57" name="Curved Connector 56">
+            <a:extLst>
+              <a:ext uri="{FF2B5EF4-FFF2-40B4-BE49-F238E27FC236}">
+                <a16:creationId xmlns:a16="http://schemas.microsoft.com/office/drawing/2014/main" id="{A5F53B61-B5A5-8D01-31BF-D0A1AA877D14}"/>
               </a:ext>
             </a:extLst>
           </p:cNvPr>
           <p:cNvCxnSpPr>
             <a:cxnSpLocks/>
-            <a:stCxn id="80" idx="1"/>
-            <a:endCxn id="43" idx="2"/>
+            <a:stCxn id="24" idx="2"/>
+            <a:endCxn id="52" idx="0"/>
           </p:cNvCxnSpPr>
           <p:nvPr/>
         </p:nvCxnSpPr>
         <p:spPr>
-          <a:xfrm rot="10800000">
-            <a:off x="8558352" y="2982580"/>
-            <a:ext cx="1353080" cy="287462"/>
-          </a:xfrm>
-          <a:prstGeom prst="curvedConnector2">
-            <a:avLst/>
-          </a:prstGeom>
-          <a:ln w="12700">
-            <a:solidFill>
-              <a:schemeClr val="accent6"/>
-            </a:solidFill>
-            <a:headEnd type="triangle"/>
-            <a:tailEnd type="triangle"/>
-          </a:ln>
-        </p:spPr>
-        <p:style>
-          <a:lnRef idx="1">
-            <a:schemeClr val="accent1"/>
-          </a:lnRef>
-          <a:fillRef idx="0">
-            <a:schemeClr val="accent1"/>
-          </a:fillRef>
-          <a:effectRef idx="0">
-            <a:schemeClr val="accent1"/>
-          </a:effectRef>
-          <a:fontRef idx="minor">
-            <a:schemeClr val="tx1"/>
-          </a:fontRef>
-        </p:style>
-      </p:cxnSp>
-      <p:sp>
-        <p:nvSpPr>
-          <p:cNvPr id="87" name="Rounded Rectangle 86">
-            <a:extLst>
-              <a:ext uri="{FF2B5EF4-FFF2-40B4-BE49-F238E27FC236}">
-                <a16:creationId xmlns:a16="http://schemas.microsoft.com/office/drawing/2014/main" id="{7C76C42C-2E1B-C384-BFB5-7C8F9BF741F0}"/>
-              </a:ext>
-            </a:extLst>
-          </p:cNvPr>
-          <p:cNvSpPr/>
-          <p:nvPr/>
-        </p:nvSpPr>
-        <p:spPr>
-          <a:xfrm>
-            <a:off x="5093709" y="411288"/>
-            <a:ext cx="2004577" cy="880673"/>
-          </a:xfrm>
-          <a:prstGeom prst="roundRect">
-            <a:avLst/>
-          </a:prstGeom>
-          <a:noFill/>
-          <a:ln w="38100">
-            <a:solidFill>
-              <a:schemeClr val="tx1">
-                <a:lumMod val="75000"/>
-                <a:lumOff val="25000"/>
-              </a:schemeClr>
-            </a:solidFill>
-          </a:ln>
-        </p:spPr>
-        <p:style>
-          <a:lnRef idx="2">
-            <a:schemeClr val="accent1">
-              <a:shade val="15000"/>
-            </a:schemeClr>
-          </a:lnRef>
-          <a:fillRef idx="1">
-            <a:schemeClr val="accent1"/>
-          </a:fillRef>
-          <a:effectRef idx="0">
-            <a:schemeClr val="accent1"/>
-          </a:effectRef>
-          <a:fontRef idx="minor">
-            <a:schemeClr val="lt1"/>
-          </a:fontRef>
-        </p:style>
-        <p:txBody>
-          <a:bodyPr rtlCol="0" anchor="ctr"/>
-          <a:lstStyle/>
-          <a:p>
-            <a:pPr algn="ctr"/>
-            <a:r>
-              <a:rPr lang="en-CH" dirty="0">
-                <a:solidFill>
-                  <a:schemeClr val="tx1"/>
-                </a:solidFill>
-              </a:rPr>
-              <a:t>Secret Room ?</a:t>
-            </a:r>
-          </a:p>
-        </p:txBody>
-      </p:sp>
-      <p:cxnSp>
-        <p:nvCxnSpPr>
-          <p:cNvPr id="88" name="Curved Connector 87">
-            <a:extLst>
-              <a:ext uri="{FF2B5EF4-FFF2-40B4-BE49-F238E27FC236}">
-                <a16:creationId xmlns:a16="http://schemas.microsoft.com/office/drawing/2014/main" id="{67B0E39A-7722-93F3-D23A-3134319D5C2C}"/>
-              </a:ext>
-            </a:extLst>
-          </p:cNvPr>
-          <p:cNvCxnSpPr>
-            <a:cxnSpLocks/>
-            <a:stCxn id="43" idx="0"/>
-            <a:endCxn id="87" idx="3"/>
-          </p:cNvCxnSpPr>
-          <p:nvPr/>
-        </p:nvCxnSpPr>
-        <p:spPr>
-          <a:xfrm rot="16200000" flipV="1">
-            <a:off x="7203178" y="746733"/>
-            <a:ext cx="1250282" cy="1460066"/>
-          </a:xfrm>
-          <a:prstGeom prst="curvedConnector2">
-            <a:avLst/>
+          <a:xfrm rot="16200000" flipH="1">
+            <a:off x="3863679" y="3480523"/>
+            <a:ext cx="1714952" cy="2111894"/>
+          </a:xfrm>
+          <a:prstGeom prst="curvedConnector3">
+            <a:avLst>
+              <a:gd name="adj1" fmla="val 50000"/>
+            </a:avLst>
           </a:prstGeom>
           <a:ln w="12700">
             <a:solidFill>
@@ -6596,31 +7072,143 @@
       </p:cxnSp>
       <p:cxnSp>
         <p:nvCxnSpPr>
-          <p:cNvPr id="91" name="Curved Connector 90">
-            <a:extLst>
-              <a:ext uri="{FF2B5EF4-FFF2-40B4-BE49-F238E27FC236}">
-                <a16:creationId xmlns:a16="http://schemas.microsoft.com/office/drawing/2014/main" id="{337F86DC-C9B9-4730-7061-73650F2F51D7}"/>
+          <p:cNvPr id="60" name="Curved Connector 59">
+            <a:extLst>
+              <a:ext uri="{FF2B5EF4-FFF2-40B4-BE49-F238E27FC236}">
+                <a16:creationId xmlns:a16="http://schemas.microsoft.com/office/drawing/2014/main" id="{AD7FCB3C-67D3-3451-582C-B248EC2A233C}"/>
               </a:ext>
             </a:extLst>
           </p:cNvPr>
           <p:cNvCxnSpPr>
             <a:cxnSpLocks/>
-            <a:stCxn id="87" idx="1"/>
-            <a:endCxn id="64" idx="0"/>
+            <a:stCxn id="53" idx="0"/>
+            <a:endCxn id="24" idx="2"/>
           </p:cNvCxnSpPr>
           <p:nvPr/>
         </p:nvCxnSpPr>
         <p:spPr>
-          <a:xfrm rot="10800000" flipV="1">
-            <a:off x="3594109" y="851624"/>
-            <a:ext cx="1499600" cy="1503707"/>
-          </a:xfrm>
-          <a:prstGeom prst="curvedConnector2">
-            <a:avLst/>
+          <a:xfrm rot="16200000" flipV="1">
+            <a:off x="5171795" y="2172408"/>
+            <a:ext cx="1714951" cy="4728124"/>
+          </a:xfrm>
+          <a:prstGeom prst="curvedConnector3">
+            <a:avLst>
+              <a:gd name="adj1" fmla="val 50000"/>
+            </a:avLst>
           </a:prstGeom>
           <a:ln w="12700">
             <a:solidFill>
               <a:schemeClr val="accent2"/>
+            </a:solidFill>
+            <a:headEnd type="triangle"/>
+            <a:tailEnd type="triangle"/>
+          </a:ln>
+        </p:spPr>
+        <p:style>
+          <a:lnRef idx="1">
+            <a:schemeClr val="accent1"/>
+          </a:lnRef>
+          <a:fillRef idx="0">
+            <a:schemeClr val="accent1"/>
+          </a:fillRef>
+          <a:effectRef idx="0">
+            <a:schemeClr val="accent1"/>
+          </a:effectRef>
+          <a:fontRef idx="minor">
+            <a:schemeClr val="tx1"/>
+          </a:fontRef>
+        </p:style>
+      </p:cxnSp>
+      <p:sp>
+        <p:nvSpPr>
+          <p:cNvPr id="64" name="Rounded Rectangle 63">
+            <a:extLst>
+              <a:ext uri="{FF2B5EF4-FFF2-40B4-BE49-F238E27FC236}">
+                <a16:creationId xmlns:a16="http://schemas.microsoft.com/office/drawing/2014/main" id="{11F005EC-B57A-A38E-643E-13423D86D9FD}"/>
+              </a:ext>
+            </a:extLst>
+          </p:cNvPr>
+          <p:cNvSpPr/>
+          <p:nvPr/>
+        </p:nvSpPr>
+        <p:spPr>
+          <a:xfrm>
+            <a:off x="5054234" y="1082166"/>
+            <a:ext cx="2004577" cy="880673"/>
+          </a:xfrm>
+          <a:prstGeom prst="roundRect">
+            <a:avLst>
+              <a:gd name="adj" fmla="val 50000"/>
+            </a:avLst>
+          </a:prstGeom>
+          <a:noFill/>
+          <a:ln w="38100">
+            <a:solidFill>
+              <a:srgbClr val="00B050"/>
+            </a:solidFill>
+          </a:ln>
+        </p:spPr>
+        <p:style>
+          <a:lnRef idx="2">
+            <a:schemeClr val="accent1">
+              <a:shade val="15000"/>
+            </a:schemeClr>
+          </a:lnRef>
+          <a:fillRef idx="1">
+            <a:schemeClr val="accent1"/>
+          </a:fillRef>
+          <a:effectRef idx="0">
+            <a:schemeClr val="accent1"/>
+          </a:effectRef>
+          <a:fontRef idx="minor">
+            <a:schemeClr val="lt1"/>
+          </a:fontRef>
+        </p:style>
+        <p:txBody>
+          <a:bodyPr rtlCol="0" anchor="ctr"/>
+          <a:lstStyle/>
+          <a:p>
+            <a:pPr algn="ctr"/>
+            <a:r>
+              <a:rPr lang="en-CH" dirty="0">
+                <a:solidFill>
+                  <a:schemeClr val="tx1"/>
+                </a:solidFill>
+              </a:rPr>
+              <a:t>Down to Pond</a:t>
+            </a:r>
+          </a:p>
+        </p:txBody>
+      </p:sp>
+      <p:cxnSp>
+        <p:nvCxnSpPr>
+          <p:cNvPr id="66" name="Curved Connector 65">
+            <a:extLst>
+              <a:ext uri="{FF2B5EF4-FFF2-40B4-BE49-F238E27FC236}">
+                <a16:creationId xmlns:a16="http://schemas.microsoft.com/office/drawing/2014/main" id="{40555FAD-04F5-D990-A0B0-8FE757C57ADD}"/>
+              </a:ext>
+            </a:extLst>
+          </p:cNvPr>
+          <p:cNvCxnSpPr>
+            <a:cxnSpLocks/>
+            <a:stCxn id="64" idx="1"/>
+            <a:endCxn id="14" idx="3"/>
+          </p:cNvCxnSpPr>
+          <p:nvPr/>
+        </p:nvCxnSpPr>
+        <p:spPr>
+          <a:xfrm rot="10800000">
+            <a:off x="4578670" y="1480749"/>
+            <a:ext cx="475565" cy="41754"/>
+          </a:xfrm>
+          <a:prstGeom prst="curvedConnector3">
+            <a:avLst>
+              <a:gd name="adj1" fmla="val 50000"/>
+            </a:avLst>
+          </a:prstGeom>
+          <a:ln w="12700">
+            <a:solidFill>
+              <a:schemeClr val="accent6"/>
             </a:solidFill>
             <a:headEnd type="triangle"/>
             <a:tailEnd type="triangle"/>
@@ -6643,38 +7231,36 @@
       </p:cxnSp>
       <p:cxnSp>
         <p:nvCxnSpPr>
-          <p:cNvPr id="5" name="Curved Connector 4">
-            <a:extLst>
-              <a:ext uri="{FF2B5EF4-FFF2-40B4-BE49-F238E27FC236}">
-                <a16:creationId xmlns:a16="http://schemas.microsoft.com/office/drawing/2014/main" id="{6DDFD1A7-FE5E-4D59-1B79-3D6384A99861}"/>
+          <p:cNvPr id="69" name="Curved Connector 68">
+            <a:extLst>
+              <a:ext uri="{FF2B5EF4-FFF2-40B4-BE49-F238E27FC236}">
+                <a16:creationId xmlns:a16="http://schemas.microsoft.com/office/drawing/2014/main" id="{593519A6-EC83-65D7-FFFD-40D2C97B2DD7}"/>
               </a:ext>
             </a:extLst>
           </p:cNvPr>
           <p:cNvCxnSpPr>
             <a:cxnSpLocks/>
-            <a:stCxn id="74" idx="2"/>
-            <a:endCxn id="2" idx="0"/>
+            <a:stCxn id="64" idx="3"/>
+            <a:endCxn id="38" idx="1"/>
           </p:cNvCxnSpPr>
           <p:nvPr/>
         </p:nvCxnSpPr>
         <p:spPr>
-          <a:xfrm rot="5400000">
-            <a:off x="8181405" y="4621094"/>
-            <a:ext cx="1033065" cy="1194724"/>
+          <a:xfrm flipV="1">
+            <a:off x="7058811" y="1408243"/>
+            <a:ext cx="551461" cy="114260"/>
           </a:xfrm>
           <a:prstGeom prst="curvedConnector3">
             <a:avLst>
               <a:gd name="adj1" fmla="val 50000"/>
             </a:avLst>
           </a:prstGeom>
-          <a:ln w="12700" cmpd="sng">
+          <a:ln w="12700">
             <a:solidFill>
-              <a:schemeClr val="accent4"/>
+              <a:schemeClr val="accent6"/>
             </a:solidFill>
-            <a:prstDash val="sysDash"/>
-            <a:miter lim="800000"/>
             <a:headEnd type="triangle"/>
-            <a:tailEnd type="none"/>
+            <a:tailEnd type="triangle"/>
           </a:ln>
         </p:spPr>
         <p:style>
@@ -6692,10 +7278,260 @@
           </a:fontRef>
         </p:style>
       </p:cxnSp>
+      <p:cxnSp>
+        <p:nvCxnSpPr>
+          <p:cNvPr id="86" name="Curved Connector 85">
+            <a:extLst>
+              <a:ext uri="{FF2B5EF4-FFF2-40B4-BE49-F238E27FC236}">
+                <a16:creationId xmlns:a16="http://schemas.microsoft.com/office/drawing/2014/main" id="{9253C407-4674-19E9-5AFE-F8FC96E94F64}"/>
+              </a:ext>
+            </a:extLst>
+          </p:cNvPr>
+          <p:cNvCxnSpPr>
+            <a:cxnSpLocks/>
+            <a:stCxn id="8" idx="1"/>
+            <a:endCxn id="11" idx="3"/>
+          </p:cNvCxnSpPr>
+          <p:nvPr/>
+        </p:nvCxnSpPr>
+        <p:spPr>
+          <a:xfrm rot="10800000">
+            <a:off x="7205271" y="3276759"/>
+            <a:ext cx="298018" cy="89940"/>
+          </a:xfrm>
+          <a:prstGeom prst="curvedConnector3">
+            <a:avLst>
+              <a:gd name="adj1" fmla="val 50000"/>
+            </a:avLst>
+          </a:prstGeom>
+          <a:ln w="12700">
+            <a:solidFill>
+              <a:schemeClr val="accent1"/>
+            </a:solidFill>
+            <a:headEnd type="none"/>
+            <a:tailEnd type="triangle"/>
+          </a:ln>
+        </p:spPr>
+        <p:style>
+          <a:lnRef idx="1">
+            <a:schemeClr val="accent1"/>
+          </a:lnRef>
+          <a:fillRef idx="0">
+            <a:schemeClr val="accent1"/>
+          </a:fillRef>
+          <a:effectRef idx="0">
+            <a:schemeClr val="accent1"/>
+          </a:effectRef>
+          <a:fontRef idx="minor">
+            <a:schemeClr val="tx1"/>
+          </a:fontRef>
+        </p:style>
+      </p:cxnSp>
+      <p:sp>
+        <p:nvSpPr>
+          <p:cNvPr id="2" name="TextBox 1">
+            <a:extLst>
+              <a:ext uri="{FF2B5EF4-FFF2-40B4-BE49-F238E27FC236}">
+                <a16:creationId xmlns:a16="http://schemas.microsoft.com/office/drawing/2014/main" id="{BE40535B-384D-3EB7-F294-B6349E2F3130}"/>
+              </a:ext>
+            </a:extLst>
+          </p:cNvPr>
+          <p:cNvSpPr txBox="1"/>
+          <p:nvPr/>
+        </p:nvSpPr>
+        <p:spPr>
+          <a:xfrm>
+            <a:off x="9432757" y="1909011"/>
+            <a:ext cx="1172116" cy="246221"/>
+          </a:xfrm>
+          <a:prstGeom prst="rect">
+            <a:avLst/>
+          </a:prstGeom>
+          <a:noFill/>
+        </p:spPr>
+        <p:txBody>
+          <a:bodyPr wrap="none" rtlCol="0">
+            <a:spAutoFit/>
+          </a:bodyPr>
+          <a:lstStyle/>
+          <a:p>
+            <a:r>
+              <a:rPr lang="en-CH" sz="1000" dirty="0"/>
+              <a:t>rubbles -&gt; one way</a:t>
+            </a:r>
+          </a:p>
+        </p:txBody>
+      </p:sp>
+      <p:sp>
+        <p:nvSpPr>
+          <p:cNvPr id="3" name="TextBox 2">
+            <a:extLst>
+              <a:ext uri="{FF2B5EF4-FFF2-40B4-BE49-F238E27FC236}">
+                <a16:creationId xmlns:a16="http://schemas.microsoft.com/office/drawing/2014/main" id="{E02B6AA4-8E8B-C2D4-0937-91CE3C3EF871}"/>
+              </a:ext>
+            </a:extLst>
+          </p:cNvPr>
+          <p:cNvSpPr txBox="1"/>
+          <p:nvPr/>
+        </p:nvSpPr>
+        <p:spPr>
+          <a:xfrm>
+            <a:off x="5384157" y="2444189"/>
+            <a:ext cx="1538819" cy="369332"/>
+          </a:xfrm>
+          <a:prstGeom prst="rect">
+            <a:avLst/>
+          </a:prstGeom>
+          <a:noFill/>
+        </p:spPr>
+        <p:txBody>
+          <a:bodyPr wrap="none" rtlCol="0">
+            <a:spAutoFit/>
+          </a:bodyPr>
+          <a:lstStyle/>
+          <a:p>
+            <a:r>
+              <a:rPr lang="en-CH" dirty="0">
+                <a:solidFill>
+                  <a:schemeClr val="accent6"/>
+                </a:solidFill>
+              </a:rPr>
+              <a:t>IN PROTOTYPE</a:t>
+            </a:r>
+          </a:p>
+        </p:txBody>
+      </p:sp>
+      <p:sp>
+        <p:nvSpPr>
+          <p:cNvPr id="4" name="TextBox 3">
+            <a:extLst>
+              <a:ext uri="{FF2B5EF4-FFF2-40B4-BE49-F238E27FC236}">
+                <a16:creationId xmlns:a16="http://schemas.microsoft.com/office/drawing/2014/main" id="{5FD9F848-2CC9-746C-7E4B-AD992FDABE5A}"/>
+              </a:ext>
+            </a:extLst>
+          </p:cNvPr>
+          <p:cNvSpPr txBox="1"/>
+          <p:nvPr/>
+        </p:nvSpPr>
+        <p:spPr>
+          <a:xfrm>
+            <a:off x="0" y="277793"/>
+            <a:ext cx="1999073" cy="369332"/>
+          </a:xfrm>
+          <a:prstGeom prst="rect">
+            <a:avLst/>
+          </a:prstGeom>
+          <a:noFill/>
+        </p:spPr>
+        <p:txBody>
+          <a:bodyPr wrap="none" rtlCol="0">
+            <a:spAutoFit/>
+          </a:bodyPr>
+          <a:lstStyle/>
+          <a:p>
+            <a:r>
+              <a:rPr lang="en-CH" dirty="0">
+                <a:solidFill>
+                  <a:srgbClr val="FF0000"/>
+                </a:solidFill>
+              </a:rPr>
+              <a:t>NOT IN PROTOTYPE</a:t>
+            </a:r>
+          </a:p>
+        </p:txBody>
+      </p:sp>
+      <p:sp>
+        <p:nvSpPr>
+          <p:cNvPr id="5" name="TextBox 4">
+            <a:extLst>
+              <a:ext uri="{FF2B5EF4-FFF2-40B4-BE49-F238E27FC236}">
+                <a16:creationId xmlns:a16="http://schemas.microsoft.com/office/drawing/2014/main" id="{6346871F-6D43-64AB-CEE6-4D10552420CE}"/>
+              </a:ext>
+            </a:extLst>
+          </p:cNvPr>
+          <p:cNvSpPr txBox="1"/>
+          <p:nvPr/>
+        </p:nvSpPr>
+        <p:spPr>
+          <a:xfrm>
+            <a:off x="0" y="545941"/>
+            <a:ext cx="1538819" cy="369332"/>
+          </a:xfrm>
+          <a:prstGeom prst="rect">
+            <a:avLst/>
+          </a:prstGeom>
+          <a:noFill/>
+        </p:spPr>
+        <p:txBody>
+          <a:bodyPr wrap="none" rtlCol="0">
+            <a:spAutoFit/>
+          </a:bodyPr>
+          <a:lstStyle/>
+          <a:p>
+            <a:r>
+              <a:rPr lang="en-CH" dirty="0">
+                <a:solidFill>
+                  <a:schemeClr val="accent6"/>
+                </a:solidFill>
+              </a:rPr>
+              <a:t>IN PROTOTYPE</a:t>
+            </a:r>
+          </a:p>
+        </p:txBody>
+      </p:sp>
+      <p:sp>
+        <p:nvSpPr>
+          <p:cNvPr id="12" name="Rectangle 11">
+            <a:extLst>
+              <a:ext uri="{FF2B5EF4-FFF2-40B4-BE49-F238E27FC236}">
+                <a16:creationId xmlns:a16="http://schemas.microsoft.com/office/drawing/2014/main" id="{0F5E5919-FDE8-873B-48F4-F73B42F35D9E}"/>
+              </a:ext>
+            </a:extLst>
+          </p:cNvPr>
+          <p:cNvSpPr/>
+          <p:nvPr/>
+        </p:nvSpPr>
+        <p:spPr>
+          <a:xfrm>
+            <a:off x="6920458" y="3634962"/>
+            <a:ext cx="4367135" cy="306819"/>
+          </a:xfrm>
+          <a:prstGeom prst="rect">
+            <a:avLst/>
+          </a:prstGeom>
+        </p:spPr>
+        <p:style>
+          <a:lnRef idx="2">
+            <a:schemeClr val="accent1">
+              <a:shade val="15000"/>
+            </a:schemeClr>
+          </a:lnRef>
+          <a:fillRef idx="1">
+            <a:schemeClr val="accent1"/>
+          </a:fillRef>
+          <a:effectRef idx="0">
+            <a:schemeClr val="accent1"/>
+          </a:effectRef>
+          <a:fontRef idx="minor">
+            <a:schemeClr val="lt1"/>
+          </a:fontRef>
+        </p:style>
+        <p:txBody>
+          <a:bodyPr rtlCol="0" anchor="ctr"/>
+          <a:lstStyle/>
+          <a:p>
+            <a:pPr algn="ctr"/>
+            <a:r>
+              <a:rPr lang="en-CH" dirty="0"/>
+              <a:t>Diverted Stream</a:t>
+            </a:r>
+          </a:p>
+        </p:txBody>
+      </p:sp>
     </p:spTree>
     <p:extLst>
       <p:ext uri="{BB962C8B-B14F-4D97-AF65-F5344CB8AC3E}">
-        <p14:creationId xmlns:p14="http://schemas.microsoft.com/office/powerpoint/2010/main" val="824238584"/>
+        <p14:creationId xmlns:p14="http://schemas.microsoft.com/office/powerpoint/2010/main" val="225788775"/>
       </p:ext>
     </p:extLst>
   </p:cSld>
@@ -6745,10 +7581,7 @@
           <a:noFill/>
           <a:ln w="38100">
             <a:solidFill>
-              <a:schemeClr val="tx1">
-                <a:lumMod val="75000"/>
-                <a:lumOff val="25000"/>
-              </a:schemeClr>
+              <a:srgbClr val="00B050"/>
             </a:solidFill>
           </a:ln>
         </p:spPr>
@@ -6779,7 +7612,7 @@
                   <a:schemeClr val="tx1"/>
                 </a:solidFill>
               </a:rPr>
-              <a:t>Waterfall</a:t>
+              <a:t>Pond &amp;</a:t>
             </a:r>
           </a:p>
           <a:p>
@@ -6790,17 +7623,17 @@
                   <a:schemeClr val="tx1"/>
                 </a:solidFill>
               </a:rPr>
-              <a:t>(Sacred Resting Place below)</a:t>
-            </a:r>
-          </a:p>
-        </p:txBody>
-      </p:sp>
-      <p:sp>
-        <p:nvSpPr>
-          <p:cNvPr id="8" name="Rounded Rectangle 7">
-            <a:extLst>
-              <a:ext uri="{FF2B5EF4-FFF2-40B4-BE49-F238E27FC236}">
-                <a16:creationId xmlns:a16="http://schemas.microsoft.com/office/drawing/2014/main" id="{111F0E83-F28D-E90C-6E67-E30EED42734D}"/>
+              <a:t>Sacred Resting Place</a:t>
+            </a:r>
+          </a:p>
+        </p:txBody>
+      </p:sp>
+      <p:sp>
+        <p:nvSpPr>
+          <p:cNvPr id="9" name="Rounded Rectangle 8">
+            <a:extLst>
+              <a:ext uri="{FF2B5EF4-FFF2-40B4-BE49-F238E27FC236}">
+                <a16:creationId xmlns:a16="http://schemas.microsoft.com/office/drawing/2014/main" id="{66A98567-F047-8185-877B-35B90A013880}"/>
               </a:ext>
             </a:extLst>
           </p:cNvPr>
@@ -6809,8 +7642,8 @@
         </p:nvSpPr>
         <p:spPr>
           <a:xfrm>
-            <a:off x="7503289" y="2416697"/>
-            <a:ext cx="2218544" cy="1900004"/>
+            <a:off x="2486760" y="3087973"/>
+            <a:ext cx="1515613" cy="900657"/>
           </a:xfrm>
           <a:prstGeom prst="roundRect">
             <a:avLst/>
@@ -6818,10 +7651,7 @@
           <a:noFill/>
           <a:ln w="38100">
             <a:solidFill>
-              <a:schemeClr val="tx1">
-                <a:lumMod val="75000"/>
-                <a:lumOff val="25000"/>
-              </a:schemeClr>
+              <a:srgbClr val="FF0000"/>
             </a:solidFill>
           </a:ln>
         </p:spPr>
@@ -6852,7 +7682,7 @@
                   <a:schemeClr val="tx1"/>
                 </a:solidFill>
               </a:rPr>
-              <a:t>Dining Room</a:t>
+              <a:t>“Toilets”</a:t>
             </a:r>
           </a:p>
         </p:txBody>
@@ -6887,17 +7717,17 @@
           <a:p>
             <a:r>
               <a:rPr lang="en-CH" dirty="0"/>
-              <a:t>LEVEL -1</a:t>
-            </a:r>
-          </a:p>
-        </p:txBody>
-      </p:sp>
-      <p:sp>
-        <p:nvSpPr>
-          <p:cNvPr id="11" name="Rectangle 10">
-            <a:extLst>
-              <a:ext uri="{FF2B5EF4-FFF2-40B4-BE49-F238E27FC236}">
-                <a16:creationId xmlns:a16="http://schemas.microsoft.com/office/drawing/2014/main" id="{DC30B928-7516-9425-8582-4DF1785CBC90}"/>
+              <a:t>LEVEL -2</a:t>
+            </a:r>
+          </a:p>
+        </p:txBody>
+      </p:sp>
+      <p:sp>
+        <p:nvSpPr>
+          <p:cNvPr id="2" name="Rectangle 1">
+            <a:extLst>
+              <a:ext uri="{FF2B5EF4-FFF2-40B4-BE49-F238E27FC236}">
+                <a16:creationId xmlns:a16="http://schemas.microsoft.com/office/drawing/2014/main" id="{83A13878-0695-0490-4770-95566932DC9D}"/>
               </a:ext>
             </a:extLst>
           </p:cNvPr>
@@ -6906,8 +7736,8 @@
         </p:nvSpPr>
         <p:spPr>
           <a:xfrm>
-            <a:off x="6920458" y="3123425"/>
-            <a:ext cx="284813" cy="306668"/>
+            <a:off x="1228168" y="3678560"/>
+            <a:ext cx="5977103" cy="230399"/>
           </a:xfrm>
           <a:prstGeom prst="rect">
             <a:avLst/>
@@ -6934,16 +7764,19 @@
           <a:lstStyle/>
           <a:p>
             <a:pPr algn="ctr"/>
-            <a:endParaRPr lang="en-CH" dirty="0"/>
-          </a:p>
-        </p:txBody>
-      </p:sp>
-      <p:sp>
-        <p:nvSpPr>
-          <p:cNvPr id="12" name="Rectangle 11">
-            <a:extLst>
-              <a:ext uri="{FF2B5EF4-FFF2-40B4-BE49-F238E27FC236}">
-                <a16:creationId xmlns:a16="http://schemas.microsoft.com/office/drawing/2014/main" id="{0F5E5919-FDE8-873B-48F4-F73B42F35D9E}"/>
+            <a:r>
+              <a:rPr lang="en-CH" dirty="0"/>
+              <a:t>STREAM</a:t>
+            </a:r>
+          </a:p>
+        </p:txBody>
+      </p:sp>
+      <p:sp>
+        <p:nvSpPr>
+          <p:cNvPr id="4" name="Rounded Rectangle 3">
+            <a:extLst>
+              <a:ext uri="{FF2B5EF4-FFF2-40B4-BE49-F238E27FC236}">
+                <a16:creationId xmlns:a16="http://schemas.microsoft.com/office/drawing/2014/main" id="{159488DB-A1D9-5179-8812-E0076D6AE047}"/>
               </a:ext>
             </a:extLst>
           </p:cNvPr>
@@ -6952,12 +7785,20 @@
         </p:nvSpPr>
         <p:spPr>
           <a:xfrm>
-            <a:off x="6920458" y="3634962"/>
-            <a:ext cx="4367135" cy="306819"/>
-          </a:xfrm>
-          <a:prstGeom prst="rect">
-            <a:avLst/>
-          </a:prstGeom>
+            <a:off x="2242277" y="1636696"/>
+            <a:ext cx="2004577" cy="880673"/>
+          </a:xfrm>
+          <a:prstGeom prst="roundRect">
+            <a:avLst>
+              <a:gd name="adj" fmla="val 50000"/>
+            </a:avLst>
+          </a:prstGeom>
+          <a:noFill/>
+          <a:ln w="38100">
+            <a:solidFill>
+              <a:srgbClr val="FF0000"/>
+            </a:solidFill>
+          </a:ln>
         </p:spPr>
         <p:style>
           <a:lnRef idx="2">
@@ -6981,18 +7822,86 @@
           <a:p>
             <a:pPr algn="ctr"/>
             <a:r>
-              <a:rPr lang="en-CH" dirty="0"/>
-              <a:t>Diverted Stream</a:t>
-            </a:r>
-          </a:p>
-        </p:txBody>
-      </p:sp>
-      <p:sp>
-        <p:nvSpPr>
-          <p:cNvPr id="13" name="Rounded Rectangle 12">
-            <a:extLst>
-              <a:ext uri="{FF2B5EF4-FFF2-40B4-BE49-F238E27FC236}">
-                <a16:creationId xmlns:a16="http://schemas.microsoft.com/office/drawing/2014/main" id="{611C4D35-D34C-406A-7D45-9140BCB1363F}"/>
+              <a:rPr lang="en-CH" dirty="0">
+                <a:solidFill>
+                  <a:schemeClr val="tx1"/>
+                </a:solidFill>
+              </a:rPr>
+              <a:t>Staircase </a:t>
+            </a:r>
+            <a:br>
+              <a:rPr lang="en-CH" dirty="0">
+                <a:solidFill>
+                  <a:schemeClr val="tx1"/>
+                </a:solidFill>
+              </a:rPr>
+            </a:br>
+            <a:r>
+              <a:rPr lang="en-CH" dirty="0">
+                <a:solidFill>
+                  <a:schemeClr val="tx1"/>
+                </a:solidFill>
+              </a:rPr>
+              <a:t>(up)</a:t>
+            </a:r>
+          </a:p>
+        </p:txBody>
+      </p:sp>
+      <p:cxnSp>
+        <p:nvCxnSpPr>
+          <p:cNvPr id="5" name="Curved Connector 4">
+            <a:extLst>
+              <a:ext uri="{FF2B5EF4-FFF2-40B4-BE49-F238E27FC236}">
+                <a16:creationId xmlns:a16="http://schemas.microsoft.com/office/drawing/2014/main" id="{3E46A241-50EF-1E5C-98D5-A9C1729A3528}"/>
+              </a:ext>
+            </a:extLst>
+          </p:cNvPr>
+          <p:cNvCxnSpPr>
+            <a:cxnSpLocks/>
+            <a:stCxn id="9" idx="0"/>
+            <a:endCxn id="4" idx="2"/>
+          </p:cNvCxnSpPr>
+          <p:nvPr/>
+        </p:nvCxnSpPr>
+        <p:spPr>
+          <a:xfrm rot="16200000" flipV="1">
+            <a:off x="2959265" y="2802670"/>
+            <a:ext cx="570604" cy="1"/>
+          </a:xfrm>
+          <a:prstGeom prst="curvedConnector3">
+            <a:avLst>
+              <a:gd name="adj1" fmla="val 50000"/>
+            </a:avLst>
+          </a:prstGeom>
+          <a:ln w="12700">
+            <a:solidFill>
+              <a:schemeClr val="accent6"/>
+            </a:solidFill>
+            <a:headEnd type="triangle"/>
+            <a:tailEnd type="triangle"/>
+          </a:ln>
+        </p:spPr>
+        <p:style>
+          <a:lnRef idx="1">
+            <a:schemeClr val="accent1"/>
+          </a:lnRef>
+          <a:fillRef idx="0">
+            <a:schemeClr val="accent1"/>
+          </a:fillRef>
+          <a:effectRef idx="0">
+            <a:schemeClr val="accent1"/>
+          </a:effectRef>
+          <a:fontRef idx="minor">
+            <a:schemeClr val="tx1"/>
+          </a:fontRef>
+        </p:style>
+      </p:cxnSp>
+      <p:sp>
+        <p:nvSpPr>
+          <p:cNvPr id="12" name="Rounded Rectangle 11">
+            <a:extLst>
+              <a:ext uri="{FF2B5EF4-FFF2-40B4-BE49-F238E27FC236}">
+                <a16:creationId xmlns:a16="http://schemas.microsoft.com/office/drawing/2014/main" id="{03C31F09-E7B6-0DAD-9D63-C9569053485C}"/>
               </a:ext>
             </a:extLst>
           </p:cNvPr>
@@ -7001,7 +7910,7 @@
         </p:nvSpPr>
         <p:spPr>
           <a:xfrm>
-            <a:off x="637085" y="2939062"/>
+            <a:off x="5093710" y="1082166"/>
             <a:ext cx="2004577" cy="880673"/>
           </a:xfrm>
           <a:prstGeom prst="roundRect">
@@ -7012,10 +7921,7 @@
           <a:noFill/>
           <a:ln w="38100">
             <a:solidFill>
-              <a:schemeClr val="tx1">
-                <a:lumMod val="75000"/>
-                <a:lumOff val="25000"/>
-              </a:schemeClr>
+              <a:srgbClr val="00B050"/>
             </a:solidFill>
           </a:ln>
         </p:spPr>
@@ -7046,170 +7952,31 @@
                   <a:schemeClr val="tx1"/>
                 </a:solidFill>
               </a:rPr>
-              <a:t>Staircase </a:t>
-            </a:r>
-            <a:br>
-              <a:rPr lang="en-CH" dirty="0">
-                <a:solidFill>
-                  <a:schemeClr val="tx1"/>
-                </a:solidFill>
-              </a:rPr>
-            </a:br>
-            <a:r>
-              <a:rPr lang="en-CH" dirty="0">
-                <a:solidFill>
-                  <a:schemeClr val="tx1"/>
-                </a:solidFill>
-              </a:rPr>
-              <a:t>(down + up)</a:t>
-            </a:r>
-          </a:p>
-        </p:txBody>
-      </p:sp>
-      <p:sp>
-        <p:nvSpPr>
-          <p:cNvPr id="14" name="Rounded Rectangle 13">
-            <a:extLst>
-              <a:ext uri="{FF2B5EF4-FFF2-40B4-BE49-F238E27FC236}">
-                <a16:creationId xmlns:a16="http://schemas.microsoft.com/office/drawing/2014/main" id="{1A6811FE-24A3-3081-B24C-9D5D4E1AE844}"/>
-              </a:ext>
-            </a:extLst>
-          </p:cNvPr>
-          <p:cNvSpPr/>
-          <p:nvPr/>
-        </p:nvSpPr>
-        <p:spPr>
-          <a:xfrm>
-            <a:off x="2574092" y="1040412"/>
-            <a:ext cx="2004577" cy="880673"/>
-          </a:xfrm>
-          <a:prstGeom prst="roundRect">
-            <a:avLst/>
-          </a:prstGeom>
-          <a:noFill/>
-          <a:ln w="38100">
-            <a:solidFill>
-              <a:schemeClr val="tx1">
-                <a:lumMod val="75000"/>
-                <a:lumOff val="25000"/>
-              </a:schemeClr>
-            </a:solidFill>
-          </a:ln>
-        </p:spPr>
-        <p:style>
-          <a:lnRef idx="2">
-            <a:schemeClr val="accent1">
-              <a:shade val="15000"/>
-            </a:schemeClr>
-          </a:lnRef>
-          <a:fillRef idx="1">
-            <a:schemeClr val="accent1"/>
-          </a:fillRef>
-          <a:effectRef idx="0">
-            <a:schemeClr val="accent1"/>
-          </a:effectRef>
-          <a:fontRef idx="minor">
-            <a:schemeClr val="lt1"/>
-          </a:fontRef>
-        </p:style>
-        <p:txBody>
-          <a:bodyPr rtlCol="0" anchor="ctr"/>
-          <a:lstStyle/>
-          <a:p>
-            <a:pPr algn="ctr"/>
-            <a:r>
-              <a:rPr lang="en-CH" dirty="0">
-                <a:solidFill>
-                  <a:schemeClr val="tx1"/>
-                </a:solidFill>
-              </a:rPr>
-              <a:t>Prayer Room</a:t>
-            </a:r>
-          </a:p>
-        </p:txBody>
-      </p:sp>
-      <p:sp>
-        <p:nvSpPr>
-          <p:cNvPr id="15" name="Rounded Rectangle 14">
-            <a:extLst>
-              <a:ext uri="{FF2B5EF4-FFF2-40B4-BE49-F238E27FC236}">
-                <a16:creationId xmlns:a16="http://schemas.microsoft.com/office/drawing/2014/main" id="{6BB6A2EA-C29C-9211-0162-1EAB752F51DF}"/>
-              </a:ext>
-            </a:extLst>
-          </p:cNvPr>
-          <p:cNvSpPr/>
-          <p:nvPr/>
-        </p:nvSpPr>
-        <p:spPr>
-          <a:xfrm>
-            <a:off x="10019851" y="2416697"/>
-            <a:ext cx="2004577" cy="1900004"/>
-          </a:xfrm>
-          <a:prstGeom prst="roundRect">
-            <a:avLst/>
-          </a:prstGeom>
-          <a:noFill/>
-          <a:ln w="38100">
-            <a:solidFill>
-              <a:schemeClr val="tx1">
-                <a:lumMod val="75000"/>
-                <a:lumOff val="25000"/>
-              </a:schemeClr>
-            </a:solidFill>
-          </a:ln>
-        </p:spPr>
-        <p:style>
-          <a:lnRef idx="2">
-            <a:schemeClr val="accent1">
-              <a:shade val="15000"/>
-            </a:schemeClr>
-          </a:lnRef>
-          <a:fillRef idx="1">
-            <a:schemeClr val="accent1"/>
-          </a:fillRef>
-          <a:effectRef idx="0">
-            <a:schemeClr val="accent1"/>
-          </a:effectRef>
-          <a:fontRef idx="minor">
-            <a:schemeClr val="lt1"/>
-          </a:fontRef>
-        </p:style>
-        <p:txBody>
-          <a:bodyPr rtlCol="0" anchor="ctr"/>
-          <a:lstStyle/>
-          <a:p>
-            <a:pPr algn="ctr"/>
-            <a:r>
-              <a:rPr lang="en-CH" dirty="0">
-                <a:solidFill>
-                  <a:schemeClr val="tx1"/>
-                </a:solidFill>
-              </a:rPr>
-              <a:t>Kitchen</a:t>
+              <a:t>Up to Prayer Room</a:t>
             </a:r>
           </a:p>
         </p:txBody>
       </p:sp>
       <p:cxnSp>
         <p:nvCxnSpPr>
-          <p:cNvPr id="16" name="Curved Connector 15">
-            <a:extLst>
-              <a:ext uri="{FF2B5EF4-FFF2-40B4-BE49-F238E27FC236}">
-                <a16:creationId xmlns:a16="http://schemas.microsoft.com/office/drawing/2014/main" id="{11020E21-5E43-54C0-BAD9-5F6BEC0FD0BA}"/>
+          <p:cNvPr id="13" name="Curved Connector 12">
+            <a:extLst>
+              <a:ext uri="{FF2B5EF4-FFF2-40B4-BE49-F238E27FC236}">
+                <a16:creationId xmlns:a16="http://schemas.microsoft.com/office/drawing/2014/main" id="{93FFFB22-C223-02B2-E756-B93F7B5FE9DA}"/>
               </a:ext>
             </a:extLst>
           </p:cNvPr>
           <p:cNvCxnSpPr>
             <a:cxnSpLocks/>
-            <a:stCxn id="8" idx="3"/>
-            <a:endCxn id="15" idx="1"/>
+            <a:stCxn id="7" idx="0"/>
+            <a:endCxn id="12" idx="2"/>
           </p:cNvCxnSpPr>
           <p:nvPr/>
         </p:nvCxnSpPr>
         <p:spPr>
-          <a:xfrm>
-            <a:off x="9721833" y="3366699"/>
-            <a:ext cx="298018" cy="12700"/>
+          <a:xfrm rot="5400000" flipH="1" flipV="1">
+            <a:off x="5930046" y="2128792"/>
+            <a:ext cx="331906" cy="12700"/>
           </a:xfrm>
           <a:prstGeom prst="curvedConnector3">
             <a:avLst>
@@ -7241,1029 +8008,20 @@
       </p:cxnSp>
       <p:sp>
         <p:nvSpPr>
-          <p:cNvPr id="24" name="Rounded Rectangle 23">
-            <a:extLst>
-              <a:ext uri="{FF2B5EF4-FFF2-40B4-BE49-F238E27FC236}">
-                <a16:creationId xmlns:a16="http://schemas.microsoft.com/office/drawing/2014/main" id="{CE054DA5-D6CB-FB68-7535-921A2D356BD2}"/>
-              </a:ext>
-            </a:extLst>
-          </p:cNvPr>
-          <p:cNvSpPr/>
+          <p:cNvPr id="3" name="TextBox 2">
+            <a:extLst>
+              <a:ext uri="{FF2B5EF4-FFF2-40B4-BE49-F238E27FC236}">
+                <a16:creationId xmlns:a16="http://schemas.microsoft.com/office/drawing/2014/main" id="{E52ACD97-4C04-161B-6501-2BDBA7131E64}"/>
+              </a:ext>
+            </a:extLst>
+          </p:cNvPr>
+          <p:cNvSpPr txBox="1"/>
           <p:nvPr/>
         </p:nvSpPr>
         <p:spPr>
           <a:xfrm>
-            <a:off x="2960892" y="3054403"/>
-            <a:ext cx="1408631" cy="624591"/>
-          </a:xfrm>
-          <a:prstGeom prst="roundRect">
-            <a:avLst/>
-          </a:prstGeom>
-          <a:noFill/>
-          <a:ln w="38100">
-            <a:solidFill>
-              <a:schemeClr val="tx1">
-                <a:lumMod val="75000"/>
-                <a:lumOff val="25000"/>
-              </a:schemeClr>
-            </a:solidFill>
-          </a:ln>
-        </p:spPr>
-        <p:style>
-          <a:lnRef idx="2">
-            <a:schemeClr val="accent1">
-              <a:shade val="15000"/>
-            </a:schemeClr>
-          </a:lnRef>
-          <a:fillRef idx="1">
-            <a:schemeClr val="accent1"/>
-          </a:fillRef>
-          <a:effectRef idx="0">
-            <a:schemeClr val="accent1"/>
-          </a:effectRef>
-          <a:fontRef idx="minor">
-            <a:schemeClr val="lt1"/>
-          </a:fontRef>
-        </p:style>
-        <p:txBody>
-          <a:bodyPr rtlCol="0" anchor="ctr"/>
-          <a:lstStyle/>
-          <a:p>
-            <a:pPr algn="ctr"/>
-            <a:r>
-              <a:rPr lang="en-CH" dirty="0">
-                <a:solidFill>
-                  <a:schemeClr val="tx1"/>
-                </a:solidFill>
-              </a:rPr>
-              <a:t>Corridor</a:t>
-            </a:r>
-          </a:p>
-        </p:txBody>
-      </p:sp>
-      <p:cxnSp>
-        <p:nvCxnSpPr>
-          <p:cNvPr id="25" name="Curved Connector 24">
-            <a:extLst>
-              <a:ext uri="{FF2B5EF4-FFF2-40B4-BE49-F238E27FC236}">
-                <a16:creationId xmlns:a16="http://schemas.microsoft.com/office/drawing/2014/main" id="{34BE8C48-24A9-8DBA-B770-93FD3154BD89}"/>
-              </a:ext>
-            </a:extLst>
-          </p:cNvPr>
-          <p:cNvCxnSpPr>
-            <a:cxnSpLocks/>
-            <a:stCxn id="24" idx="0"/>
-            <a:endCxn id="14" idx="2"/>
-          </p:cNvCxnSpPr>
-          <p:nvPr/>
-        </p:nvCxnSpPr>
-        <p:spPr>
-          <a:xfrm rot="16200000" flipV="1">
-            <a:off x="3054136" y="2443330"/>
-            <a:ext cx="1133318" cy="88827"/>
-          </a:xfrm>
-          <a:prstGeom prst="curvedConnector3">
-            <a:avLst>
-              <a:gd name="adj1" fmla="val 50000"/>
-            </a:avLst>
-          </a:prstGeom>
-          <a:ln w="12700">
-            <a:solidFill>
-              <a:schemeClr val="accent6"/>
-            </a:solidFill>
-            <a:headEnd type="triangle"/>
-            <a:tailEnd type="triangle"/>
-          </a:ln>
-        </p:spPr>
-        <p:style>
-          <a:lnRef idx="1">
-            <a:schemeClr val="accent1"/>
-          </a:lnRef>
-          <a:fillRef idx="0">
-            <a:schemeClr val="accent1"/>
-          </a:fillRef>
-          <a:effectRef idx="0">
-            <a:schemeClr val="accent1"/>
-          </a:effectRef>
-          <a:fontRef idx="minor">
-            <a:schemeClr val="tx1"/>
-          </a:fontRef>
-        </p:style>
-      </p:cxnSp>
-      <p:cxnSp>
-        <p:nvCxnSpPr>
-          <p:cNvPr id="28" name="Curved Connector 27">
-            <a:extLst>
-              <a:ext uri="{FF2B5EF4-FFF2-40B4-BE49-F238E27FC236}">
-                <a16:creationId xmlns:a16="http://schemas.microsoft.com/office/drawing/2014/main" id="{C5A04772-AF74-7A7B-2574-EF173B2C9BD1}"/>
-              </a:ext>
-            </a:extLst>
-          </p:cNvPr>
-          <p:cNvCxnSpPr>
-            <a:cxnSpLocks/>
-            <a:stCxn id="24" idx="1"/>
-            <a:endCxn id="13" idx="3"/>
-          </p:cNvCxnSpPr>
-          <p:nvPr/>
-        </p:nvCxnSpPr>
-        <p:spPr>
-          <a:xfrm rot="10800000" flipV="1">
-            <a:off x="2641662" y="3366699"/>
-            <a:ext cx="319230" cy="12700"/>
-          </a:xfrm>
-          <a:prstGeom prst="curvedConnector3">
-            <a:avLst>
-              <a:gd name="adj1" fmla="val 50000"/>
-            </a:avLst>
-          </a:prstGeom>
-          <a:ln w="12700">
-            <a:solidFill>
-              <a:schemeClr val="accent6"/>
-            </a:solidFill>
-            <a:headEnd type="triangle"/>
-            <a:tailEnd type="triangle"/>
-          </a:ln>
-        </p:spPr>
-        <p:style>
-          <a:lnRef idx="1">
-            <a:schemeClr val="accent1"/>
-          </a:lnRef>
-          <a:fillRef idx="0">
-            <a:schemeClr val="accent1"/>
-          </a:fillRef>
-          <a:effectRef idx="0">
-            <a:schemeClr val="accent1"/>
-          </a:effectRef>
-          <a:fontRef idx="minor">
-            <a:schemeClr val="tx1"/>
-          </a:fontRef>
-        </p:style>
-      </p:cxnSp>
-      <p:cxnSp>
-        <p:nvCxnSpPr>
-          <p:cNvPr id="35" name="Curved Connector 34">
-            <a:extLst>
-              <a:ext uri="{FF2B5EF4-FFF2-40B4-BE49-F238E27FC236}">
-                <a16:creationId xmlns:a16="http://schemas.microsoft.com/office/drawing/2014/main" id="{8848CA43-66EA-C411-71C8-658040C16224}"/>
-              </a:ext>
-            </a:extLst>
-          </p:cNvPr>
-          <p:cNvCxnSpPr>
-            <a:cxnSpLocks/>
-            <a:stCxn id="24" idx="3"/>
-            <a:endCxn id="7" idx="1"/>
-          </p:cNvCxnSpPr>
-          <p:nvPr/>
-        </p:nvCxnSpPr>
-        <p:spPr>
-          <a:xfrm flipV="1">
-            <a:off x="4369523" y="3244747"/>
-            <a:ext cx="617204" cy="121952"/>
-          </a:xfrm>
-          <a:prstGeom prst="curvedConnector3">
-            <a:avLst>
-              <a:gd name="adj1" fmla="val 50000"/>
-            </a:avLst>
-          </a:prstGeom>
-          <a:ln w="12700">
-            <a:solidFill>
-              <a:schemeClr val="accent1"/>
-            </a:solidFill>
-            <a:headEnd type="none"/>
-            <a:tailEnd type="triangle"/>
-          </a:ln>
-        </p:spPr>
-        <p:style>
-          <a:lnRef idx="1">
-            <a:schemeClr val="accent1"/>
-          </a:lnRef>
-          <a:fillRef idx="0">
-            <a:schemeClr val="accent1"/>
-          </a:fillRef>
-          <a:effectRef idx="0">
-            <a:schemeClr val="accent1"/>
-          </a:effectRef>
-          <a:fontRef idx="minor">
-            <a:schemeClr val="tx1"/>
-          </a:fontRef>
-        </p:style>
-      </p:cxnSp>
-      <p:sp>
-        <p:nvSpPr>
-          <p:cNvPr id="38" name="Rounded Rectangle 37">
-            <a:extLst>
-              <a:ext uri="{FF2B5EF4-FFF2-40B4-BE49-F238E27FC236}">
-                <a16:creationId xmlns:a16="http://schemas.microsoft.com/office/drawing/2014/main" id="{D5959DC2-565B-F131-B387-FE39A5D62FF2}"/>
-              </a:ext>
-            </a:extLst>
-          </p:cNvPr>
-          <p:cNvSpPr/>
-          <p:nvPr/>
-        </p:nvSpPr>
-        <p:spPr>
-          <a:xfrm>
-            <a:off x="7610272" y="967906"/>
-            <a:ext cx="2004577" cy="880673"/>
-          </a:xfrm>
-          <a:prstGeom prst="roundRect">
-            <a:avLst>
-              <a:gd name="adj" fmla="val 50000"/>
-            </a:avLst>
-          </a:prstGeom>
-          <a:noFill/>
-          <a:ln w="38100">
-            <a:solidFill>
-              <a:schemeClr val="tx1">
-                <a:lumMod val="75000"/>
-                <a:lumOff val="25000"/>
-              </a:schemeClr>
-            </a:solidFill>
-          </a:ln>
-        </p:spPr>
-        <p:style>
-          <a:lnRef idx="2">
-            <a:schemeClr val="accent1">
-              <a:shade val="15000"/>
-            </a:schemeClr>
-          </a:lnRef>
-          <a:fillRef idx="1">
-            <a:schemeClr val="accent1"/>
-          </a:fillRef>
-          <a:effectRef idx="0">
-            <a:schemeClr val="accent1"/>
-          </a:effectRef>
-          <a:fontRef idx="minor">
-            <a:schemeClr val="lt1"/>
-          </a:fontRef>
-        </p:style>
-        <p:txBody>
-          <a:bodyPr rtlCol="0" anchor="ctr"/>
-          <a:lstStyle/>
-          <a:p>
-            <a:pPr algn="ctr"/>
-            <a:r>
-              <a:rPr lang="en-CH" dirty="0">
-                <a:solidFill>
-                  <a:schemeClr val="tx1"/>
-                </a:solidFill>
-              </a:rPr>
-              <a:t>Staircase </a:t>
-            </a:r>
-            <a:br>
-              <a:rPr lang="en-CH" dirty="0">
-                <a:solidFill>
-                  <a:schemeClr val="tx1"/>
-                </a:solidFill>
-              </a:rPr>
-            </a:br>
-            <a:r>
-              <a:rPr lang="en-CH" dirty="0">
-                <a:solidFill>
-                  <a:schemeClr val="tx1"/>
-                </a:solidFill>
-              </a:rPr>
-              <a:t>(up)</a:t>
-            </a:r>
-          </a:p>
-        </p:txBody>
-      </p:sp>
-      <p:cxnSp>
-        <p:nvCxnSpPr>
-          <p:cNvPr id="39" name="Curved Connector 38">
-            <a:extLst>
-              <a:ext uri="{FF2B5EF4-FFF2-40B4-BE49-F238E27FC236}">
-                <a16:creationId xmlns:a16="http://schemas.microsoft.com/office/drawing/2014/main" id="{8A5CA998-8232-4735-3FCD-C2C26FB9ECDF}"/>
-              </a:ext>
-            </a:extLst>
-          </p:cNvPr>
-          <p:cNvCxnSpPr>
-            <a:cxnSpLocks/>
-            <a:stCxn id="64" idx="2"/>
-            <a:endCxn id="8" idx="0"/>
-          </p:cNvCxnSpPr>
-          <p:nvPr/>
-        </p:nvCxnSpPr>
-        <p:spPr>
-          <a:xfrm rot="16200000" flipH="1">
-            <a:off x="7107613" y="911749"/>
-            <a:ext cx="453858" cy="2556038"/>
-          </a:xfrm>
-          <a:prstGeom prst="curvedConnector3">
-            <a:avLst>
-              <a:gd name="adj1" fmla="val 50000"/>
-            </a:avLst>
-          </a:prstGeom>
-          <a:ln w="12700">
-            <a:solidFill>
-              <a:schemeClr val="accent6"/>
-            </a:solidFill>
-            <a:headEnd type="triangle"/>
-            <a:tailEnd type="triangle"/>
-          </a:ln>
-        </p:spPr>
-        <p:style>
-          <a:lnRef idx="1">
-            <a:schemeClr val="accent1"/>
-          </a:lnRef>
-          <a:fillRef idx="0">
-            <a:schemeClr val="accent1"/>
-          </a:fillRef>
-          <a:effectRef idx="0">
-            <a:schemeClr val="accent1"/>
-          </a:effectRef>
-          <a:fontRef idx="minor">
-            <a:schemeClr val="tx1"/>
-          </a:fontRef>
-        </p:style>
-      </p:cxnSp>
-      <p:cxnSp>
-        <p:nvCxnSpPr>
-          <p:cNvPr id="42" name="Curved Connector 41">
-            <a:extLst>
-              <a:ext uri="{FF2B5EF4-FFF2-40B4-BE49-F238E27FC236}">
-                <a16:creationId xmlns:a16="http://schemas.microsoft.com/office/drawing/2014/main" id="{092ED96C-27BE-9367-068B-B6D59C3D1DD1}"/>
-              </a:ext>
-            </a:extLst>
-          </p:cNvPr>
-          <p:cNvCxnSpPr>
-            <a:cxnSpLocks/>
-            <a:stCxn id="38" idx="2"/>
-            <a:endCxn id="15" idx="0"/>
-          </p:cNvCxnSpPr>
-          <p:nvPr/>
-        </p:nvCxnSpPr>
-        <p:spPr>
-          <a:xfrm rot="16200000" flipH="1">
-            <a:off x="9533291" y="927848"/>
-            <a:ext cx="568118" cy="2409579"/>
-          </a:xfrm>
-          <a:prstGeom prst="curvedConnector3">
-            <a:avLst>
-              <a:gd name="adj1" fmla="val 50000"/>
-            </a:avLst>
-          </a:prstGeom>
-          <a:ln w="12700">
-            <a:solidFill>
-              <a:schemeClr val="accent6"/>
-            </a:solidFill>
-            <a:headEnd type="triangle"/>
-            <a:tailEnd type="none"/>
-          </a:ln>
-        </p:spPr>
-        <p:style>
-          <a:lnRef idx="1">
-            <a:schemeClr val="accent1"/>
-          </a:lnRef>
-          <a:fillRef idx="0">
-            <a:schemeClr val="accent1"/>
-          </a:fillRef>
-          <a:effectRef idx="0">
-            <a:schemeClr val="accent1"/>
-          </a:effectRef>
-          <a:fontRef idx="minor">
-            <a:schemeClr val="tx1"/>
-          </a:fontRef>
-        </p:style>
-      </p:cxnSp>
-      <p:cxnSp>
-        <p:nvCxnSpPr>
-          <p:cNvPr id="48" name="Curved Connector 47">
-            <a:extLst>
-              <a:ext uri="{FF2B5EF4-FFF2-40B4-BE49-F238E27FC236}">
-                <a16:creationId xmlns:a16="http://schemas.microsoft.com/office/drawing/2014/main" id="{AC48ECDB-8965-EE76-4126-6481C04760FE}"/>
-              </a:ext>
-            </a:extLst>
-          </p:cNvPr>
-          <p:cNvCxnSpPr>
-            <a:cxnSpLocks/>
-            <a:stCxn id="8" idx="2"/>
-            <a:endCxn id="24" idx="2"/>
-          </p:cNvCxnSpPr>
-          <p:nvPr/>
-        </p:nvCxnSpPr>
-        <p:spPr>
-          <a:xfrm rot="5400000" flipH="1">
-            <a:off x="5820031" y="1524172"/>
-            <a:ext cx="637707" cy="4947353"/>
-          </a:xfrm>
-          <a:prstGeom prst="curvedConnector3">
-            <a:avLst>
-              <a:gd name="adj1" fmla="val -35847"/>
-            </a:avLst>
-          </a:prstGeom>
-          <a:ln w="12700">
-            <a:solidFill>
-              <a:schemeClr val="accent6"/>
-            </a:solidFill>
-            <a:headEnd type="triangle"/>
-            <a:tailEnd type="triangle"/>
-          </a:ln>
-        </p:spPr>
-        <p:style>
-          <a:lnRef idx="1">
-            <a:schemeClr val="accent1"/>
-          </a:lnRef>
-          <a:fillRef idx="0">
-            <a:schemeClr val="accent1"/>
-          </a:fillRef>
-          <a:effectRef idx="0">
-            <a:schemeClr val="accent1"/>
-          </a:effectRef>
-          <a:fontRef idx="minor">
-            <a:schemeClr val="tx1"/>
-          </a:fontRef>
-        </p:style>
-      </p:cxnSp>
-      <p:sp>
-        <p:nvSpPr>
-          <p:cNvPr id="51" name="Rounded Rectangle 50">
-            <a:extLst>
-              <a:ext uri="{FF2B5EF4-FFF2-40B4-BE49-F238E27FC236}">
-                <a16:creationId xmlns:a16="http://schemas.microsoft.com/office/drawing/2014/main" id="{FBCB521D-30DB-959D-3731-B96520CC0EE8}"/>
-              </a:ext>
-            </a:extLst>
-          </p:cNvPr>
-          <p:cNvSpPr/>
-          <p:nvPr/>
-        </p:nvSpPr>
-        <p:spPr>
-          <a:xfrm>
-            <a:off x="2291889" y="5393947"/>
-            <a:ext cx="2004577" cy="880673"/>
-          </a:xfrm>
-          <a:prstGeom prst="roundRect">
-            <a:avLst/>
-          </a:prstGeom>
-          <a:noFill/>
-          <a:ln w="38100">
-            <a:solidFill>
-              <a:schemeClr val="tx1">
-                <a:lumMod val="75000"/>
-                <a:lumOff val="25000"/>
-              </a:schemeClr>
-            </a:solidFill>
-          </a:ln>
-        </p:spPr>
-        <p:style>
-          <a:lnRef idx="2">
-            <a:schemeClr val="accent1">
-              <a:shade val="15000"/>
-            </a:schemeClr>
-          </a:lnRef>
-          <a:fillRef idx="1">
-            <a:schemeClr val="accent1"/>
-          </a:fillRef>
-          <a:effectRef idx="0">
-            <a:schemeClr val="accent1"/>
-          </a:effectRef>
-          <a:fontRef idx="minor">
-            <a:schemeClr val="lt1"/>
-          </a:fontRef>
-        </p:style>
-        <p:txBody>
-          <a:bodyPr rtlCol="0" anchor="ctr"/>
-          <a:lstStyle/>
-          <a:p>
-            <a:pPr algn="ctr"/>
-            <a:r>
-              <a:rPr lang="en-CH" dirty="0">
-                <a:solidFill>
-                  <a:schemeClr val="tx1"/>
-                </a:solidFill>
-              </a:rPr>
-              <a:t>RO’s Room</a:t>
-            </a:r>
-            <a:br>
-              <a:rPr lang="en-CH" dirty="0">
-                <a:solidFill>
-                  <a:schemeClr val="tx1"/>
-                </a:solidFill>
-              </a:rPr>
-            </a:br>
-            <a:r>
-              <a:rPr lang="en-CH" dirty="0">
-                <a:solidFill>
-                  <a:schemeClr val="tx1"/>
-                </a:solidFill>
-              </a:rPr>
-              <a:t>(EO’s old Room)</a:t>
-            </a:r>
-          </a:p>
-        </p:txBody>
-      </p:sp>
-      <p:sp>
-        <p:nvSpPr>
-          <p:cNvPr id="52" name="Rounded Rectangle 51">
-            <a:extLst>
-              <a:ext uri="{FF2B5EF4-FFF2-40B4-BE49-F238E27FC236}">
-                <a16:creationId xmlns:a16="http://schemas.microsoft.com/office/drawing/2014/main" id="{38346E9C-507F-126F-A36B-D2B2C75A9B58}"/>
-              </a:ext>
-            </a:extLst>
-          </p:cNvPr>
-          <p:cNvSpPr/>
-          <p:nvPr/>
-        </p:nvSpPr>
-        <p:spPr>
-          <a:xfrm>
-            <a:off x="4774813" y="5393946"/>
-            <a:ext cx="2004577" cy="880673"/>
-          </a:xfrm>
-          <a:prstGeom prst="roundRect">
-            <a:avLst/>
-          </a:prstGeom>
-          <a:noFill/>
-          <a:ln w="38100">
-            <a:solidFill>
-              <a:schemeClr val="tx1">
-                <a:lumMod val="75000"/>
-                <a:lumOff val="25000"/>
-              </a:schemeClr>
-            </a:solidFill>
-          </a:ln>
-        </p:spPr>
-        <p:style>
-          <a:lnRef idx="2">
-            <a:schemeClr val="accent1">
-              <a:shade val="15000"/>
-            </a:schemeClr>
-          </a:lnRef>
-          <a:fillRef idx="1">
-            <a:schemeClr val="accent1"/>
-          </a:fillRef>
-          <a:effectRef idx="0">
-            <a:schemeClr val="accent1"/>
-          </a:effectRef>
-          <a:fontRef idx="minor">
-            <a:schemeClr val="lt1"/>
-          </a:fontRef>
-        </p:style>
-        <p:txBody>
-          <a:bodyPr rtlCol="0" anchor="ctr"/>
-          <a:lstStyle/>
-          <a:p>
-            <a:pPr algn="ctr"/>
-            <a:r>
-              <a:rPr lang="en-CH" dirty="0">
-                <a:solidFill>
-                  <a:schemeClr val="tx1"/>
-                </a:solidFill>
-              </a:rPr>
-              <a:t>SO’s Room</a:t>
-            </a:r>
-            <a:br>
-              <a:rPr lang="en-CH" dirty="0">
-                <a:solidFill>
-                  <a:schemeClr val="tx1"/>
-                </a:solidFill>
-              </a:rPr>
-            </a:br>
-            <a:r>
-              <a:rPr lang="en-CH" dirty="0">
-                <a:solidFill>
-                  <a:schemeClr val="tx1"/>
-                </a:solidFill>
-              </a:rPr>
-              <a:t>(RO’s old Room)</a:t>
-            </a:r>
-          </a:p>
-        </p:txBody>
-      </p:sp>
-      <p:sp>
-        <p:nvSpPr>
-          <p:cNvPr id="53" name="Rounded Rectangle 52">
-            <a:extLst>
-              <a:ext uri="{FF2B5EF4-FFF2-40B4-BE49-F238E27FC236}">
-                <a16:creationId xmlns:a16="http://schemas.microsoft.com/office/drawing/2014/main" id="{3D37D9D3-C9A4-8D1A-431A-FC863133DFEC}"/>
-              </a:ext>
-            </a:extLst>
-          </p:cNvPr>
-          <p:cNvSpPr/>
-          <p:nvPr/>
-        </p:nvSpPr>
-        <p:spPr>
-          <a:xfrm>
-            <a:off x="7391043" y="5393945"/>
-            <a:ext cx="2004577" cy="880673"/>
-          </a:xfrm>
-          <a:prstGeom prst="roundRect">
-            <a:avLst/>
-          </a:prstGeom>
-          <a:noFill/>
-          <a:ln w="38100">
-            <a:solidFill>
-              <a:schemeClr val="tx1">
-                <a:lumMod val="75000"/>
-                <a:lumOff val="25000"/>
-              </a:schemeClr>
-            </a:solidFill>
-          </a:ln>
-        </p:spPr>
-        <p:style>
-          <a:lnRef idx="2">
-            <a:schemeClr val="accent1">
-              <a:shade val="15000"/>
-            </a:schemeClr>
-          </a:lnRef>
-          <a:fillRef idx="1">
-            <a:schemeClr val="accent1"/>
-          </a:fillRef>
-          <a:effectRef idx="0">
-            <a:schemeClr val="accent1"/>
-          </a:effectRef>
-          <a:fontRef idx="minor">
-            <a:schemeClr val="lt1"/>
-          </a:fontRef>
-        </p:style>
-        <p:txBody>
-          <a:bodyPr rtlCol="0" anchor="ctr"/>
-          <a:lstStyle/>
-          <a:p>
-            <a:pPr algn="ctr"/>
-            <a:r>
-              <a:rPr lang="en-CH" dirty="0">
-                <a:solidFill>
-                  <a:schemeClr val="tx1"/>
-                </a:solidFill>
-              </a:rPr>
-              <a:t>LO’s Room</a:t>
-            </a:r>
-          </a:p>
-        </p:txBody>
-      </p:sp>
-      <p:cxnSp>
-        <p:nvCxnSpPr>
-          <p:cNvPr id="54" name="Curved Connector 53">
-            <a:extLst>
-              <a:ext uri="{FF2B5EF4-FFF2-40B4-BE49-F238E27FC236}">
-                <a16:creationId xmlns:a16="http://schemas.microsoft.com/office/drawing/2014/main" id="{AAAD44A2-DDD1-582F-B2ED-19DDC36DD10C}"/>
-              </a:ext>
-            </a:extLst>
-          </p:cNvPr>
-          <p:cNvCxnSpPr>
-            <a:cxnSpLocks/>
-            <a:stCxn id="51" idx="0"/>
-            <a:endCxn id="24" idx="2"/>
-          </p:cNvCxnSpPr>
-          <p:nvPr/>
-        </p:nvCxnSpPr>
-        <p:spPr>
-          <a:xfrm rot="5400000" flipH="1" flipV="1">
-            <a:off x="2622217" y="4350956"/>
-            <a:ext cx="1714953" cy="371030"/>
-          </a:xfrm>
-          <a:prstGeom prst="curvedConnector3">
-            <a:avLst>
-              <a:gd name="adj1" fmla="val 50000"/>
-            </a:avLst>
-          </a:prstGeom>
-          <a:ln w="12700">
-            <a:solidFill>
-              <a:schemeClr val="accent2"/>
-            </a:solidFill>
-            <a:headEnd type="triangle"/>
-            <a:tailEnd type="triangle"/>
-          </a:ln>
-        </p:spPr>
-        <p:style>
-          <a:lnRef idx="1">
-            <a:schemeClr val="accent1"/>
-          </a:lnRef>
-          <a:fillRef idx="0">
-            <a:schemeClr val="accent1"/>
-          </a:fillRef>
-          <a:effectRef idx="0">
-            <a:schemeClr val="accent1"/>
-          </a:effectRef>
-          <a:fontRef idx="minor">
-            <a:schemeClr val="tx1"/>
-          </a:fontRef>
-        </p:style>
-      </p:cxnSp>
-      <p:cxnSp>
-        <p:nvCxnSpPr>
-          <p:cNvPr id="57" name="Curved Connector 56">
-            <a:extLst>
-              <a:ext uri="{FF2B5EF4-FFF2-40B4-BE49-F238E27FC236}">
-                <a16:creationId xmlns:a16="http://schemas.microsoft.com/office/drawing/2014/main" id="{A5F53B61-B5A5-8D01-31BF-D0A1AA877D14}"/>
-              </a:ext>
-            </a:extLst>
-          </p:cNvPr>
-          <p:cNvCxnSpPr>
-            <a:cxnSpLocks/>
-            <a:stCxn id="24" idx="2"/>
-            <a:endCxn id="52" idx="0"/>
-          </p:cNvCxnSpPr>
-          <p:nvPr/>
-        </p:nvCxnSpPr>
-        <p:spPr>
-          <a:xfrm rot="16200000" flipH="1">
-            <a:off x="3863679" y="3480523"/>
-            <a:ext cx="1714952" cy="2111894"/>
-          </a:xfrm>
-          <a:prstGeom prst="curvedConnector3">
-            <a:avLst>
-              <a:gd name="adj1" fmla="val 50000"/>
-            </a:avLst>
-          </a:prstGeom>
-          <a:ln w="12700">
-            <a:solidFill>
-              <a:schemeClr val="accent2"/>
-            </a:solidFill>
-            <a:headEnd type="triangle"/>
-            <a:tailEnd type="triangle"/>
-          </a:ln>
-        </p:spPr>
-        <p:style>
-          <a:lnRef idx="1">
-            <a:schemeClr val="accent1"/>
-          </a:lnRef>
-          <a:fillRef idx="0">
-            <a:schemeClr val="accent1"/>
-          </a:fillRef>
-          <a:effectRef idx="0">
-            <a:schemeClr val="accent1"/>
-          </a:effectRef>
-          <a:fontRef idx="minor">
-            <a:schemeClr val="tx1"/>
-          </a:fontRef>
-        </p:style>
-      </p:cxnSp>
-      <p:cxnSp>
-        <p:nvCxnSpPr>
-          <p:cNvPr id="60" name="Curved Connector 59">
-            <a:extLst>
-              <a:ext uri="{FF2B5EF4-FFF2-40B4-BE49-F238E27FC236}">
-                <a16:creationId xmlns:a16="http://schemas.microsoft.com/office/drawing/2014/main" id="{AD7FCB3C-67D3-3451-582C-B248EC2A233C}"/>
-              </a:ext>
-            </a:extLst>
-          </p:cNvPr>
-          <p:cNvCxnSpPr>
-            <a:cxnSpLocks/>
-            <a:stCxn id="53" idx="0"/>
-            <a:endCxn id="24" idx="2"/>
-          </p:cNvCxnSpPr>
-          <p:nvPr/>
-        </p:nvCxnSpPr>
-        <p:spPr>
-          <a:xfrm rot="16200000" flipV="1">
-            <a:off x="5171795" y="2172408"/>
-            <a:ext cx="1714951" cy="4728124"/>
-          </a:xfrm>
-          <a:prstGeom prst="curvedConnector3">
-            <a:avLst>
-              <a:gd name="adj1" fmla="val 50000"/>
-            </a:avLst>
-          </a:prstGeom>
-          <a:ln w="12700">
-            <a:solidFill>
-              <a:schemeClr val="accent2"/>
-            </a:solidFill>
-            <a:headEnd type="triangle"/>
-            <a:tailEnd type="triangle"/>
-          </a:ln>
-        </p:spPr>
-        <p:style>
-          <a:lnRef idx="1">
-            <a:schemeClr val="accent1"/>
-          </a:lnRef>
-          <a:fillRef idx="0">
-            <a:schemeClr val="accent1"/>
-          </a:fillRef>
-          <a:effectRef idx="0">
-            <a:schemeClr val="accent1"/>
-          </a:effectRef>
-          <a:fontRef idx="minor">
-            <a:schemeClr val="tx1"/>
-          </a:fontRef>
-        </p:style>
-      </p:cxnSp>
-      <p:sp>
-        <p:nvSpPr>
-          <p:cNvPr id="64" name="Rounded Rectangle 63">
-            <a:extLst>
-              <a:ext uri="{FF2B5EF4-FFF2-40B4-BE49-F238E27FC236}">
-                <a16:creationId xmlns:a16="http://schemas.microsoft.com/office/drawing/2014/main" id="{11F005EC-B57A-A38E-643E-13423D86D9FD}"/>
-              </a:ext>
-            </a:extLst>
-          </p:cNvPr>
-          <p:cNvSpPr/>
-          <p:nvPr/>
-        </p:nvSpPr>
-        <p:spPr>
-          <a:xfrm>
-            <a:off x="5054234" y="1082166"/>
-            <a:ext cx="2004577" cy="880673"/>
-          </a:xfrm>
-          <a:prstGeom prst="roundRect">
-            <a:avLst>
-              <a:gd name="adj" fmla="val 50000"/>
-            </a:avLst>
-          </a:prstGeom>
-          <a:noFill/>
-          <a:ln w="38100">
-            <a:solidFill>
-              <a:schemeClr val="tx1">
-                <a:lumMod val="75000"/>
-                <a:lumOff val="25000"/>
-              </a:schemeClr>
-            </a:solidFill>
-          </a:ln>
-        </p:spPr>
-        <p:style>
-          <a:lnRef idx="2">
-            <a:schemeClr val="accent1">
-              <a:shade val="15000"/>
-            </a:schemeClr>
-          </a:lnRef>
-          <a:fillRef idx="1">
-            <a:schemeClr val="accent1"/>
-          </a:fillRef>
-          <a:effectRef idx="0">
-            <a:schemeClr val="accent1"/>
-          </a:effectRef>
-          <a:fontRef idx="minor">
-            <a:schemeClr val="lt1"/>
-          </a:fontRef>
-        </p:style>
-        <p:txBody>
-          <a:bodyPr rtlCol="0" anchor="ctr"/>
-          <a:lstStyle/>
-          <a:p>
-            <a:pPr algn="ctr"/>
-            <a:r>
-              <a:rPr lang="en-CH" dirty="0">
-                <a:solidFill>
-                  <a:schemeClr val="tx1"/>
-                </a:solidFill>
-              </a:rPr>
-              <a:t>Down to Pond</a:t>
-            </a:r>
-          </a:p>
-        </p:txBody>
-      </p:sp>
-      <p:cxnSp>
-        <p:nvCxnSpPr>
-          <p:cNvPr id="66" name="Curved Connector 65">
-            <a:extLst>
-              <a:ext uri="{FF2B5EF4-FFF2-40B4-BE49-F238E27FC236}">
-                <a16:creationId xmlns:a16="http://schemas.microsoft.com/office/drawing/2014/main" id="{40555FAD-04F5-D990-A0B0-8FE757C57ADD}"/>
-              </a:ext>
-            </a:extLst>
-          </p:cNvPr>
-          <p:cNvCxnSpPr>
-            <a:cxnSpLocks/>
-            <a:stCxn id="64" idx="1"/>
-            <a:endCxn id="14" idx="3"/>
-          </p:cNvCxnSpPr>
-          <p:nvPr/>
-        </p:nvCxnSpPr>
-        <p:spPr>
-          <a:xfrm rot="10800000">
-            <a:off x="4578670" y="1480749"/>
-            <a:ext cx="475565" cy="41754"/>
-          </a:xfrm>
-          <a:prstGeom prst="curvedConnector3">
-            <a:avLst>
-              <a:gd name="adj1" fmla="val 50000"/>
-            </a:avLst>
-          </a:prstGeom>
-          <a:ln w="12700">
-            <a:solidFill>
-              <a:schemeClr val="accent6"/>
-            </a:solidFill>
-            <a:headEnd type="triangle"/>
-            <a:tailEnd type="triangle"/>
-          </a:ln>
-        </p:spPr>
-        <p:style>
-          <a:lnRef idx="1">
-            <a:schemeClr val="accent1"/>
-          </a:lnRef>
-          <a:fillRef idx="0">
-            <a:schemeClr val="accent1"/>
-          </a:fillRef>
-          <a:effectRef idx="0">
-            <a:schemeClr val="accent1"/>
-          </a:effectRef>
-          <a:fontRef idx="minor">
-            <a:schemeClr val="tx1"/>
-          </a:fontRef>
-        </p:style>
-      </p:cxnSp>
-      <p:cxnSp>
-        <p:nvCxnSpPr>
-          <p:cNvPr id="69" name="Curved Connector 68">
-            <a:extLst>
-              <a:ext uri="{FF2B5EF4-FFF2-40B4-BE49-F238E27FC236}">
-                <a16:creationId xmlns:a16="http://schemas.microsoft.com/office/drawing/2014/main" id="{593519A6-EC83-65D7-FFFD-40D2C97B2DD7}"/>
-              </a:ext>
-            </a:extLst>
-          </p:cNvPr>
-          <p:cNvCxnSpPr>
-            <a:cxnSpLocks/>
-            <a:stCxn id="64" idx="3"/>
-            <a:endCxn id="38" idx="1"/>
-          </p:cNvCxnSpPr>
-          <p:nvPr/>
-        </p:nvCxnSpPr>
-        <p:spPr>
-          <a:xfrm flipV="1">
-            <a:off x="7058811" y="1408243"/>
-            <a:ext cx="551461" cy="114260"/>
-          </a:xfrm>
-          <a:prstGeom prst="curvedConnector3">
-            <a:avLst>
-              <a:gd name="adj1" fmla="val 50000"/>
-            </a:avLst>
-          </a:prstGeom>
-          <a:ln w="12700">
-            <a:solidFill>
-              <a:schemeClr val="accent6"/>
-            </a:solidFill>
-            <a:headEnd type="triangle"/>
-            <a:tailEnd type="triangle"/>
-          </a:ln>
-        </p:spPr>
-        <p:style>
-          <a:lnRef idx="1">
-            <a:schemeClr val="accent1"/>
-          </a:lnRef>
-          <a:fillRef idx="0">
-            <a:schemeClr val="accent1"/>
-          </a:fillRef>
-          <a:effectRef idx="0">
-            <a:schemeClr val="accent1"/>
-          </a:effectRef>
-          <a:fontRef idx="minor">
-            <a:schemeClr val="tx1"/>
-          </a:fontRef>
-        </p:style>
-      </p:cxnSp>
-      <p:cxnSp>
-        <p:nvCxnSpPr>
-          <p:cNvPr id="86" name="Curved Connector 85">
-            <a:extLst>
-              <a:ext uri="{FF2B5EF4-FFF2-40B4-BE49-F238E27FC236}">
-                <a16:creationId xmlns:a16="http://schemas.microsoft.com/office/drawing/2014/main" id="{9253C407-4674-19E9-5AFE-F8FC96E94F64}"/>
-              </a:ext>
-            </a:extLst>
-          </p:cNvPr>
-          <p:cNvCxnSpPr>
-            <a:cxnSpLocks/>
-            <a:stCxn id="8" idx="1"/>
-            <a:endCxn id="11" idx="3"/>
-          </p:cNvCxnSpPr>
-          <p:nvPr/>
-        </p:nvCxnSpPr>
-        <p:spPr>
-          <a:xfrm rot="10800000">
-            <a:off x="7205271" y="3276759"/>
-            <a:ext cx="298018" cy="89940"/>
-          </a:xfrm>
-          <a:prstGeom prst="curvedConnector3">
-            <a:avLst>
-              <a:gd name="adj1" fmla="val 50000"/>
-            </a:avLst>
-          </a:prstGeom>
-          <a:ln w="12700">
-            <a:solidFill>
-              <a:schemeClr val="accent1"/>
-            </a:solidFill>
-            <a:headEnd type="none"/>
-            <a:tailEnd type="triangle"/>
-          </a:ln>
-        </p:spPr>
-        <p:style>
-          <a:lnRef idx="1">
-            <a:schemeClr val="accent1"/>
-          </a:lnRef>
-          <a:fillRef idx="0">
-            <a:schemeClr val="accent1"/>
-          </a:fillRef>
-          <a:effectRef idx="0">
-            <a:schemeClr val="accent1"/>
-          </a:effectRef>
-          <a:fontRef idx="minor">
-            <a:schemeClr val="tx1"/>
-          </a:fontRef>
-        </p:style>
-      </p:cxnSp>
-      <p:sp>
-        <p:nvSpPr>
-          <p:cNvPr id="2" name="TextBox 1">
-            <a:extLst>
-              <a:ext uri="{FF2B5EF4-FFF2-40B4-BE49-F238E27FC236}">
-                <a16:creationId xmlns:a16="http://schemas.microsoft.com/office/drawing/2014/main" id="{BE40535B-384D-3EB7-F294-B6349E2F3130}"/>
-              </a:ext>
-            </a:extLst>
-          </p:cNvPr>
-          <p:cNvSpPr txBox="1"/>
-          <p:nvPr/>
-        </p:nvSpPr>
-        <p:spPr>
-          <a:xfrm>
-            <a:off x="9432757" y="1909011"/>
-            <a:ext cx="1172116" cy="246221"/>
+            <a:off x="0" y="277793"/>
+            <a:ext cx="1999073" cy="369332"/>
           </a:xfrm>
           <a:prstGeom prst="rect">
             <a:avLst/>
@@ -8277,193 +8035,32 @@
           <a:lstStyle/>
           <a:p>
             <a:r>
-              <a:rPr lang="en-CH" sz="1000" dirty="0"/>
-              <a:t>rubbles -&gt; one way</a:t>
-            </a:r>
-          </a:p>
-        </p:txBody>
-      </p:sp>
-    </p:spTree>
-    <p:extLst>
-      <p:ext uri="{BB962C8B-B14F-4D97-AF65-F5344CB8AC3E}">
-        <p14:creationId xmlns:p14="http://schemas.microsoft.com/office/powerpoint/2010/main" val="225788775"/>
-      </p:ext>
-    </p:extLst>
-  </p:cSld>
-  <p:clrMapOvr>
-    <a:masterClrMapping/>
-  </p:clrMapOvr>
-</p:sld>
-</file>
-
-<file path=ppt/slides/slide6.xml><?xml version="1.0" encoding="utf-8"?>
-<p:sld xmlns:a="http://schemas.openxmlformats.org/drawingml/2006/main" xmlns:r="http://schemas.openxmlformats.org/officeDocument/2006/relationships" xmlns:p="http://schemas.openxmlformats.org/presentationml/2006/main">
-  <p:cSld>
-    <p:spTree>
-      <p:nvGrpSpPr>
-        <p:cNvPr id="1" name=""/>
-        <p:cNvGrpSpPr/>
-        <p:nvPr/>
-      </p:nvGrpSpPr>
-      <p:grpSpPr>
-        <a:xfrm>
-          <a:off x="0" y="0"/>
-          <a:ext cx="0" cy="0"/>
-          <a:chOff x="0" y="0"/>
-          <a:chExt cx="0" cy="0"/>
-        </a:xfrm>
-      </p:grpSpPr>
-      <p:sp>
-        <p:nvSpPr>
-          <p:cNvPr id="7" name="Rounded Rectangle 6">
-            <a:extLst>
-              <a:ext uri="{FF2B5EF4-FFF2-40B4-BE49-F238E27FC236}">
-                <a16:creationId xmlns:a16="http://schemas.microsoft.com/office/drawing/2014/main" id="{364A5F9B-9179-9D20-5939-F794AB82689D}"/>
-              </a:ext>
-            </a:extLst>
-          </p:cNvPr>
-          <p:cNvSpPr/>
-          <p:nvPr/>
-        </p:nvSpPr>
-        <p:spPr>
-          <a:xfrm>
-            <a:off x="4986727" y="2294745"/>
-            <a:ext cx="2218544" cy="1900004"/>
-          </a:xfrm>
-          <a:prstGeom prst="roundRect">
-            <a:avLst/>
-          </a:prstGeom>
-          <a:noFill/>
-          <a:ln w="38100">
-            <a:solidFill>
-              <a:schemeClr val="tx1">
-                <a:lumMod val="75000"/>
-                <a:lumOff val="25000"/>
-              </a:schemeClr>
-            </a:solidFill>
-          </a:ln>
-        </p:spPr>
-        <p:style>
-          <a:lnRef idx="2">
-            <a:schemeClr val="accent1">
-              <a:shade val="15000"/>
-            </a:schemeClr>
-          </a:lnRef>
-          <a:fillRef idx="1">
-            <a:schemeClr val="accent1"/>
-          </a:fillRef>
-          <a:effectRef idx="0">
-            <a:schemeClr val="accent1"/>
-          </a:effectRef>
-          <a:fontRef idx="minor">
-            <a:schemeClr val="lt1"/>
-          </a:fontRef>
-        </p:style>
-        <p:txBody>
-          <a:bodyPr rtlCol="0" anchor="ctr"/>
-          <a:lstStyle/>
-          <a:p>
-            <a:pPr algn="ctr"/>
-            <a:r>
               <a:rPr lang="en-CH" dirty="0">
                 <a:solidFill>
-                  <a:schemeClr val="tx1"/>
+                  <a:srgbClr val="FF0000"/>
                 </a:solidFill>
               </a:rPr>
-              <a:t>Pond &amp;</a:t>
-            </a:r>
-          </a:p>
-          <a:p>
-            <a:pPr algn="ctr"/>
-            <a:r>
-              <a:rPr lang="en-CH" dirty="0">
-                <a:solidFill>
-                  <a:schemeClr val="tx1"/>
-                </a:solidFill>
-              </a:rPr>
-              <a:t>Sacred Resting Place</a:t>
-            </a:r>
-          </a:p>
-        </p:txBody>
-      </p:sp>
-      <p:sp>
-        <p:nvSpPr>
-          <p:cNvPr id="9" name="Rounded Rectangle 8">
-            <a:extLst>
-              <a:ext uri="{FF2B5EF4-FFF2-40B4-BE49-F238E27FC236}">
-                <a16:creationId xmlns:a16="http://schemas.microsoft.com/office/drawing/2014/main" id="{66A98567-F047-8185-877B-35B90A013880}"/>
-              </a:ext>
-            </a:extLst>
-          </p:cNvPr>
-          <p:cNvSpPr/>
+              <a:t>NOT IN PROTOTYPE</a:t>
+            </a:r>
+          </a:p>
+        </p:txBody>
+      </p:sp>
+      <p:sp>
+        <p:nvSpPr>
+          <p:cNvPr id="6" name="TextBox 5">
+            <a:extLst>
+              <a:ext uri="{FF2B5EF4-FFF2-40B4-BE49-F238E27FC236}">
+                <a16:creationId xmlns:a16="http://schemas.microsoft.com/office/drawing/2014/main" id="{7B15C2AE-5DF0-B3C4-5960-2B210B9A41F8}"/>
+              </a:ext>
+            </a:extLst>
+          </p:cNvPr>
+          <p:cNvSpPr txBox="1"/>
           <p:nvPr/>
         </p:nvSpPr>
         <p:spPr>
           <a:xfrm>
-            <a:off x="2486760" y="3087973"/>
-            <a:ext cx="1515613" cy="900657"/>
-          </a:xfrm>
-          <a:prstGeom prst="roundRect">
-            <a:avLst/>
-          </a:prstGeom>
-          <a:noFill/>
-          <a:ln w="38100">
-            <a:solidFill>
-              <a:schemeClr val="tx1">
-                <a:lumMod val="75000"/>
-                <a:lumOff val="25000"/>
-              </a:schemeClr>
-            </a:solidFill>
-          </a:ln>
-        </p:spPr>
-        <p:style>
-          <a:lnRef idx="2">
-            <a:schemeClr val="accent1">
-              <a:shade val="15000"/>
-            </a:schemeClr>
-          </a:lnRef>
-          <a:fillRef idx="1">
-            <a:schemeClr val="accent1"/>
-          </a:fillRef>
-          <a:effectRef idx="0">
-            <a:schemeClr val="accent1"/>
-          </a:effectRef>
-          <a:fontRef idx="minor">
-            <a:schemeClr val="lt1"/>
-          </a:fontRef>
-        </p:style>
-        <p:txBody>
-          <a:bodyPr rtlCol="0" anchor="ctr"/>
-          <a:lstStyle/>
-          <a:p>
-            <a:pPr algn="ctr"/>
-            <a:r>
-              <a:rPr lang="en-CH" dirty="0">
-                <a:solidFill>
-                  <a:schemeClr val="tx1"/>
-                </a:solidFill>
-              </a:rPr>
-              <a:t>“Toilets”</a:t>
-            </a:r>
-          </a:p>
-        </p:txBody>
-      </p:sp>
-      <p:sp>
-        <p:nvSpPr>
-          <p:cNvPr id="10" name="TextBox 9">
-            <a:extLst>
-              <a:ext uri="{FF2B5EF4-FFF2-40B4-BE49-F238E27FC236}">
-                <a16:creationId xmlns:a16="http://schemas.microsoft.com/office/drawing/2014/main" id="{094864DE-9C7B-8809-63ED-2309E0C2D82E}"/>
-              </a:ext>
-            </a:extLst>
-          </p:cNvPr>
-          <p:cNvSpPr txBox="1"/>
-          <p:nvPr/>
-        </p:nvSpPr>
-        <p:spPr>
-          <a:xfrm>
-            <a:off x="44974" y="29981"/>
-            <a:ext cx="976549" cy="369332"/>
+            <a:off x="0" y="545941"/>
+            <a:ext cx="1538819" cy="369332"/>
           </a:xfrm>
           <a:prstGeom prst="rect">
             <a:avLst/>
@@ -8477,302 +8074,16 @@
           <a:lstStyle/>
           <a:p>
             <a:r>
-              <a:rPr lang="en-CH" dirty="0"/>
-              <a:t>LEVEL -2</a:t>
-            </a:r>
-          </a:p>
-        </p:txBody>
-      </p:sp>
-      <p:sp>
-        <p:nvSpPr>
-          <p:cNvPr id="2" name="Rectangle 1">
-            <a:extLst>
-              <a:ext uri="{FF2B5EF4-FFF2-40B4-BE49-F238E27FC236}">
-                <a16:creationId xmlns:a16="http://schemas.microsoft.com/office/drawing/2014/main" id="{83A13878-0695-0490-4770-95566932DC9D}"/>
-              </a:ext>
-            </a:extLst>
-          </p:cNvPr>
-          <p:cNvSpPr/>
-          <p:nvPr/>
-        </p:nvSpPr>
-        <p:spPr>
-          <a:xfrm>
-            <a:off x="1228168" y="3678560"/>
-            <a:ext cx="5977103" cy="230399"/>
-          </a:xfrm>
-          <a:prstGeom prst="rect">
-            <a:avLst/>
-          </a:prstGeom>
-        </p:spPr>
-        <p:style>
-          <a:lnRef idx="2">
-            <a:schemeClr val="accent1">
-              <a:shade val="15000"/>
-            </a:schemeClr>
-          </a:lnRef>
-          <a:fillRef idx="1">
-            <a:schemeClr val="accent1"/>
-          </a:fillRef>
-          <a:effectRef idx="0">
-            <a:schemeClr val="accent1"/>
-          </a:effectRef>
-          <a:fontRef idx="minor">
-            <a:schemeClr val="lt1"/>
-          </a:fontRef>
-        </p:style>
-        <p:txBody>
-          <a:bodyPr rtlCol="0" anchor="ctr"/>
-          <a:lstStyle/>
-          <a:p>
-            <a:pPr algn="ctr"/>
-            <a:r>
-              <a:rPr lang="en-CH" dirty="0"/>
-              <a:t>STREAM</a:t>
-            </a:r>
-          </a:p>
-        </p:txBody>
-      </p:sp>
-      <p:sp>
-        <p:nvSpPr>
-          <p:cNvPr id="4" name="Rounded Rectangle 3">
-            <a:extLst>
-              <a:ext uri="{FF2B5EF4-FFF2-40B4-BE49-F238E27FC236}">
-                <a16:creationId xmlns:a16="http://schemas.microsoft.com/office/drawing/2014/main" id="{159488DB-A1D9-5179-8812-E0076D6AE047}"/>
-              </a:ext>
-            </a:extLst>
-          </p:cNvPr>
-          <p:cNvSpPr/>
-          <p:nvPr/>
-        </p:nvSpPr>
-        <p:spPr>
-          <a:xfrm>
-            <a:off x="2242277" y="1636696"/>
-            <a:ext cx="2004577" cy="880673"/>
-          </a:xfrm>
-          <a:prstGeom prst="roundRect">
-            <a:avLst>
-              <a:gd name="adj" fmla="val 50000"/>
-            </a:avLst>
-          </a:prstGeom>
-          <a:noFill/>
-          <a:ln w="38100">
-            <a:solidFill>
-              <a:schemeClr val="tx1">
-                <a:lumMod val="75000"/>
-                <a:lumOff val="25000"/>
-              </a:schemeClr>
-            </a:solidFill>
-          </a:ln>
-        </p:spPr>
-        <p:style>
-          <a:lnRef idx="2">
-            <a:schemeClr val="accent1">
-              <a:shade val="15000"/>
-            </a:schemeClr>
-          </a:lnRef>
-          <a:fillRef idx="1">
-            <a:schemeClr val="accent1"/>
-          </a:fillRef>
-          <a:effectRef idx="0">
-            <a:schemeClr val="accent1"/>
-          </a:effectRef>
-          <a:fontRef idx="minor">
-            <a:schemeClr val="lt1"/>
-          </a:fontRef>
-        </p:style>
-        <p:txBody>
-          <a:bodyPr rtlCol="0" anchor="ctr"/>
-          <a:lstStyle/>
-          <a:p>
-            <a:pPr algn="ctr"/>
-            <a:r>
               <a:rPr lang="en-CH" dirty="0">
                 <a:solidFill>
-                  <a:schemeClr val="tx1"/>
+                  <a:schemeClr val="accent6"/>
                 </a:solidFill>
               </a:rPr>
-              <a:t>Staircase </a:t>
-            </a:r>
-            <a:br>
-              <a:rPr lang="en-CH" dirty="0">
-                <a:solidFill>
-                  <a:schemeClr val="tx1"/>
-                </a:solidFill>
-              </a:rPr>
-            </a:br>
-            <a:r>
-              <a:rPr lang="en-CH" dirty="0">
-                <a:solidFill>
-                  <a:schemeClr val="tx1"/>
-                </a:solidFill>
-              </a:rPr>
-              <a:t>(up)</a:t>
-            </a:r>
-          </a:p>
-        </p:txBody>
-      </p:sp>
-      <p:cxnSp>
-        <p:nvCxnSpPr>
-          <p:cNvPr id="5" name="Curved Connector 4">
-            <a:extLst>
-              <a:ext uri="{FF2B5EF4-FFF2-40B4-BE49-F238E27FC236}">
-                <a16:creationId xmlns:a16="http://schemas.microsoft.com/office/drawing/2014/main" id="{3E46A241-50EF-1E5C-98D5-A9C1729A3528}"/>
-              </a:ext>
-            </a:extLst>
-          </p:cNvPr>
-          <p:cNvCxnSpPr>
-            <a:cxnSpLocks/>
-            <a:stCxn id="9" idx="0"/>
-            <a:endCxn id="4" idx="2"/>
-          </p:cNvCxnSpPr>
-          <p:nvPr/>
-        </p:nvCxnSpPr>
-        <p:spPr>
-          <a:xfrm rot="16200000" flipV="1">
-            <a:off x="2959265" y="2802670"/>
-            <a:ext cx="570604" cy="1"/>
-          </a:xfrm>
-          <a:prstGeom prst="curvedConnector3">
-            <a:avLst>
-              <a:gd name="adj1" fmla="val 50000"/>
-            </a:avLst>
-          </a:prstGeom>
-          <a:ln w="12700">
-            <a:solidFill>
-              <a:schemeClr val="accent6"/>
-            </a:solidFill>
-            <a:headEnd type="triangle"/>
-            <a:tailEnd type="triangle"/>
-          </a:ln>
-        </p:spPr>
-        <p:style>
-          <a:lnRef idx="1">
-            <a:schemeClr val="accent1"/>
-          </a:lnRef>
-          <a:fillRef idx="0">
-            <a:schemeClr val="accent1"/>
-          </a:fillRef>
-          <a:effectRef idx="0">
-            <a:schemeClr val="accent1"/>
-          </a:effectRef>
-          <a:fontRef idx="minor">
-            <a:schemeClr val="tx1"/>
-          </a:fontRef>
-        </p:style>
-      </p:cxnSp>
-      <p:sp>
-        <p:nvSpPr>
-          <p:cNvPr id="12" name="Rounded Rectangle 11">
-            <a:extLst>
-              <a:ext uri="{FF2B5EF4-FFF2-40B4-BE49-F238E27FC236}">
-                <a16:creationId xmlns:a16="http://schemas.microsoft.com/office/drawing/2014/main" id="{03C31F09-E7B6-0DAD-9D63-C9569053485C}"/>
-              </a:ext>
-            </a:extLst>
-          </p:cNvPr>
-          <p:cNvSpPr/>
-          <p:nvPr/>
-        </p:nvSpPr>
-        <p:spPr>
-          <a:xfrm>
-            <a:off x="5093710" y="1082166"/>
-            <a:ext cx="2004577" cy="880673"/>
-          </a:xfrm>
-          <a:prstGeom prst="roundRect">
-            <a:avLst>
-              <a:gd name="adj" fmla="val 50000"/>
-            </a:avLst>
-          </a:prstGeom>
-          <a:noFill/>
-          <a:ln w="38100">
-            <a:solidFill>
-              <a:schemeClr val="tx1">
-                <a:lumMod val="75000"/>
-                <a:lumOff val="25000"/>
-              </a:schemeClr>
-            </a:solidFill>
-          </a:ln>
-        </p:spPr>
-        <p:style>
-          <a:lnRef idx="2">
-            <a:schemeClr val="accent1">
-              <a:shade val="15000"/>
-            </a:schemeClr>
-          </a:lnRef>
-          <a:fillRef idx="1">
-            <a:schemeClr val="accent1"/>
-          </a:fillRef>
-          <a:effectRef idx="0">
-            <a:schemeClr val="accent1"/>
-          </a:effectRef>
-          <a:fontRef idx="minor">
-            <a:schemeClr val="lt1"/>
-          </a:fontRef>
-        </p:style>
-        <p:txBody>
-          <a:bodyPr rtlCol="0" anchor="ctr"/>
-          <a:lstStyle/>
-          <a:p>
-            <a:pPr algn="ctr"/>
-            <a:r>
-              <a:rPr lang="en-CH" dirty="0">
-                <a:solidFill>
-                  <a:schemeClr val="tx1"/>
-                </a:solidFill>
-              </a:rPr>
-              <a:t>Up to Prayer Room</a:t>
-            </a:r>
-          </a:p>
-        </p:txBody>
-      </p:sp>
-      <p:cxnSp>
-        <p:nvCxnSpPr>
-          <p:cNvPr id="13" name="Curved Connector 12">
-            <a:extLst>
-              <a:ext uri="{FF2B5EF4-FFF2-40B4-BE49-F238E27FC236}">
-                <a16:creationId xmlns:a16="http://schemas.microsoft.com/office/drawing/2014/main" id="{93FFFB22-C223-02B2-E756-B93F7B5FE9DA}"/>
-              </a:ext>
-            </a:extLst>
-          </p:cNvPr>
-          <p:cNvCxnSpPr>
-            <a:cxnSpLocks/>
-            <a:stCxn id="7" idx="0"/>
-            <a:endCxn id="12" idx="2"/>
-          </p:cNvCxnSpPr>
-          <p:nvPr/>
-        </p:nvCxnSpPr>
-        <p:spPr>
-          <a:xfrm rot="5400000" flipH="1" flipV="1">
-            <a:off x="5930046" y="2128792"/>
-            <a:ext cx="331906" cy="12700"/>
-          </a:xfrm>
-          <a:prstGeom prst="curvedConnector3">
-            <a:avLst>
-              <a:gd name="adj1" fmla="val 50000"/>
-            </a:avLst>
-          </a:prstGeom>
-          <a:ln w="12700">
-            <a:solidFill>
-              <a:schemeClr val="accent2"/>
-            </a:solidFill>
-            <a:headEnd type="triangle"/>
-            <a:tailEnd type="triangle"/>
-          </a:ln>
-        </p:spPr>
-        <p:style>
-          <a:lnRef idx="1">
-            <a:schemeClr val="accent1"/>
-          </a:lnRef>
-          <a:fillRef idx="0">
-            <a:schemeClr val="accent1"/>
-          </a:fillRef>
-          <a:effectRef idx="0">
-            <a:schemeClr val="accent1"/>
-          </a:effectRef>
-          <a:fontRef idx="minor">
-            <a:schemeClr val="tx1"/>
-          </a:fontRef>
-        </p:style>
-      </p:cxnSp>
+              <a:t>IN PROTOTYPE</a:t>
+            </a:r>
+          </a:p>
+        </p:txBody>
+      </p:sp>
     </p:spTree>
     <p:extLst>
       <p:ext uri="{BB962C8B-B14F-4D97-AF65-F5344CB8AC3E}">
